--- a/PC/Material.pptx
+++ b/PC/Material.pptx
@@ -242,7 +242,7 @@
           <a:p>
             <a:fld id="{D759A370-72B1-459F-A9DA-8ECB61DD9A09}" type="datetimeFigureOut">
               <a:rPr lang="es-MX" smtClean="0"/>
-              <a:t>23/03/2023</a:t>
+              <a:t>19/01/2024</a:t>
             </a:fld>
             <a:endParaRPr lang="es-MX"/>
           </a:p>
@@ -696,7 +696,7 @@
           <a:p>
             <a:fld id="{E2C99C4E-7F49-4493-8342-CDD3F518FA54}" type="datetime1">
               <a:rPr lang="es-MX" smtClean="0"/>
-              <a:t>23/03/2023</a:t>
+              <a:t>19/01/2024</a:t>
             </a:fld>
             <a:endParaRPr lang="es-MX"/>
           </a:p>
@@ -966,7 +966,7 @@
           <a:p>
             <a:fld id="{0A02DD94-BA1D-4453-9CF6-F3706DF395B9}" type="datetime1">
               <a:rPr lang="es-MX" smtClean="0"/>
-              <a:t>23/03/2023</a:t>
+              <a:t>19/01/2024</a:t>
             </a:fld>
             <a:endParaRPr lang="es-MX"/>
           </a:p>
@@ -1155,7 +1155,7 @@
           <a:p>
             <a:fld id="{48321525-5580-497F-BB10-D4507469FE81}" type="datetime1">
               <a:rPr lang="es-MX" smtClean="0"/>
-              <a:t>23/03/2023</a:t>
+              <a:t>19/01/2024</a:t>
             </a:fld>
             <a:endParaRPr lang="es-MX"/>
           </a:p>
@@ -1423,7 +1423,7 @@
           <a:p>
             <a:fld id="{29D42EB7-4B5D-4E1C-94E0-7A08E788912D}" type="datetime1">
               <a:rPr lang="es-MX" smtClean="0"/>
-              <a:t>23/03/2023</a:t>
+              <a:t>19/01/2024</a:t>
             </a:fld>
             <a:endParaRPr lang="es-MX"/>
           </a:p>
@@ -1759,7 +1759,7 @@
           <a:p>
             <a:fld id="{FD4BAD7B-8CC7-4FE1-BF47-974B90CF5530}" type="datetime1">
               <a:rPr lang="es-MX" smtClean="0"/>
-              <a:t>23/03/2023</a:t>
+              <a:t>19/01/2024</a:t>
             </a:fld>
             <a:endParaRPr lang="es-MX"/>
           </a:p>
@@ -2377,7 +2377,7 @@
           <a:p>
             <a:fld id="{6E8B7582-4028-40D4-85DC-427C7A1CB04B}" type="datetime1">
               <a:rPr lang="es-MX" smtClean="0"/>
-              <a:t>23/03/2023</a:t>
+              <a:t>19/01/2024</a:t>
             </a:fld>
             <a:endParaRPr lang="es-MX"/>
           </a:p>
@@ -3232,7 +3232,7 @@
           <a:p>
             <a:fld id="{2D75EB99-D254-44B1-8617-7928D1F58D7F}" type="datetime1">
               <a:rPr lang="es-MX" smtClean="0"/>
-              <a:t>23/03/2023</a:t>
+              <a:t>19/01/2024</a:t>
             </a:fld>
             <a:endParaRPr lang="es-MX"/>
           </a:p>
@@ -3397,7 +3397,7 @@
           <a:p>
             <a:fld id="{19859464-5776-40A3-B7DB-14C33CFE33D9}" type="datetime1">
               <a:rPr lang="es-MX" smtClean="0"/>
-              <a:t>23/03/2023</a:t>
+              <a:t>19/01/2024</a:t>
             </a:fld>
             <a:endParaRPr lang="es-MX"/>
           </a:p>
@@ -3572,7 +3572,7 @@
           <a:p>
             <a:fld id="{01DA45F4-C5CA-4941-BBF0-94B2AB0212B9}" type="datetime1">
               <a:rPr lang="es-MX" smtClean="0"/>
-              <a:t>23/03/2023</a:t>
+              <a:t>19/01/2024</a:t>
             </a:fld>
             <a:endParaRPr lang="es-MX"/>
           </a:p>
@@ -3737,7 +3737,7 @@
           <a:p>
             <a:fld id="{53588BB8-0A90-4F13-98AD-49C1237B6175}" type="datetime1">
               <a:rPr lang="es-MX" smtClean="0"/>
-              <a:t>23/03/2023</a:t>
+              <a:t>19/01/2024</a:t>
             </a:fld>
             <a:endParaRPr lang="es-MX"/>
           </a:p>
@@ -3979,7 +3979,7 @@
           <a:p>
             <a:fld id="{8385BBFC-CAA1-49B7-892B-FFC04CC5151A}" type="datetime1">
               <a:rPr lang="es-MX" smtClean="0"/>
-              <a:t>23/03/2023</a:t>
+              <a:t>19/01/2024</a:t>
             </a:fld>
             <a:endParaRPr lang="es-MX"/>
           </a:p>
@@ -4266,7 +4266,7 @@
           <a:p>
             <a:fld id="{67F99CAB-1DB5-4512-A2D0-575F69375077}" type="datetime1">
               <a:rPr lang="es-MX" smtClean="0"/>
-              <a:t>23/03/2023</a:t>
+              <a:t>19/01/2024</a:t>
             </a:fld>
             <a:endParaRPr lang="es-MX"/>
           </a:p>
@@ -4705,7 +4705,7 @@
           <a:p>
             <a:fld id="{8DCE2367-4651-48A6-911D-C9DE9AD57AAD}" type="datetime1">
               <a:rPr lang="es-MX" smtClean="0"/>
-              <a:t>23/03/2023</a:t>
+              <a:t>19/01/2024</a:t>
             </a:fld>
             <a:endParaRPr lang="es-MX"/>
           </a:p>
@@ -4818,7 +4818,7 @@
           <a:p>
             <a:fld id="{C594E68C-2836-430D-9825-67B5FD6AC94B}" type="datetime1">
               <a:rPr lang="es-MX" smtClean="0"/>
-              <a:t>23/03/2023</a:t>
+              <a:t>19/01/2024</a:t>
             </a:fld>
             <a:endParaRPr lang="es-MX"/>
           </a:p>
@@ -4908,7 +4908,7 @@
           <a:p>
             <a:fld id="{D7C1060F-A50E-4E61-BFDA-9886BDFD7D17}" type="datetime1">
               <a:rPr lang="es-MX" smtClean="0"/>
-              <a:t>23/03/2023</a:t>
+              <a:t>19/01/2024</a:t>
             </a:fld>
             <a:endParaRPr lang="es-MX"/>
           </a:p>
@@ -5182,7 +5182,7 @@
           <a:p>
             <a:fld id="{639E2841-E845-4800-9578-36AAAD56E4AC}" type="datetime1">
               <a:rPr lang="es-MX" smtClean="0"/>
-              <a:t>23/03/2023</a:t>
+              <a:t>19/01/2024</a:t>
             </a:fld>
             <a:endParaRPr lang="es-MX"/>
           </a:p>
@@ -5452,7 +5452,7 @@
           <a:p>
             <a:fld id="{48268E44-5CB2-4776-A1A3-54CE616CC400}" type="datetime1">
               <a:rPr lang="es-MX" smtClean="0"/>
-              <a:t>23/03/2023</a:t>
+              <a:t>19/01/2024</a:t>
             </a:fld>
             <a:endParaRPr lang="es-MX"/>
           </a:p>
@@ -5884,7 +5884,7 @@
           <a:p>
             <a:fld id="{9ED6FAD1-01AC-472A-9C73-AD3ADF8ACA80}" type="datetime1">
               <a:rPr lang="es-MX" smtClean="0"/>
-              <a:t>23/03/2023</a:t>
+              <a:t>19/01/2024</a:t>
             </a:fld>
             <a:endParaRPr lang="es-MX"/>
           </a:p>
@@ -6436,179 +6436,6 @@
           </a:p>
         </p:txBody>
       </p:sp>
-      <p:grpSp>
-        <p:nvGrpSpPr>
-          <p:cNvPr id="4" name="Grupo 3"/>
-          <p:cNvGrpSpPr/>
-          <p:nvPr/>
-        </p:nvGrpSpPr>
-        <p:grpSpPr>
-          <a:xfrm>
-            <a:off x="-13252" y="5734254"/>
-            <a:ext cx="12205252" cy="1104061"/>
-            <a:chOff x="-13252" y="5416754"/>
-            <a:chExt cx="12205252" cy="1104061"/>
-          </a:xfrm>
-        </p:grpSpPr>
-        <p:grpSp>
-          <p:nvGrpSpPr>
-            <p:cNvPr id="5" name="Grupo 4"/>
-            <p:cNvGrpSpPr/>
-            <p:nvPr/>
-          </p:nvGrpSpPr>
-          <p:grpSpPr>
-            <a:xfrm>
-              <a:off x="-13252" y="5416754"/>
-              <a:ext cx="12205252" cy="1104061"/>
-              <a:chOff x="-13252" y="5416754"/>
-              <a:chExt cx="12205252" cy="1104061"/>
-            </a:xfrm>
-          </p:grpSpPr>
-          <p:sp>
-            <p:nvSpPr>
-              <p:cNvPr id="7" name="Rectángulo 6"/>
-              <p:cNvSpPr/>
-              <p:nvPr/>
-            </p:nvSpPr>
-            <p:spPr>
-              <a:xfrm>
-                <a:off x="0" y="5566658"/>
-                <a:ext cx="12192000" cy="794385"/>
-              </a:xfrm>
-              <a:prstGeom prst="rect">
-                <a:avLst/>
-              </a:prstGeom>
-              <a:solidFill>
-                <a:schemeClr val="tx1"/>
-              </a:solidFill>
-              <a:ln>
-                <a:noFill/>
-              </a:ln>
-            </p:spPr>
-            <p:style>
-              <a:lnRef idx="2">
-                <a:schemeClr val="accent1">
-                  <a:shade val="50000"/>
-                </a:schemeClr>
-              </a:lnRef>
-              <a:fillRef idx="1">
-                <a:schemeClr val="accent1"/>
-              </a:fillRef>
-              <a:effectRef idx="0">
-                <a:schemeClr val="accent1"/>
-              </a:effectRef>
-              <a:fontRef idx="minor">
-                <a:schemeClr val="lt1"/>
-              </a:fontRef>
-            </p:style>
-            <p:txBody>
-              <a:bodyPr rtlCol="0" anchor="ctr"/>
-              <a:lstStyle/>
-              <a:p>
-                <a:pPr algn="ctr"/>
-                <a:endParaRPr lang="es-MX"/>
-              </a:p>
-            </p:txBody>
-          </p:sp>
-          <p:pic>
-            <p:nvPicPr>
-              <p:cNvPr id="8" name="Imagen 7"/>
-              <p:cNvPicPr>
-                <a:picLocks noChangeAspect="1"/>
-              </p:cNvPicPr>
-              <p:nvPr/>
-            </p:nvPicPr>
-            <p:blipFill>
-              <a:blip r:embed="rId2"/>
-              <a:stretch>
-                <a:fillRect/>
-              </a:stretch>
-            </p:blipFill>
-            <p:spPr>
-              <a:xfrm>
-                <a:off x="-13252" y="5428930"/>
-                <a:ext cx="4776997" cy="1091885"/>
-              </a:xfrm>
-              <a:prstGeom prst="rect">
-                <a:avLst/>
-              </a:prstGeom>
-            </p:spPr>
-          </p:pic>
-          <p:pic>
-            <p:nvPicPr>
-              <p:cNvPr id="9" name="Imagen 8"/>
-              <p:cNvPicPr>
-                <a:picLocks noChangeAspect="1"/>
-              </p:cNvPicPr>
-              <p:nvPr/>
-            </p:nvPicPr>
-            <p:blipFill>
-              <a:blip r:embed="rId2"/>
-              <a:stretch>
-                <a:fillRect/>
-              </a:stretch>
-            </p:blipFill>
-            <p:spPr>
-              <a:xfrm>
-                <a:off x="4732478" y="5416754"/>
-                <a:ext cx="4776997" cy="1091885"/>
-              </a:xfrm>
-              <a:prstGeom prst="rect">
-                <a:avLst/>
-              </a:prstGeom>
-            </p:spPr>
-          </p:pic>
-          <p:pic>
-            <p:nvPicPr>
-              <p:cNvPr id="10" name="Imagen 9"/>
-              <p:cNvPicPr>
-                <a:picLocks noChangeAspect="1"/>
-              </p:cNvPicPr>
-              <p:nvPr/>
-            </p:nvPicPr>
-            <p:blipFill rotWithShape="1">
-              <a:blip r:embed="rId2"/>
-              <a:srcRect l="43845"/>
-              <a:stretch>
-                <a:fillRect/>
-              </a:stretch>
-            </p:blipFill>
-            <p:spPr>
-              <a:xfrm>
-                <a:off x="9509475" y="5416754"/>
-                <a:ext cx="2682525" cy="1091885"/>
-              </a:xfrm>
-              <a:prstGeom prst="rect">
-                <a:avLst/>
-              </a:prstGeom>
-            </p:spPr>
-          </p:pic>
-        </p:grpSp>
-        <p:pic>
-          <p:nvPicPr>
-            <p:cNvPr id="6" name="Imagen 5"/>
-            <p:cNvPicPr>
-              <a:picLocks noChangeAspect="1"/>
-            </p:cNvPicPr>
-            <p:nvPr/>
-          </p:nvPicPr>
-          <p:blipFill>
-            <a:blip r:embed="rId3"/>
-            <a:stretch>
-              <a:fillRect/>
-            </a:stretch>
-          </p:blipFill>
-          <p:spPr>
-            <a:xfrm>
-              <a:off x="4364554" y="5547721"/>
-              <a:ext cx="3255445" cy="854301"/>
-            </a:xfrm>
-            <a:prstGeom prst="rect">
-              <a:avLst/>
-            </a:prstGeom>
-          </p:spPr>
-        </p:pic>
-      </p:grpSp>
       <p:sp>
         <p:nvSpPr>
           <p:cNvPr id="16" name="CuadroTexto 15"/>
@@ -6905,179 +6732,6 @@
           <a:chExt cx="0" cy="0"/>
         </a:xfrm>
       </p:grpSpPr>
-      <p:grpSp>
-        <p:nvGrpSpPr>
-          <p:cNvPr id="2" name="Grupo 1"/>
-          <p:cNvGrpSpPr/>
-          <p:nvPr/>
-        </p:nvGrpSpPr>
-        <p:grpSpPr>
-          <a:xfrm>
-            <a:off x="-13252" y="5734254"/>
-            <a:ext cx="12205252" cy="1104061"/>
-            <a:chOff x="-13252" y="5416754"/>
-            <a:chExt cx="12205252" cy="1104061"/>
-          </a:xfrm>
-        </p:grpSpPr>
-        <p:grpSp>
-          <p:nvGrpSpPr>
-            <p:cNvPr id="3" name="Grupo 2"/>
-            <p:cNvGrpSpPr/>
-            <p:nvPr/>
-          </p:nvGrpSpPr>
-          <p:grpSpPr>
-            <a:xfrm>
-              <a:off x="-13252" y="5416754"/>
-              <a:ext cx="12205252" cy="1104061"/>
-              <a:chOff x="-13252" y="5416754"/>
-              <a:chExt cx="12205252" cy="1104061"/>
-            </a:xfrm>
-          </p:grpSpPr>
-          <p:sp>
-            <p:nvSpPr>
-              <p:cNvPr id="5" name="Rectángulo 4"/>
-              <p:cNvSpPr/>
-              <p:nvPr/>
-            </p:nvSpPr>
-            <p:spPr>
-              <a:xfrm>
-                <a:off x="0" y="5566658"/>
-                <a:ext cx="12192000" cy="794385"/>
-              </a:xfrm>
-              <a:prstGeom prst="rect">
-                <a:avLst/>
-              </a:prstGeom>
-              <a:solidFill>
-                <a:schemeClr val="tx1"/>
-              </a:solidFill>
-              <a:ln>
-                <a:noFill/>
-              </a:ln>
-            </p:spPr>
-            <p:style>
-              <a:lnRef idx="2">
-                <a:schemeClr val="accent1">
-                  <a:shade val="50000"/>
-                </a:schemeClr>
-              </a:lnRef>
-              <a:fillRef idx="1">
-                <a:schemeClr val="accent1"/>
-              </a:fillRef>
-              <a:effectRef idx="0">
-                <a:schemeClr val="accent1"/>
-              </a:effectRef>
-              <a:fontRef idx="minor">
-                <a:schemeClr val="lt1"/>
-              </a:fontRef>
-            </p:style>
-            <p:txBody>
-              <a:bodyPr rtlCol="0" anchor="ctr"/>
-              <a:lstStyle/>
-              <a:p>
-                <a:pPr algn="ctr"/>
-                <a:endParaRPr lang="es-MX"/>
-              </a:p>
-            </p:txBody>
-          </p:sp>
-          <p:pic>
-            <p:nvPicPr>
-              <p:cNvPr id="6" name="Imagen 5"/>
-              <p:cNvPicPr>
-                <a:picLocks noChangeAspect="1"/>
-              </p:cNvPicPr>
-              <p:nvPr/>
-            </p:nvPicPr>
-            <p:blipFill>
-              <a:blip r:embed="rId2"/>
-              <a:stretch>
-                <a:fillRect/>
-              </a:stretch>
-            </p:blipFill>
-            <p:spPr>
-              <a:xfrm>
-                <a:off x="-13252" y="5428930"/>
-                <a:ext cx="4776997" cy="1091885"/>
-              </a:xfrm>
-              <a:prstGeom prst="rect">
-                <a:avLst/>
-              </a:prstGeom>
-            </p:spPr>
-          </p:pic>
-          <p:pic>
-            <p:nvPicPr>
-              <p:cNvPr id="7" name="Imagen 6"/>
-              <p:cNvPicPr>
-                <a:picLocks noChangeAspect="1"/>
-              </p:cNvPicPr>
-              <p:nvPr/>
-            </p:nvPicPr>
-            <p:blipFill>
-              <a:blip r:embed="rId2"/>
-              <a:stretch>
-                <a:fillRect/>
-              </a:stretch>
-            </p:blipFill>
-            <p:spPr>
-              <a:xfrm>
-                <a:off x="4732478" y="5416754"/>
-                <a:ext cx="4776997" cy="1091885"/>
-              </a:xfrm>
-              <a:prstGeom prst="rect">
-                <a:avLst/>
-              </a:prstGeom>
-            </p:spPr>
-          </p:pic>
-          <p:pic>
-            <p:nvPicPr>
-              <p:cNvPr id="8" name="Imagen 7"/>
-              <p:cNvPicPr>
-                <a:picLocks noChangeAspect="1"/>
-              </p:cNvPicPr>
-              <p:nvPr/>
-            </p:nvPicPr>
-            <p:blipFill rotWithShape="1">
-              <a:blip r:embed="rId2"/>
-              <a:srcRect l="43845"/>
-              <a:stretch>
-                <a:fillRect/>
-              </a:stretch>
-            </p:blipFill>
-            <p:spPr>
-              <a:xfrm>
-                <a:off x="9509475" y="5416754"/>
-                <a:ext cx="2682525" cy="1091885"/>
-              </a:xfrm>
-              <a:prstGeom prst="rect">
-                <a:avLst/>
-              </a:prstGeom>
-            </p:spPr>
-          </p:pic>
-        </p:grpSp>
-        <p:pic>
-          <p:nvPicPr>
-            <p:cNvPr id="4" name="Imagen 3"/>
-            <p:cNvPicPr>
-              <a:picLocks noChangeAspect="1"/>
-            </p:cNvPicPr>
-            <p:nvPr/>
-          </p:nvPicPr>
-          <p:blipFill>
-            <a:blip r:embed="rId3"/>
-            <a:stretch>
-              <a:fillRect/>
-            </a:stretch>
-          </p:blipFill>
-          <p:spPr>
-            <a:xfrm>
-              <a:off x="4364554" y="5547721"/>
-              <a:ext cx="3255445" cy="854301"/>
-            </a:xfrm>
-            <a:prstGeom prst="rect">
-              <a:avLst/>
-            </a:prstGeom>
-          </p:spPr>
-        </p:pic>
-      </p:grpSp>
       <p:sp>
         <p:nvSpPr>
           <p:cNvPr id="9" name="Título 1"/>
@@ -7187,7 +6841,7 @@
           <p:nvPr/>
         </p:nvPicPr>
         <p:blipFill>
-          <a:blip r:embed="rId4"/>
+          <a:blip r:embed="rId2"/>
           <a:stretch>
             <a:fillRect/>
           </a:stretch>
@@ -7217,7 +6871,7 @@
           <p:nvPr/>
         </p:nvPicPr>
         <p:blipFill>
-          <a:blip r:embed="rId5"/>
+          <a:blip r:embed="rId3"/>
           <a:stretch>
             <a:fillRect/>
           </a:stretch>
@@ -7292,179 +6946,6 @@
           <a:chExt cx="0" cy="0"/>
         </a:xfrm>
       </p:grpSpPr>
-      <p:grpSp>
-        <p:nvGrpSpPr>
-          <p:cNvPr id="2" name="Grupo 1"/>
-          <p:cNvGrpSpPr/>
-          <p:nvPr/>
-        </p:nvGrpSpPr>
-        <p:grpSpPr>
-          <a:xfrm>
-            <a:off x="-13252" y="5734254"/>
-            <a:ext cx="12205252" cy="1104061"/>
-            <a:chOff x="-13252" y="5416754"/>
-            <a:chExt cx="12205252" cy="1104061"/>
-          </a:xfrm>
-        </p:grpSpPr>
-        <p:grpSp>
-          <p:nvGrpSpPr>
-            <p:cNvPr id="3" name="Grupo 2"/>
-            <p:cNvGrpSpPr/>
-            <p:nvPr/>
-          </p:nvGrpSpPr>
-          <p:grpSpPr>
-            <a:xfrm>
-              <a:off x="-13252" y="5416754"/>
-              <a:ext cx="12205252" cy="1104061"/>
-              <a:chOff x="-13252" y="5416754"/>
-              <a:chExt cx="12205252" cy="1104061"/>
-            </a:xfrm>
-          </p:grpSpPr>
-          <p:sp>
-            <p:nvSpPr>
-              <p:cNvPr id="5" name="Rectángulo 4"/>
-              <p:cNvSpPr/>
-              <p:nvPr/>
-            </p:nvSpPr>
-            <p:spPr>
-              <a:xfrm>
-                <a:off x="0" y="5566658"/>
-                <a:ext cx="12192000" cy="794385"/>
-              </a:xfrm>
-              <a:prstGeom prst="rect">
-                <a:avLst/>
-              </a:prstGeom>
-              <a:solidFill>
-                <a:schemeClr val="tx1"/>
-              </a:solidFill>
-              <a:ln>
-                <a:noFill/>
-              </a:ln>
-            </p:spPr>
-            <p:style>
-              <a:lnRef idx="2">
-                <a:schemeClr val="accent1">
-                  <a:shade val="50000"/>
-                </a:schemeClr>
-              </a:lnRef>
-              <a:fillRef idx="1">
-                <a:schemeClr val="accent1"/>
-              </a:fillRef>
-              <a:effectRef idx="0">
-                <a:schemeClr val="accent1"/>
-              </a:effectRef>
-              <a:fontRef idx="minor">
-                <a:schemeClr val="lt1"/>
-              </a:fontRef>
-            </p:style>
-            <p:txBody>
-              <a:bodyPr rtlCol="0" anchor="ctr"/>
-              <a:lstStyle/>
-              <a:p>
-                <a:pPr algn="ctr"/>
-                <a:endParaRPr lang="es-MX"/>
-              </a:p>
-            </p:txBody>
-          </p:sp>
-          <p:pic>
-            <p:nvPicPr>
-              <p:cNvPr id="6" name="Imagen 5"/>
-              <p:cNvPicPr>
-                <a:picLocks noChangeAspect="1"/>
-              </p:cNvPicPr>
-              <p:nvPr/>
-            </p:nvPicPr>
-            <p:blipFill>
-              <a:blip r:embed="rId2"/>
-              <a:stretch>
-                <a:fillRect/>
-              </a:stretch>
-            </p:blipFill>
-            <p:spPr>
-              <a:xfrm>
-                <a:off x="-13252" y="5428930"/>
-                <a:ext cx="4776997" cy="1091885"/>
-              </a:xfrm>
-              <a:prstGeom prst="rect">
-                <a:avLst/>
-              </a:prstGeom>
-            </p:spPr>
-          </p:pic>
-          <p:pic>
-            <p:nvPicPr>
-              <p:cNvPr id="7" name="Imagen 6"/>
-              <p:cNvPicPr>
-                <a:picLocks noChangeAspect="1"/>
-              </p:cNvPicPr>
-              <p:nvPr/>
-            </p:nvPicPr>
-            <p:blipFill>
-              <a:blip r:embed="rId2"/>
-              <a:stretch>
-                <a:fillRect/>
-              </a:stretch>
-            </p:blipFill>
-            <p:spPr>
-              <a:xfrm>
-                <a:off x="4732478" y="5416754"/>
-                <a:ext cx="4776997" cy="1091885"/>
-              </a:xfrm>
-              <a:prstGeom prst="rect">
-                <a:avLst/>
-              </a:prstGeom>
-            </p:spPr>
-          </p:pic>
-          <p:pic>
-            <p:nvPicPr>
-              <p:cNvPr id="8" name="Imagen 7"/>
-              <p:cNvPicPr>
-                <a:picLocks noChangeAspect="1"/>
-              </p:cNvPicPr>
-              <p:nvPr/>
-            </p:nvPicPr>
-            <p:blipFill rotWithShape="1">
-              <a:blip r:embed="rId2"/>
-              <a:srcRect l="43845"/>
-              <a:stretch>
-                <a:fillRect/>
-              </a:stretch>
-            </p:blipFill>
-            <p:spPr>
-              <a:xfrm>
-                <a:off x="9509475" y="5416754"/>
-                <a:ext cx="2682525" cy="1091885"/>
-              </a:xfrm>
-              <a:prstGeom prst="rect">
-                <a:avLst/>
-              </a:prstGeom>
-            </p:spPr>
-          </p:pic>
-        </p:grpSp>
-        <p:pic>
-          <p:nvPicPr>
-            <p:cNvPr id="4" name="Imagen 3"/>
-            <p:cNvPicPr>
-              <a:picLocks noChangeAspect="1"/>
-            </p:cNvPicPr>
-            <p:nvPr/>
-          </p:nvPicPr>
-          <p:blipFill>
-            <a:blip r:embed="rId3"/>
-            <a:stretch>
-              <a:fillRect/>
-            </a:stretch>
-          </p:blipFill>
-          <p:spPr>
-            <a:xfrm>
-              <a:off x="4364554" y="5547721"/>
-              <a:ext cx="3255445" cy="854301"/>
-            </a:xfrm>
-            <a:prstGeom prst="rect">
-              <a:avLst/>
-            </a:prstGeom>
-          </p:spPr>
-        </p:pic>
-      </p:grpSp>
       <p:sp>
         <p:nvSpPr>
           <p:cNvPr id="9" name="Título 1"/>
@@ -7751,179 +7232,6 @@
           <a:chExt cx="0" cy="0"/>
         </a:xfrm>
       </p:grpSpPr>
-      <p:grpSp>
-        <p:nvGrpSpPr>
-          <p:cNvPr id="4" name="Grupo 3"/>
-          <p:cNvGrpSpPr/>
-          <p:nvPr/>
-        </p:nvGrpSpPr>
-        <p:grpSpPr>
-          <a:xfrm>
-            <a:off x="-13252" y="5734254"/>
-            <a:ext cx="12205252" cy="1104061"/>
-            <a:chOff x="-13252" y="5416754"/>
-            <a:chExt cx="12205252" cy="1104061"/>
-          </a:xfrm>
-        </p:grpSpPr>
-        <p:grpSp>
-          <p:nvGrpSpPr>
-            <p:cNvPr id="5" name="Grupo 4"/>
-            <p:cNvGrpSpPr/>
-            <p:nvPr/>
-          </p:nvGrpSpPr>
-          <p:grpSpPr>
-            <a:xfrm>
-              <a:off x="-13252" y="5416754"/>
-              <a:ext cx="12205252" cy="1104061"/>
-              <a:chOff x="-13252" y="5416754"/>
-              <a:chExt cx="12205252" cy="1104061"/>
-            </a:xfrm>
-          </p:grpSpPr>
-          <p:sp>
-            <p:nvSpPr>
-              <p:cNvPr id="7" name="Rectángulo 6"/>
-              <p:cNvSpPr/>
-              <p:nvPr/>
-            </p:nvSpPr>
-            <p:spPr>
-              <a:xfrm>
-                <a:off x="0" y="5566658"/>
-                <a:ext cx="12192000" cy="794385"/>
-              </a:xfrm>
-              <a:prstGeom prst="rect">
-                <a:avLst/>
-              </a:prstGeom>
-              <a:solidFill>
-                <a:schemeClr val="tx1"/>
-              </a:solidFill>
-              <a:ln>
-                <a:noFill/>
-              </a:ln>
-            </p:spPr>
-            <p:style>
-              <a:lnRef idx="2">
-                <a:schemeClr val="accent1">
-                  <a:shade val="50000"/>
-                </a:schemeClr>
-              </a:lnRef>
-              <a:fillRef idx="1">
-                <a:schemeClr val="accent1"/>
-              </a:fillRef>
-              <a:effectRef idx="0">
-                <a:schemeClr val="accent1"/>
-              </a:effectRef>
-              <a:fontRef idx="minor">
-                <a:schemeClr val="lt1"/>
-              </a:fontRef>
-            </p:style>
-            <p:txBody>
-              <a:bodyPr rtlCol="0" anchor="ctr"/>
-              <a:lstStyle/>
-              <a:p>
-                <a:pPr algn="ctr"/>
-                <a:endParaRPr lang="es-MX"/>
-              </a:p>
-            </p:txBody>
-          </p:sp>
-          <p:pic>
-            <p:nvPicPr>
-              <p:cNvPr id="8" name="Imagen 7"/>
-              <p:cNvPicPr>
-                <a:picLocks noChangeAspect="1"/>
-              </p:cNvPicPr>
-              <p:nvPr/>
-            </p:nvPicPr>
-            <p:blipFill>
-              <a:blip r:embed="rId2"/>
-              <a:stretch>
-                <a:fillRect/>
-              </a:stretch>
-            </p:blipFill>
-            <p:spPr>
-              <a:xfrm>
-                <a:off x="-13252" y="5428930"/>
-                <a:ext cx="4776997" cy="1091885"/>
-              </a:xfrm>
-              <a:prstGeom prst="rect">
-                <a:avLst/>
-              </a:prstGeom>
-            </p:spPr>
-          </p:pic>
-          <p:pic>
-            <p:nvPicPr>
-              <p:cNvPr id="9" name="Imagen 8"/>
-              <p:cNvPicPr>
-                <a:picLocks noChangeAspect="1"/>
-              </p:cNvPicPr>
-              <p:nvPr/>
-            </p:nvPicPr>
-            <p:blipFill>
-              <a:blip r:embed="rId2"/>
-              <a:stretch>
-                <a:fillRect/>
-              </a:stretch>
-            </p:blipFill>
-            <p:spPr>
-              <a:xfrm>
-                <a:off x="4732478" y="5416754"/>
-                <a:ext cx="4776997" cy="1091885"/>
-              </a:xfrm>
-              <a:prstGeom prst="rect">
-                <a:avLst/>
-              </a:prstGeom>
-            </p:spPr>
-          </p:pic>
-          <p:pic>
-            <p:nvPicPr>
-              <p:cNvPr id="10" name="Imagen 9"/>
-              <p:cNvPicPr>
-                <a:picLocks noChangeAspect="1"/>
-              </p:cNvPicPr>
-              <p:nvPr/>
-            </p:nvPicPr>
-            <p:blipFill rotWithShape="1">
-              <a:blip r:embed="rId2"/>
-              <a:srcRect l="43845"/>
-              <a:stretch>
-                <a:fillRect/>
-              </a:stretch>
-            </p:blipFill>
-            <p:spPr>
-              <a:xfrm>
-                <a:off x="9509475" y="5416754"/>
-                <a:ext cx="2682525" cy="1091885"/>
-              </a:xfrm>
-              <a:prstGeom prst="rect">
-                <a:avLst/>
-              </a:prstGeom>
-            </p:spPr>
-          </p:pic>
-        </p:grpSp>
-        <p:pic>
-          <p:nvPicPr>
-            <p:cNvPr id="6" name="Imagen 5"/>
-            <p:cNvPicPr>
-              <a:picLocks noChangeAspect="1"/>
-            </p:cNvPicPr>
-            <p:nvPr/>
-          </p:nvPicPr>
-          <p:blipFill>
-            <a:blip r:embed="rId3"/>
-            <a:stretch>
-              <a:fillRect/>
-            </a:stretch>
-          </p:blipFill>
-          <p:spPr>
-            <a:xfrm>
-              <a:off x="4364554" y="5547721"/>
-              <a:ext cx="3255445" cy="854301"/>
-            </a:xfrm>
-            <a:prstGeom prst="rect">
-              <a:avLst/>
-            </a:prstGeom>
-          </p:spPr>
-        </p:pic>
-      </p:grpSp>
       <p:sp>
         <p:nvSpPr>
           <p:cNvPr id="11" name="Título 1"/>
@@ -8053,7 +7361,7 @@
             <p:nvPr/>
           </p:nvPicPr>
           <p:blipFill>
-            <a:blip r:embed="rId4"/>
+            <a:blip r:embed="rId2"/>
             <a:stretch>
               <a:fillRect/>
             </a:stretch>
@@ -8183,179 +7491,6 @@
           <a:chExt cx="0" cy="0"/>
         </a:xfrm>
       </p:grpSpPr>
-      <p:grpSp>
-        <p:nvGrpSpPr>
-          <p:cNvPr id="2" name="Grupo 1"/>
-          <p:cNvGrpSpPr/>
-          <p:nvPr/>
-        </p:nvGrpSpPr>
-        <p:grpSpPr>
-          <a:xfrm>
-            <a:off x="-13252" y="5734254"/>
-            <a:ext cx="12205252" cy="1104061"/>
-            <a:chOff x="-13252" y="5416754"/>
-            <a:chExt cx="12205252" cy="1104061"/>
-          </a:xfrm>
-        </p:grpSpPr>
-        <p:grpSp>
-          <p:nvGrpSpPr>
-            <p:cNvPr id="3" name="Grupo 2"/>
-            <p:cNvGrpSpPr/>
-            <p:nvPr/>
-          </p:nvGrpSpPr>
-          <p:grpSpPr>
-            <a:xfrm>
-              <a:off x="-13252" y="5416754"/>
-              <a:ext cx="12205252" cy="1104061"/>
-              <a:chOff x="-13252" y="5416754"/>
-              <a:chExt cx="12205252" cy="1104061"/>
-            </a:xfrm>
-          </p:grpSpPr>
-          <p:sp>
-            <p:nvSpPr>
-              <p:cNvPr id="5" name="Rectángulo 4"/>
-              <p:cNvSpPr/>
-              <p:nvPr/>
-            </p:nvSpPr>
-            <p:spPr>
-              <a:xfrm>
-                <a:off x="0" y="5566658"/>
-                <a:ext cx="12192000" cy="794385"/>
-              </a:xfrm>
-              <a:prstGeom prst="rect">
-                <a:avLst/>
-              </a:prstGeom>
-              <a:solidFill>
-                <a:schemeClr val="tx1"/>
-              </a:solidFill>
-              <a:ln>
-                <a:noFill/>
-              </a:ln>
-            </p:spPr>
-            <p:style>
-              <a:lnRef idx="2">
-                <a:schemeClr val="accent1">
-                  <a:shade val="50000"/>
-                </a:schemeClr>
-              </a:lnRef>
-              <a:fillRef idx="1">
-                <a:schemeClr val="accent1"/>
-              </a:fillRef>
-              <a:effectRef idx="0">
-                <a:schemeClr val="accent1"/>
-              </a:effectRef>
-              <a:fontRef idx="minor">
-                <a:schemeClr val="lt1"/>
-              </a:fontRef>
-            </p:style>
-            <p:txBody>
-              <a:bodyPr rtlCol="0" anchor="ctr"/>
-              <a:lstStyle/>
-              <a:p>
-                <a:pPr algn="ctr"/>
-                <a:endParaRPr lang="es-MX"/>
-              </a:p>
-            </p:txBody>
-          </p:sp>
-          <p:pic>
-            <p:nvPicPr>
-              <p:cNvPr id="6" name="Imagen 5"/>
-              <p:cNvPicPr>
-                <a:picLocks noChangeAspect="1"/>
-              </p:cNvPicPr>
-              <p:nvPr/>
-            </p:nvPicPr>
-            <p:blipFill>
-              <a:blip r:embed="rId2"/>
-              <a:stretch>
-                <a:fillRect/>
-              </a:stretch>
-            </p:blipFill>
-            <p:spPr>
-              <a:xfrm>
-                <a:off x="-13252" y="5428930"/>
-                <a:ext cx="4776997" cy="1091885"/>
-              </a:xfrm>
-              <a:prstGeom prst="rect">
-                <a:avLst/>
-              </a:prstGeom>
-            </p:spPr>
-          </p:pic>
-          <p:pic>
-            <p:nvPicPr>
-              <p:cNvPr id="7" name="Imagen 6"/>
-              <p:cNvPicPr>
-                <a:picLocks noChangeAspect="1"/>
-              </p:cNvPicPr>
-              <p:nvPr/>
-            </p:nvPicPr>
-            <p:blipFill>
-              <a:blip r:embed="rId2"/>
-              <a:stretch>
-                <a:fillRect/>
-              </a:stretch>
-            </p:blipFill>
-            <p:spPr>
-              <a:xfrm>
-                <a:off x="4732478" y="5416754"/>
-                <a:ext cx="4776997" cy="1091885"/>
-              </a:xfrm>
-              <a:prstGeom prst="rect">
-                <a:avLst/>
-              </a:prstGeom>
-            </p:spPr>
-          </p:pic>
-          <p:pic>
-            <p:nvPicPr>
-              <p:cNvPr id="8" name="Imagen 7"/>
-              <p:cNvPicPr>
-                <a:picLocks noChangeAspect="1"/>
-              </p:cNvPicPr>
-              <p:nvPr/>
-            </p:nvPicPr>
-            <p:blipFill rotWithShape="1">
-              <a:blip r:embed="rId2"/>
-              <a:srcRect l="43845"/>
-              <a:stretch>
-                <a:fillRect/>
-              </a:stretch>
-            </p:blipFill>
-            <p:spPr>
-              <a:xfrm>
-                <a:off x="9509475" y="5416754"/>
-                <a:ext cx="2682525" cy="1091885"/>
-              </a:xfrm>
-              <a:prstGeom prst="rect">
-                <a:avLst/>
-              </a:prstGeom>
-            </p:spPr>
-          </p:pic>
-        </p:grpSp>
-        <p:pic>
-          <p:nvPicPr>
-            <p:cNvPr id="4" name="Imagen 3"/>
-            <p:cNvPicPr>
-              <a:picLocks noChangeAspect="1"/>
-            </p:cNvPicPr>
-            <p:nvPr/>
-          </p:nvPicPr>
-          <p:blipFill>
-            <a:blip r:embed="rId3"/>
-            <a:stretch>
-              <a:fillRect/>
-            </a:stretch>
-          </p:blipFill>
-          <p:spPr>
-            <a:xfrm>
-              <a:off x="4364554" y="5547721"/>
-              <a:ext cx="3255445" cy="854301"/>
-            </a:xfrm>
-            <a:prstGeom prst="rect">
-              <a:avLst/>
-            </a:prstGeom>
-          </p:spPr>
-        </p:pic>
-      </p:grpSp>
       <p:sp>
         <p:nvSpPr>
           <p:cNvPr id="9" name="Título 1"/>
@@ -8569,179 +7704,6 @@
           <a:chExt cx="0" cy="0"/>
         </a:xfrm>
       </p:grpSpPr>
-      <p:grpSp>
-        <p:nvGrpSpPr>
-          <p:cNvPr id="2" name="Grupo 1"/>
-          <p:cNvGrpSpPr/>
-          <p:nvPr/>
-        </p:nvGrpSpPr>
-        <p:grpSpPr>
-          <a:xfrm>
-            <a:off x="-13252" y="5734254"/>
-            <a:ext cx="12205252" cy="1104061"/>
-            <a:chOff x="-13252" y="5416754"/>
-            <a:chExt cx="12205252" cy="1104061"/>
-          </a:xfrm>
-        </p:grpSpPr>
-        <p:grpSp>
-          <p:nvGrpSpPr>
-            <p:cNvPr id="3" name="Grupo 2"/>
-            <p:cNvGrpSpPr/>
-            <p:nvPr/>
-          </p:nvGrpSpPr>
-          <p:grpSpPr>
-            <a:xfrm>
-              <a:off x="-13252" y="5416754"/>
-              <a:ext cx="12205252" cy="1104061"/>
-              <a:chOff x="-13252" y="5416754"/>
-              <a:chExt cx="12205252" cy="1104061"/>
-            </a:xfrm>
-          </p:grpSpPr>
-          <p:sp>
-            <p:nvSpPr>
-              <p:cNvPr id="5" name="Rectángulo 4"/>
-              <p:cNvSpPr/>
-              <p:nvPr/>
-            </p:nvSpPr>
-            <p:spPr>
-              <a:xfrm>
-                <a:off x="0" y="5566658"/>
-                <a:ext cx="12192000" cy="794385"/>
-              </a:xfrm>
-              <a:prstGeom prst="rect">
-                <a:avLst/>
-              </a:prstGeom>
-              <a:solidFill>
-                <a:schemeClr val="tx1"/>
-              </a:solidFill>
-              <a:ln>
-                <a:noFill/>
-              </a:ln>
-            </p:spPr>
-            <p:style>
-              <a:lnRef idx="2">
-                <a:schemeClr val="accent1">
-                  <a:shade val="50000"/>
-                </a:schemeClr>
-              </a:lnRef>
-              <a:fillRef idx="1">
-                <a:schemeClr val="accent1"/>
-              </a:fillRef>
-              <a:effectRef idx="0">
-                <a:schemeClr val="accent1"/>
-              </a:effectRef>
-              <a:fontRef idx="minor">
-                <a:schemeClr val="lt1"/>
-              </a:fontRef>
-            </p:style>
-            <p:txBody>
-              <a:bodyPr rtlCol="0" anchor="ctr"/>
-              <a:lstStyle/>
-              <a:p>
-                <a:pPr algn="ctr"/>
-                <a:endParaRPr lang="es-MX"/>
-              </a:p>
-            </p:txBody>
-          </p:sp>
-          <p:pic>
-            <p:nvPicPr>
-              <p:cNvPr id="6" name="Imagen 5"/>
-              <p:cNvPicPr>
-                <a:picLocks noChangeAspect="1"/>
-              </p:cNvPicPr>
-              <p:nvPr/>
-            </p:nvPicPr>
-            <p:blipFill>
-              <a:blip r:embed="rId2"/>
-              <a:stretch>
-                <a:fillRect/>
-              </a:stretch>
-            </p:blipFill>
-            <p:spPr>
-              <a:xfrm>
-                <a:off x="-13252" y="5428930"/>
-                <a:ext cx="4776997" cy="1091885"/>
-              </a:xfrm>
-              <a:prstGeom prst="rect">
-                <a:avLst/>
-              </a:prstGeom>
-            </p:spPr>
-          </p:pic>
-          <p:pic>
-            <p:nvPicPr>
-              <p:cNvPr id="7" name="Imagen 6"/>
-              <p:cNvPicPr>
-                <a:picLocks noChangeAspect="1"/>
-              </p:cNvPicPr>
-              <p:nvPr/>
-            </p:nvPicPr>
-            <p:blipFill>
-              <a:blip r:embed="rId2"/>
-              <a:stretch>
-                <a:fillRect/>
-              </a:stretch>
-            </p:blipFill>
-            <p:spPr>
-              <a:xfrm>
-                <a:off x="4732478" y="5416754"/>
-                <a:ext cx="4776997" cy="1091885"/>
-              </a:xfrm>
-              <a:prstGeom prst="rect">
-                <a:avLst/>
-              </a:prstGeom>
-            </p:spPr>
-          </p:pic>
-          <p:pic>
-            <p:nvPicPr>
-              <p:cNvPr id="8" name="Imagen 7"/>
-              <p:cNvPicPr>
-                <a:picLocks noChangeAspect="1"/>
-              </p:cNvPicPr>
-              <p:nvPr/>
-            </p:nvPicPr>
-            <p:blipFill rotWithShape="1">
-              <a:blip r:embed="rId2"/>
-              <a:srcRect l="43845"/>
-              <a:stretch>
-                <a:fillRect/>
-              </a:stretch>
-            </p:blipFill>
-            <p:spPr>
-              <a:xfrm>
-                <a:off x="9509475" y="5416754"/>
-                <a:ext cx="2682525" cy="1091885"/>
-              </a:xfrm>
-              <a:prstGeom prst="rect">
-                <a:avLst/>
-              </a:prstGeom>
-            </p:spPr>
-          </p:pic>
-        </p:grpSp>
-        <p:pic>
-          <p:nvPicPr>
-            <p:cNvPr id="4" name="Imagen 3"/>
-            <p:cNvPicPr>
-              <a:picLocks noChangeAspect="1"/>
-            </p:cNvPicPr>
-            <p:nvPr/>
-          </p:nvPicPr>
-          <p:blipFill>
-            <a:blip r:embed="rId3"/>
-            <a:stretch>
-              <a:fillRect/>
-            </a:stretch>
-          </p:blipFill>
-          <p:spPr>
-            <a:xfrm>
-              <a:off x="4364554" y="5547721"/>
-              <a:ext cx="3255445" cy="854301"/>
-            </a:xfrm>
-            <a:prstGeom prst="rect">
-              <a:avLst/>
-            </a:prstGeom>
-          </p:spPr>
-        </p:pic>
-      </p:grpSp>
       <p:pic>
         <p:nvPicPr>
           <p:cNvPr id="12" name="Imagen 11"/>
@@ -8751,7 +7713,7 @@
           <p:nvPr/>
         </p:nvPicPr>
         <p:blipFill>
-          <a:blip r:embed="rId4"/>
+          <a:blip r:embed="rId2"/>
           <a:stretch>
             <a:fillRect/>
           </a:stretch>
@@ -8932,179 +7894,6 @@
           <a:chExt cx="0" cy="0"/>
         </a:xfrm>
       </p:grpSpPr>
-      <p:grpSp>
-        <p:nvGrpSpPr>
-          <p:cNvPr id="2" name="Grupo 1"/>
-          <p:cNvGrpSpPr/>
-          <p:nvPr/>
-        </p:nvGrpSpPr>
-        <p:grpSpPr>
-          <a:xfrm>
-            <a:off x="-13252" y="5734254"/>
-            <a:ext cx="12205252" cy="1104061"/>
-            <a:chOff x="-13252" y="5416754"/>
-            <a:chExt cx="12205252" cy="1104061"/>
-          </a:xfrm>
-        </p:grpSpPr>
-        <p:grpSp>
-          <p:nvGrpSpPr>
-            <p:cNvPr id="3" name="Grupo 2"/>
-            <p:cNvGrpSpPr/>
-            <p:nvPr/>
-          </p:nvGrpSpPr>
-          <p:grpSpPr>
-            <a:xfrm>
-              <a:off x="-13252" y="5416754"/>
-              <a:ext cx="12205252" cy="1104061"/>
-              <a:chOff x="-13252" y="5416754"/>
-              <a:chExt cx="12205252" cy="1104061"/>
-            </a:xfrm>
-          </p:grpSpPr>
-          <p:sp>
-            <p:nvSpPr>
-              <p:cNvPr id="5" name="Rectángulo 4"/>
-              <p:cNvSpPr/>
-              <p:nvPr/>
-            </p:nvSpPr>
-            <p:spPr>
-              <a:xfrm>
-                <a:off x="0" y="5566658"/>
-                <a:ext cx="12192000" cy="794385"/>
-              </a:xfrm>
-              <a:prstGeom prst="rect">
-                <a:avLst/>
-              </a:prstGeom>
-              <a:solidFill>
-                <a:schemeClr val="tx1"/>
-              </a:solidFill>
-              <a:ln>
-                <a:noFill/>
-              </a:ln>
-            </p:spPr>
-            <p:style>
-              <a:lnRef idx="2">
-                <a:schemeClr val="accent1">
-                  <a:shade val="50000"/>
-                </a:schemeClr>
-              </a:lnRef>
-              <a:fillRef idx="1">
-                <a:schemeClr val="accent1"/>
-              </a:fillRef>
-              <a:effectRef idx="0">
-                <a:schemeClr val="accent1"/>
-              </a:effectRef>
-              <a:fontRef idx="minor">
-                <a:schemeClr val="lt1"/>
-              </a:fontRef>
-            </p:style>
-            <p:txBody>
-              <a:bodyPr rtlCol="0" anchor="ctr"/>
-              <a:lstStyle/>
-              <a:p>
-                <a:pPr algn="ctr"/>
-                <a:endParaRPr lang="es-MX"/>
-              </a:p>
-            </p:txBody>
-          </p:sp>
-          <p:pic>
-            <p:nvPicPr>
-              <p:cNvPr id="6" name="Imagen 5"/>
-              <p:cNvPicPr>
-                <a:picLocks noChangeAspect="1"/>
-              </p:cNvPicPr>
-              <p:nvPr/>
-            </p:nvPicPr>
-            <p:blipFill>
-              <a:blip r:embed="rId2"/>
-              <a:stretch>
-                <a:fillRect/>
-              </a:stretch>
-            </p:blipFill>
-            <p:spPr>
-              <a:xfrm>
-                <a:off x="-13252" y="5428930"/>
-                <a:ext cx="4776997" cy="1091885"/>
-              </a:xfrm>
-              <a:prstGeom prst="rect">
-                <a:avLst/>
-              </a:prstGeom>
-            </p:spPr>
-          </p:pic>
-          <p:pic>
-            <p:nvPicPr>
-              <p:cNvPr id="7" name="Imagen 6"/>
-              <p:cNvPicPr>
-                <a:picLocks noChangeAspect="1"/>
-              </p:cNvPicPr>
-              <p:nvPr/>
-            </p:nvPicPr>
-            <p:blipFill>
-              <a:blip r:embed="rId2"/>
-              <a:stretch>
-                <a:fillRect/>
-              </a:stretch>
-            </p:blipFill>
-            <p:spPr>
-              <a:xfrm>
-                <a:off x="4732478" y="5416754"/>
-                <a:ext cx="4776997" cy="1091885"/>
-              </a:xfrm>
-              <a:prstGeom prst="rect">
-                <a:avLst/>
-              </a:prstGeom>
-            </p:spPr>
-          </p:pic>
-          <p:pic>
-            <p:nvPicPr>
-              <p:cNvPr id="8" name="Imagen 7"/>
-              <p:cNvPicPr>
-                <a:picLocks noChangeAspect="1"/>
-              </p:cNvPicPr>
-              <p:nvPr/>
-            </p:nvPicPr>
-            <p:blipFill rotWithShape="1">
-              <a:blip r:embed="rId2"/>
-              <a:srcRect l="43845"/>
-              <a:stretch>
-                <a:fillRect/>
-              </a:stretch>
-            </p:blipFill>
-            <p:spPr>
-              <a:xfrm>
-                <a:off x="9509475" y="5416754"/>
-                <a:ext cx="2682525" cy="1091885"/>
-              </a:xfrm>
-              <a:prstGeom prst="rect">
-                <a:avLst/>
-              </a:prstGeom>
-            </p:spPr>
-          </p:pic>
-        </p:grpSp>
-        <p:pic>
-          <p:nvPicPr>
-            <p:cNvPr id="4" name="Imagen 3"/>
-            <p:cNvPicPr>
-              <a:picLocks noChangeAspect="1"/>
-            </p:cNvPicPr>
-            <p:nvPr/>
-          </p:nvPicPr>
-          <p:blipFill>
-            <a:blip r:embed="rId3"/>
-            <a:stretch>
-              <a:fillRect/>
-            </a:stretch>
-          </p:blipFill>
-          <p:spPr>
-            <a:xfrm>
-              <a:off x="4364554" y="5547721"/>
-              <a:ext cx="3255445" cy="854301"/>
-            </a:xfrm>
-            <a:prstGeom prst="rect">
-              <a:avLst/>
-            </a:prstGeom>
-          </p:spPr>
-        </p:pic>
-      </p:grpSp>
       <p:sp>
         <p:nvSpPr>
           <p:cNvPr id="10" name="Título 1"/>
@@ -9249,7 +8038,7 @@
           <p:nvPr/>
         </p:nvPicPr>
         <p:blipFill>
-          <a:blip r:embed="rId4"/>
+          <a:blip r:embed="rId2"/>
           <a:stretch>
             <a:fillRect/>
           </a:stretch>
@@ -9403,179 +8192,6 @@
           <a:chExt cx="0" cy="0"/>
         </a:xfrm>
       </p:grpSpPr>
-      <p:grpSp>
-        <p:nvGrpSpPr>
-          <p:cNvPr id="4" name="Grupo 3"/>
-          <p:cNvGrpSpPr/>
-          <p:nvPr/>
-        </p:nvGrpSpPr>
-        <p:grpSpPr>
-          <a:xfrm>
-            <a:off x="-13252" y="5734254"/>
-            <a:ext cx="12205252" cy="1104061"/>
-            <a:chOff x="-13252" y="5416754"/>
-            <a:chExt cx="12205252" cy="1104061"/>
-          </a:xfrm>
-        </p:grpSpPr>
-        <p:grpSp>
-          <p:nvGrpSpPr>
-            <p:cNvPr id="5" name="Grupo 4"/>
-            <p:cNvGrpSpPr/>
-            <p:nvPr/>
-          </p:nvGrpSpPr>
-          <p:grpSpPr>
-            <a:xfrm>
-              <a:off x="-13252" y="5416754"/>
-              <a:ext cx="12205252" cy="1104061"/>
-              <a:chOff x="-13252" y="5416754"/>
-              <a:chExt cx="12205252" cy="1104061"/>
-            </a:xfrm>
-          </p:grpSpPr>
-          <p:sp>
-            <p:nvSpPr>
-              <p:cNvPr id="7" name="Rectángulo 6"/>
-              <p:cNvSpPr/>
-              <p:nvPr/>
-            </p:nvSpPr>
-            <p:spPr>
-              <a:xfrm>
-                <a:off x="0" y="5566658"/>
-                <a:ext cx="12192000" cy="794385"/>
-              </a:xfrm>
-              <a:prstGeom prst="rect">
-                <a:avLst/>
-              </a:prstGeom>
-              <a:solidFill>
-                <a:schemeClr val="tx1"/>
-              </a:solidFill>
-              <a:ln>
-                <a:noFill/>
-              </a:ln>
-            </p:spPr>
-            <p:style>
-              <a:lnRef idx="2">
-                <a:schemeClr val="accent1">
-                  <a:shade val="50000"/>
-                </a:schemeClr>
-              </a:lnRef>
-              <a:fillRef idx="1">
-                <a:schemeClr val="accent1"/>
-              </a:fillRef>
-              <a:effectRef idx="0">
-                <a:schemeClr val="accent1"/>
-              </a:effectRef>
-              <a:fontRef idx="minor">
-                <a:schemeClr val="lt1"/>
-              </a:fontRef>
-            </p:style>
-            <p:txBody>
-              <a:bodyPr rtlCol="0" anchor="ctr"/>
-              <a:lstStyle/>
-              <a:p>
-                <a:pPr algn="ctr"/>
-                <a:endParaRPr lang="es-MX"/>
-              </a:p>
-            </p:txBody>
-          </p:sp>
-          <p:pic>
-            <p:nvPicPr>
-              <p:cNvPr id="8" name="Imagen 7"/>
-              <p:cNvPicPr>
-                <a:picLocks noChangeAspect="1"/>
-              </p:cNvPicPr>
-              <p:nvPr/>
-            </p:nvPicPr>
-            <p:blipFill>
-              <a:blip r:embed="rId2"/>
-              <a:stretch>
-                <a:fillRect/>
-              </a:stretch>
-            </p:blipFill>
-            <p:spPr>
-              <a:xfrm>
-                <a:off x="-13252" y="5428930"/>
-                <a:ext cx="4776997" cy="1091885"/>
-              </a:xfrm>
-              <a:prstGeom prst="rect">
-                <a:avLst/>
-              </a:prstGeom>
-            </p:spPr>
-          </p:pic>
-          <p:pic>
-            <p:nvPicPr>
-              <p:cNvPr id="9" name="Imagen 8"/>
-              <p:cNvPicPr>
-                <a:picLocks noChangeAspect="1"/>
-              </p:cNvPicPr>
-              <p:nvPr/>
-            </p:nvPicPr>
-            <p:blipFill>
-              <a:blip r:embed="rId2"/>
-              <a:stretch>
-                <a:fillRect/>
-              </a:stretch>
-            </p:blipFill>
-            <p:spPr>
-              <a:xfrm>
-                <a:off x="4732478" y="5416754"/>
-                <a:ext cx="4776997" cy="1091885"/>
-              </a:xfrm>
-              <a:prstGeom prst="rect">
-                <a:avLst/>
-              </a:prstGeom>
-            </p:spPr>
-          </p:pic>
-          <p:pic>
-            <p:nvPicPr>
-              <p:cNvPr id="10" name="Imagen 9"/>
-              <p:cNvPicPr>
-                <a:picLocks noChangeAspect="1"/>
-              </p:cNvPicPr>
-              <p:nvPr/>
-            </p:nvPicPr>
-            <p:blipFill rotWithShape="1">
-              <a:blip r:embed="rId2"/>
-              <a:srcRect l="43845"/>
-              <a:stretch>
-                <a:fillRect/>
-              </a:stretch>
-            </p:blipFill>
-            <p:spPr>
-              <a:xfrm>
-                <a:off x="9509475" y="5416754"/>
-                <a:ext cx="2682525" cy="1091885"/>
-              </a:xfrm>
-              <a:prstGeom prst="rect">
-                <a:avLst/>
-              </a:prstGeom>
-            </p:spPr>
-          </p:pic>
-        </p:grpSp>
-        <p:pic>
-          <p:nvPicPr>
-            <p:cNvPr id="6" name="Imagen 5"/>
-            <p:cNvPicPr>
-              <a:picLocks noChangeAspect="1"/>
-            </p:cNvPicPr>
-            <p:nvPr/>
-          </p:nvPicPr>
-          <p:blipFill>
-            <a:blip r:embed="rId3"/>
-            <a:stretch>
-              <a:fillRect/>
-            </a:stretch>
-          </p:blipFill>
-          <p:spPr>
-            <a:xfrm>
-              <a:off x="4364554" y="5547721"/>
-              <a:ext cx="3255445" cy="854301"/>
-            </a:xfrm>
-            <a:prstGeom prst="rect">
-              <a:avLst/>
-            </a:prstGeom>
-          </p:spPr>
-        </p:pic>
-      </p:grpSp>
       <p:sp>
         <p:nvSpPr>
           <p:cNvPr id="11" name="Título 1"/>
@@ -9685,7 +8301,7 @@
           <p:nvPr/>
         </p:nvPicPr>
         <p:blipFill>
-          <a:blip r:embed="rId4"/>
+          <a:blip r:embed="rId2"/>
           <a:stretch>
             <a:fillRect/>
           </a:stretch>
@@ -9715,7 +8331,7 @@
           <p:nvPr/>
         </p:nvPicPr>
         <p:blipFill>
-          <a:blip r:embed="rId5"/>
+          <a:blip r:embed="rId3"/>
           <a:stretch>
             <a:fillRect/>
           </a:stretch>
@@ -9790,179 +8406,6 @@
           <a:chExt cx="0" cy="0"/>
         </a:xfrm>
       </p:grpSpPr>
-      <p:grpSp>
-        <p:nvGrpSpPr>
-          <p:cNvPr id="4" name="Grupo 3"/>
-          <p:cNvGrpSpPr/>
-          <p:nvPr/>
-        </p:nvGrpSpPr>
-        <p:grpSpPr>
-          <a:xfrm>
-            <a:off x="-13252" y="5734254"/>
-            <a:ext cx="12205252" cy="1104061"/>
-            <a:chOff x="-13252" y="5416754"/>
-            <a:chExt cx="12205252" cy="1104061"/>
-          </a:xfrm>
-        </p:grpSpPr>
-        <p:grpSp>
-          <p:nvGrpSpPr>
-            <p:cNvPr id="5" name="Grupo 4"/>
-            <p:cNvGrpSpPr/>
-            <p:nvPr/>
-          </p:nvGrpSpPr>
-          <p:grpSpPr>
-            <a:xfrm>
-              <a:off x="-13252" y="5416754"/>
-              <a:ext cx="12205252" cy="1104061"/>
-              <a:chOff x="-13252" y="5416754"/>
-              <a:chExt cx="12205252" cy="1104061"/>
-            </a:xfrm>
-          </p:grpSpPr>
-          <p:sp>
-            <p:nvSpPr>
-              <p:cNvPr id="7" name="Rectángulo 6"/>
-              <p:cNvSpPr/>
-              <p:nvPr/>
-            </p:nvSpPr>
-            <p:spPr>
-              <a:xfrm>
-                <a:off x="0" y="5566658"/>
-                <a:ext cx="12192000" cy="794385"/>
-              </a:xfrm>
-              <a:prstGeom prst="rect">
-                <a:avLst/>
-              </a:prstGeom>
-              <a:solidFill>
-                <a:schemeClr val="tx1"/>
-              </a:solidFill>
-              <a:ln>
-                <a:noFill/>
-              </a:ln>
-            </p:spPr>
-            <p:style>
-              <a:lnRef idx="2">
-                <a:schemeClr val="accent1">
-                  <a:shade val="50000"/>
-                </a:schemeClr>
-              </a:lnRef>
-              <a:fillRef idx="1">
-                <a:schemeClr val="accent1"/>
-              </a:fillRef>
-              <a:effectRef idx="0">
-                <a:schemeClr val="accent1"/>
-              </a:effectRef>
-              <a:fontRef idx="minor">
-                <a:schemeClr val="lt1"/>
-              </a:fontRef>
-            </p:style>
-            <p:txBody>
-              <a:bodyPr rtlCol="0" anchor="ctr"/>
-              <a:lstStyle/>
-              <a:p>
-                <a:pPr algn="ctr"/>
-                <a:endParaRPr lang="es-MX"/>
-              </a:p>
-            </p:txBody>
-          </p:sp>
-          <p:pic>
-            <p:nvPicPr>
-              <p:cNvPr id="8" name="Imagen 7"/>
-              <p:cNvPicPr>
-                <a:picLocks noChangeAspect="1"/>
-              </p:cNvPicPr>
-              <p:nvPr/>
-            </p:nvPicPr>
-            <p:blipFill>
-              <a:blip r:embed="rId2"/>
-              <a:stretch>
-                <a:fillRect/>
-              </a:stretch>
-            </p:blipFill>
-            <p:spPr>
-              <a:xfrm>
-                <a:off x="-13252" y="5428930"/>
-                <a:ext cx="4776997" cy="1091885"/>
-              </a:xfrm>
-              <a:prstGeom prst="rect">
-                <a:avLst/>
-              </a:prstGeom>
-            </p:spPr>
-          </p:pic>
-          <p:pic>
-            <p:nvPicPr>
-              <p:cNvPr id="9" name="Imagen 8"/>
-              <p:cNvPicPr>
-                <a:picLocks noChangeAspect="1"/>
-              </p:cNvPicPr>
-              <p:nvPr/>
-            </p:nvPicPr>
-            <p:blipFill>
-              <a:blip r:embed="rId2"/>
-              <a:stretch>
-                <a:fillRect/>
-              </a:stretch>
-            </p:blipFill>
-            <p:spPr>
-              <a:xfrm>
-                <a:off x="4732478" y="5416754"/>
-                <a:ext cx="4776997" cy="1091885"/>
-              </a:xfrm>
-              <a:prstGeom prst="rect">
-                <a:avLst/>
-              </a:prstGeom>
-            </p:spPr>
-          </p:pic>
-          <p:pic>
-            <p:nvPicPr>
-              <p:cNvPr id="10" name="Imagen 9"/>
-              <p:cNvPicPr>
-                <a:picLocks noChangeAspect="1"/>
-              </p:cNvPicPr>
-              <p:nvPr/>
-            </p:nvPicPr>
-            <p:blipFill rotWithShape="1">
-              <a:blip r:embed="rId2"/>
-              <a:srcRect l="43845"/>
-              <a:stretch>
-                <a:fillRect/>
-              </a:stretch>
-            </p:blipFill>
-            <p:spPr>
-              <a:xfrm>
-                <a:off x="9509475" y="5416754"/>
-                <a:ext cx="2682525" cy="1091885"/>
-              </a:xfrm>
-              <a:prstGeom prst="rect">
-                <a:avLst/>
-              </a:prstGeom>
-            </p:spPr>
-          </p:pic>
-        </p:grpSp>
-        <p:pic>
-          <p:nvPicPr>
-            <p:cNvPr id="6" name="Imagen 5"/>
-            <p:cNvPicPr>
-              <a:picLocks noChangeAspect="1"/>
-            </p:cNvPicPr>
-            <p:nvPr/>
-          </p:nvPicPr>
-          <p:blipFill>
-            <a:blip r:embed="rId3"/>
-            <a:stretch>
-              <a:fillRect/>
-            </a:stretch>
-          </p:blipFill>
-          <p:spPr>
-            <a:xfrm>
-              <a:off x="4364554" y="5547721"/>
-              <a:ext cx="3255445" cy="854301"/>
-            </a:xfrm>
-            <a:prstGeom prst="rect">
-              <a:avLst/>
-            </a:prstGeom>
-          </p:spPr>
-        </p:pic>
-      </p:grpSp>
       <p:sp>
         <p:nvSpPr>
           <p:cNvPr id="12" name="Título 1"/>
@@ -10076,7 +8519,7 @@
           <p:nvPr/>
         </p:nvPicPr>
         <p:blipFill>
-          <a:blip r:embed="rId4"/>
+          <a:blip r:embed="rId2"/>
           <a:stretch>
             <a:fillRect/>
           </a:stretch>
@@ -10106,7 +8549,7 @@
           <p:nvPr/>
         </p:nvPicPr>
         <p:blipFill rotWithShape="1">
-          <a:blip r:embed="rId5"/>
+          <a:blip r:embed="rId3"/>
           <a:srcRect l="20427"/>
           <a:stretch>
             <a:fillRect/>
@@ -10182,179 +8625,6 @@
           <a:chExt cx="0" cy="0"/>
         </a:xfrm>
       </p:grpSpPr>
-      <p:grpSp>
-        <p:nvGrpSpPr>
-          <p:cNvPr id="4" name="Grupo 3"/>
-          <p:cNvGrpSpPr/>
-          <p:nvPr/>
-        </p:nvGrpSpPr>
-        <p:grpSpPr>
-          <a:xfrm>
-            <a:off x="-13252" y="5734254"/>
-            <a:ext cx="12205252" cy="1104061"/>
-            <a:chOff x="-13252" y="5416754"/>
-            <a:chExt cx="12205252" cy="1104061"/>
-          </a:xfrm>
-        </p:grpSpPr>
-        <p:grpSp>
-          <p:nvGrpSpPr>
-            <p:cNvPr id="5" name="Grupo 4"/>
-            <p:cNvGrpSpPr/>
-            <p:nvPr/>
-          </p:nvGrpSpPr>
-          <p:grpSpPr>
-            <a:xfrm>
-              <a:off x="-13252" y="5416754"/>
-              <a:ext cx="12205252" cy="1104061"/>
-              <a:chOff x="-13252" y="5416754"/>
-              <a:chExt cx="12205252" cy="1104061"/>
-            </a:xfrm>
-          </p:grpSpPr>
-          <p:sp>
-            <p:nvSpPr>
-              <p:cNvPr id="7" name="Rectángulo 6"/>
-              <p:cNvSpPr/>
-              <p:nvPr/>
-            </p:nvSpPr>
-            <p:spPr>
-              <a:xfrm>
-                <a:off x="0" y="5566658"/>
-                <a:ext cx="12192000" cy="794385"/>
-              </a:xfrm>
-              <a:prstGeom prst="rect">
-                <a:avLst/>
-              </a:prstGeom>
-              <a:solidFill>
-                <a:schemeClr val="tx1"/>
-              </a:solidFill>
-              <a:ln>
-                <a:noFill/>
-              </a:ln>
-            </p:spPr>
-            <p:style>
-              <a:lnRef idx="2">
-                <a:schemeClr val="accent1">
-                  <a:shade val="50000"/>
-                </a:schemeClr>
-              </a:lnRef>
-              <a:fillRef idx="1">
-                <a:schemeClr val="accent1"/>
-              </a:fillRef>
-              <a:effectRef idx="0">
-                <a:schemeClr val="accent1"/>
-              </a:effectRef>
-              <a:fontRef idx="minor">
-                <a:schemeClr val="lt1"/>
-              </a:fontRef>
-            </p:style>
-            <p:txBody>
-              <a:bodyPr rtlCol="0" anchor="ctr"/>
-              <a:lstStyle/>
-              <a:p>
-                <a:pPr algn="ctr"/>
-                <a:endParaRPr lang="es-MX"/>
-              </a:p>
-            </p:txBody>
-          </p:sp>
-          <p:pic>
-            <p:nvPicPr>
-              <p:cNvPr id="8" name="Imagen 7"/>
-              <p:cNvPicPr>
-                <a:picLocks noChangeAspect="1"/>
-              </p:cNvPicPr>
-              <p:nvPr/>
-            </p:nvPicPr>
-            <p:blipFill>
-              <a:blip r:embed="rId2"/>
-              <a:stretch>
-                <a:fillRect/>
-              </a:stretch>
-            </p:blipFill>
-            <p:spPr>
-              <a:xfrm>
-                <a:off x="-13252" y="5428930"/>
-                <a:ext cx="4776997" cy="1091885"/>
-              </a:xfrm>
-              <a:prstGeom prst="rect">
-                <a:avLst/>
-              </a:prstGeom>
-            </p:spPr>
-          </p:pic>
-          <p:pic>
-            <p:nvPicPr>
-              <p:cNvPr id="9" name="Imagen 8"/>
-              <p:cNvPicPr>
-                <a:picLocks noChangeAspect="1"/>
-              </p:cNvPicPr>
-              <p:nvPr/>
-            </p:nvPicPr>
-            <p:blipFill>
-              <a:blip r:embed="rId2"/>
-              <a:stretch>
-                <a:fillRect/>
-              </a:stretch>
-            </p:blipFill>
-            <p:spPr>
-              <a:xfrm>
-                <a:off x="4732478" y="5416754"/>
-                <a:ext cx="4776997" cy="1091885"/>
-              </a:xfrm>
-              <a:prstGeom prst="rect">
-                <a:avLst/>
-              </a:prstGeom>
-            </p:spPr>
-          </p:pic>
-          <p:pic>
-            <p:nvPicPr>
-              <p:cNvPr id="10" name="Imagen 9"/>
-              <p:cNvPicPr>
-                <a:picLocks noChangeAspect="1"/>
-              </p:cNvPicPr>
-              <p:nvPr/>
-            </p:nvPicPr>
-            <p:blipFill rotWithShape="1">
-              <a:blip r:embed="rId2"/>
-              <a:srcRect l="43845"/>
-              <a:stretch>
-                <a:fillRect/>
-              </a:stretch>
-            </p:blipFill>
-            <p:spPr>
-              <a:xfrm>
-                <a:off x="9509475" y="5416754"/>
-                <a:ext cx="2682525" cy="1091885"/>
-              </a:xfrm>
-              <a:prstGeom prst="rect">
-                <a:avLst/>
-              </a:prstGeom>
-            </p:spPr>
-          </p:pic>
-        </p:grpSp>
-        <p:pic>
-          <p:nvPicPr>
-            <p:cNvPr id="6" name="Imagen 5"/>
-            <p:cNvPicPr>
-              <a:picLocks noChangeAspect="1"/>
-            </p:cNvPicPr>
-            <p:nvPr/>
-          </p:nvPicPr>
-          <p:blipFill>
-            <a:blip r:embed="rId3"/>
-            <a:stretch>
-              <a:fillRect/>
-            </a:stretch>
-          </p:blipFill>
-          <p:spPr>
-            <a:xfrm>
-              <a:off x="4364554" y="5547721"/>
-              <a:ext cx="3255445" cy="854301"/>
-            </a:xfrm>
-            <a:prstGeom prst="rect">
-              <a:avLst/>
-            </a:prstGeom>
-          </p:spPr>
-        </p:pic>
-      </p:grpSp>
       <p:sp>
         <p:nvSpPr>
           <p:cNvPr id="11" name="Título 1"/>
@@ -10468,7 +8738,7 @@
           <p:nvPr/>
         </p:nvPicPr>
         <p:blipFill>
-          <a:blip r:embed="rId4"/>
+          <a:blip r:embed="rId2"/>
           <a:stretch>
             <a:fillRect/>
           </a:stretch>
@@ -10543,179 +8813,6 @@
           <a:chExt cx="0" cy="0"/>
         </a:xfrm>
       </p:grpSpPr>
-      <p:grpSp>
-        <p:nvGrpSpPr>
-          <p:cNvPr id="4" name="Grupo 3"/>
-          <p:cNvGrpSpPr/>
-          <p:nvPr/>
-        </p:nvGrpSpPr>
-        <p:grpSpPr>
-          <a:xfrm>
-            <a:off x="-13252" y="5734254"/>
-            <a:ext cx="12205252" cy="1104061"/>
-            <a:chOff x="-13252" y="5416754"/>
-            <a:chExt cx="12205252" cy="1104061"/>
-          </a:xfrm>
-        </p:grpSpPr>
-        <p:grpSp>
-          <p:nvGrpSpPr>
-            <p:cNvPr id="5" name="Grupo 4"/>
-            <p:cNvGrpSpPr/>
-            <p:nvPr/>
-          </p:nvGrpSpPr>
-          <p:grpSpPr>
-            <a:xfrm>
-              <a:off x="-13252" y="5416754"/>
-              <a:ext cx="12205252" cy="1104061"/>
-              <a:chOff x="-13252" y="5416754"/>
-              <a:chExt cx="12205252" cy="1104061"/>
-            </a:xfrm>
-          </p:grpSpPr>
-          <p:sp>
-            <p:nvSpPr>
-              <p:cNvPr id="7" name="Rectángulo 6"/>
-              <p:cNvSpPr/>
-              <p:nvPr/>
-            </p:nvSpPr>
-            <p:spPr>
-              <a:xfrm>
-                <a:off x="0" y="5566658"/>
-                <a:ext cx="12192000" cy="794385"/>
-              </a:xfrm>
-              <a:prstGeom prst="rect">
-                <a:avLst/>
-              </a:prstGeom>
-              <a:solidFill>
-                <a:schemeClr val="tx1"/>
-              </a:solidFill>
-              <a:ln>
-                <a:noFill/>
-              </a:ln>
-            </p:spPr>
-            <p:style>
-              <a:lnRef idx="2">
-                <a:schemeClr val="accent1">
-                  <a:shade val="50000"/>
-                </a:schemeClr>
-              </a:lnRef>
-              <a:fillRef idx="1">
-                <a:schemeClr val="accent1"/>
-              </a:fillRef>
-              <a:effectRef idx="0">
-                <a:schemeClr val="accent1"/>
-              </a:effectRef>
-              <a:fontRef idx="minor">
-                <a:schemeClr val="lt1"/>
-              </a:fontRef>
-            </p:style>
-            <p:txBody>
-              <a:bodyPr rtlCol="0" anchor="ctr"/>
-              <a:lstStyle/>
-              <a:p>
-                <a:pPr algn="ctr"/>
-                <a:endParaRPr lang="es-MX"/>
-              </a:p>
-            </p:txBody>
-          </p:sp>
-          <p:pic>
-            <p:nvPicPr>
-              <p:cNvPr id="8" name="Imagen 7"/>
-              <p:cNvPicPr>
-                <a:picLocks noChangeAspect="1"/>
-              </p:cNvPicPr>
-              <p:nvPr/>
-            </p:nvPicPr>
-            <p:blipFill>
-              <a:blip r:embed="rId2"/>
-              <a:stretch>
-                <a:fillRect/>
-              </a:stretch>
-            </p:blipFill>
-            <p:spPr>
-              <a:xfrm>
-                <a:off x="-13252" y="5428930"/>
-                <a:ext cx="4776997" cy="1091885"/>
-              </a:xfrm>
-              <a:prstGeom prst="rect">
-                <a:avLst/>
-              </a:prstGeom>
-            </p:spPr>
-          </p:pic>
-          <p:pic>
-            <p:nvPicPr>
-              <p:cNvPr id="9" name="Imagen 8"/>
-              <p:cNvPicPr>
-                <a:picLocks noChangeAspect="1"/>
-              </p:cNvPicPr>
-              <p:nvPr/>
-            </p:nvPicPr>
-            <p:blipFill>
-              <a:blip r:embed="rId2"/>
-              <a:stretch>
-                <a:fillRect/>
-              </a:stretch>
-            </p:blipFill>
-            <p:spPr>
-              <a:xfrm>
-                <a:off x="4732478" y="5416754"/>
-                <a:ext cx="4776997" cy="1091885"/>
-              </a:xfrm>
-              <a:prstGeom prst="rect">
-                <a:avLst/>
-              </a:prstGeom>
-            </p:spPr>
-          </p:pic>
-          <p:pic>
-            <p:nvPicPr>
-              <p:cNvPr id="10" name="Imagen 9"/>
-              <p:cNvPicPr>
-                <a:picLocks noChangeAspect="1"/>
-              </p:cNvPicPr>
-              <p:nvPr/>
-            </p:nvPicPr>
-            <p:blipFill rotWithShape="1">
-              <a:blip r:embed="rId2"/>
-              <a:srcRect l="43845"/>
-              <a:stretch>
-                <a:fillRect/>
-              </a:stretch>
-            </p:blipFill>
-            <p:spPr>
-              <a:xfrm>
-                <a:off x="9509475" y="5416754"/>
-                <a:ext cx="2682525" cy="1091885"/>
-              </a:xfrm>
-              <a:prstGeom prst="rect">
-                <a:avLst/>
-              </a:prstGeom>
-            </p:spPr>
-          </p:pic>
-        </p:grpSp>
-        <p:pic>
-          <p:nvPicPr>
-            <p:cNvPr id="6" name="Imagen 5"/>
-            <p:cNvPicPr>
-              <a:picLocks noChangeAspect="1"/>
-            </p:cNvPicPr>
-            <p:nvPr/>
-          </p:nvPicPr>
-          <p:blipFill>
-            <a:blip r:embed="rId3"/>
-            <a:stretch>
-              <a:fillRect/>
-            </a:stretch>
-          </p:blipFill>
-          <p:spPr>
-            <a:xfrm>
-              <a:off x="4364554" y="5547721"/>
-              <a:ext cx="3255445" cy="854301"/>
-            </a:xfrm>
-            <a:prstGeom prst="rect">
-              <a:avLst/>
-            </a:prstGeom>
-          </p:spPr>
-        </p:pic>
-      </p:grpSp>
       <p:sp>
         <p:nvSpPr>
           <p:cNvPr id="2" name="Título 1"/>
@@ -10829,7 +8926,7 @@
           <p:nvPr/>
         </p:nvPicPr>
         <p:blipFill>
-          <a:blip r:embed="rId4"/>
+          <a:blip r:embed="rId2"/>
           <a:stretch>
             <a:fillRect/>
           </a:stretch>
@@ -10904,179 +9001,6 @@
           <a:chExt cx="0" cy="0"/>
         </a:xfrm>
       </p:grpSpPr>
-      <p:grpSp>
-        <p:nvGrpSpPr>
-          <p:cNvPr id="20" name="Grupo 19"/>
-          <p:cNvGrpSpPr/>
-          <p:nvPr/>
-        </p:nvGrpSpPr>
-        <p:grpSpPr>
-          <a:xfrm>
-            <a:off x="-13252" y="5734254"/>
-            <a:ext cx="12205252" cy="1104061"/>
-            <a:chOff x="-13252" y="5416754"/>
-            <a:chExt cx="12205252" cy="1104061"/>
-          </a:xfrm>
-        </p:grpSpPr>
-        <p:grpSp>
-          <p:nvGrpSpPr>
-            <p:cNvPr id="21" name="Grupo 20"/>
-            <p:cNvGrpSpPr/>
-            <p:nvPr/>
-          </p:nvGrpSpPr>
-          <p:grpSpPr>
-            <a:xfrm>
-              <a:off x="-13252" y="5416754"/>
-              <a:ext cx="12205252" cy="1104061"/>
-              <a:chOff x="-13252" y="5416754"/>
-              <a:chExt cx="12205252" cy="1104061"/>
-            </a:xfrm>
-          </p:grpSpPr>
-          <p:sp>
-            <p:nvSpPr>
-              <p:cNvPr id="23" name="Rectángulo 22"/>
-              <p:cNvSpPr/>
-              <p:nvPr/>
-            </p:nvSpPr>
-            <p:spPr>
-              <a:xfrm>
-                <a:off x="0" y="5566658"/>
-                <a:ext cx="12192000" cy="794385"/>
-              </a:xfrm>
-              <a:prstGeom prst="rect">
-                <a:avLst/>
-              </a:prstGeom>
-              <a:solidFill>
-                <a:schemeClr val="tx1"/>
-              </a:solidFill>
-              <a:ln>
-                <a:noFill/>
-              </a:ln>
-            </p:spPr>
-            <p:style>
-              <a:lnRef idx="2">
-                <a:schemeClr val="accent1">
-                  <a:shade val="50000"/>
-                </a:schemeClr>
-              </a:lnRef>
-              <a:fillRef idx="1">
-                <a:schemeClr val="accent1"/>
-              </a:fillRef>
-              <a:effectRef idx="0">
-                <a:schemeClr val="accent1"/>
-              </a:effectRef>
-              <a:fontRef idx="minor">
-                <a:schemeClr val="lt1"/>
-              </a:fontRef>
-            </p:style>
-            <p:txBody>
-              <a:bodyPr rtlCol="0" anchor="ctr"/>
-              <a:lstStyle/>
-              <a:p>
-                <a:pPr algn="ctr"/>
-                <a:endParaRPr lang="es-MX"/>
-              </a:p>
-            </p:txBody>
-          </p:sp>
-          <p:pic>
-            <p:nvPicPr>
-              <p:cNvPr id="24" name="Imagen 23"/>
-              <p:cNvPicPr>
-                <a:picLocks noChangeAspect="1"/>
-              </p:cNvPicPr>
-              <p:nvPr/>
-            </p:nvPicPr>
-            <p:blipFill>
-              <a:blip r:embed="rId2"/>
-              <a:stretch>
-                <a:fillRect/>
-              </a:stretch>
-            </p:blipFill>
-            <p:spPr>
-              <a:xfrm>
-                <a:off x="-13252" y="5428930"/>
-                <a:ext cx="4776997" cy="1091885"/>
-              </a:xfrm>
-              <a:prstGeom prst="rect">
-                <a:avLst/>
-              </a:prstGeom>
-            </p:spPr>
-          </p:pic>
-          <p:pic>
-            <p:nvPicPr>
-              <p:cNvPr id="25" name="Imagen 24"/>
-              <p:cNvPicPr>
-                <a:picLocks noChangeAspect="1"/>
-              </p:cNvPicPr>
-              <p:nvPr/>
-            </p:nvPicPr>
-            <p:blipFill>
-              <a:blip r:embed="rId2"/>
-              <a:stretch>
-                <a:fillRect/>
-              </a:stretch>
-            </p:blipFill>
-            <p:spPr>
-              <a:xfrm>
-                <a:off x="4732478" y="5416754"/>
-                <a:ext cx="4776997" cy="1091885"/>
-              </a:xfrm>
-              <a:prstGeom prst="rect">
-                <a:avLst/>
-              </a:prstGeom>
-            </p:spPr>
-          </p:pic>
-          <p:pic>
-            <p:nvPicPr>
-              <p:cNvPr id="26" name="Imagen 25"/>
-              <p:cNvPicPr>
-                <a:picLocks noChangeAspect="1"/>
-              </p:cNvPicPr>
-              <p:nvPr/>
-            </p:nvPicPr>
-            <p:blipFill rotWithShape="1">
-              <a:blip r:embed="rId2"/>
-              <a:srcRect l="43845"/>
-              <a:stretch>
-                <a:fillRect/>
-              </a:stretch>
-            </p:blipFill>
-            <p:spPr>
-              <a:xfrm>
-                <a:off x="9509475" y="5416754"/>
-                <a:ext cx="2682525" cy="1091885"/>
-              </a:xfrm>
-              <a:prstGeom prst="rect">
-                <a:avLst/>
-              </a:prstGeom>
-            </p:spPr>
-          </p:pic>
-        </p:grpSp>
-        <p:pic>
-          <p:nvPicPr>
-            <p:cNvPr id="22" name="Imagen 21"/>
-            <p:cNvPicPr>
-              <a:picLocks noChangeAspect="1"/>
-            </p:cNvPicPr>
-            <p:nvPr/>
-          </p:nvPicPr>
-          <p:blipFill>
-            <a:blip r:embed="rId3"/>
-            <a:stretch>
-              <a:fillRect/>
-            </a:stretch>
-          </p:blipFill>
-          <p:spPr>
-            <a:xfrm>
-              <a:off x="4364554" y="5547721"/>
-              <a:ext cx="3255445" cy="854301"/>
-            </a:xfrm>
-            <a:prstGeom prst="rect">
-              <a:avLst/>
-            </a:prstGeom>
-          </p:spPr>
-        </p:pic>
-      </p:grpSp>
       <p:sp>
         <p:nvSpPr>
           <p:cNvPr id="27" name="Título 1"/>
@@ -11120,7 +9044,7 @@
           <p:nvPr/>
         </p:nvPicPr>
         <p:blipFill>
-          <a:blip r:embed="rId4"/>
+          <a:blip r:embed="rId2"/>
           <a:stretch>
             <a:fillRect/>
           </a:stretch>
@@ -11195,179 +9119,6 @@
           <a:chExt cx="0" cy="0"/>
         </a:xfrm>
       </p:grpSpPr>
-      <p:grpSp>
-        <p:nvGrpSpPr>
-          <p:cNvPr id="4" name="Grupo 3"/>
-          <p:cNvGrpSpPr/>
-          <p:nvPr/>
-        </p:nvGrpSpPr>
-        <p:grpSpPr>
-          <a:xfrm>
-            <a:off x="-13252" y="5734254"/>
-            <a:ext cx="12205252" cy="1104061"/>
-            <a:chOff x="-13252" y="5416754"/>
-            <a:chExt cx="12205252" cy="1104061"/>
-          </a:xfrm>
-        </p:grpSpPr>
-        <p:grpSp>
-          <p:nvGrpSpPr>
-            <p:cNvPr id="5" name="Grupo 4"/>
-            <p:cNvGrpSpPr/>
-            <p:nvPr/>
-          </p:nvGrpSpPr>
-          <p:grpSpPr>
-            <a:xfrm>
-              <a:off x="-13252" y="5416754"/>
-              <a:ext cx="12205252" cy="1104061"/>
-              <a:chOff x="-13252" y="5416754"/>
-              <a:chExt cx="12205252" cy="1104061"/>
-            </a:xfrm>
-          </p:grpSpPr>
-          <p:sp>
-            <p:nvSpPr>
-              <p:cNvPr id="7" name="Rectángulo 6"/>
-              <p:cNvSpPr/>
-              <p:nvPr/>
-            </p:nvSpPr>
-            <p:spPr>
-              <a:xfrm>
-                <a:off x="0" y="5566658"/>
-                <a:ext cx="12192000" cy="794385"/>
-              </a:xfrm>
-              <a:prstGeom prst="rect">
-                <a:avLst/>
-              </a:prstGeom>
-              <a:solidFill>
-                <a:schemeClr val="tx1"/>
-              </a:solidFill>
-              <a:ln>
-                <a:noFill/>
-              </a:ln>
-            </p:spPr>
-            <p:style>
-              <a:lnRef idx="2">
-                <a:schemeClr val="accent1">
-                  <a:shade val="50000"/>
-                </a:schemeClr>
-              </a:lnRef>
-              <a:fillRef idx="1">
-                <a:schemeClr val="accent1"/>
-              </a:fillRef>
-              <a:effectRef idx="0">
-                <a:schemeClr val="accent1"/>
-              </a:effectRef>
-              <a:fontRef idx="minor">
-                <a:schemeClr val="lt1"/>
-              </a:fontRef>
-            </p:style>
-            <p:txBody>
-              <a:bodyPr rtlCol="0" anchor="ctr"/>
-              <a:lstStyle/>
-              <a:p>
-                <a:pPr algn="ctr"/>
-                <a:endParaRPr lang="es-MX"/>
-              </a:p>
-            </p:txBody>
-          </p:sp>
-          <p:pic>
-            <p:nvPicPr>
-              <p:cNvPr id="8" name="Imagen 7"/>
-              <p:cNvPicPr>
-                <a:picLocks noChangeAspect="1"/>
-              </p:cNvPicPr>
-              <p:nvPr/>
-            </p:nvPicPr>
-            <p:blipFill>
-              <a:blip r:embed="rId2"/>
-              <a:stretch>
-                <a:fillRect/>
-              </a:stretch>
-            </p:blipFill>
-            <p:spPr>
-              <a:xfrm>
-                <a:off x="-13252" y="5428930"/>
-                <a:ext cx="4776997" cy="1091885"/>
-              </a:xfrm>
-              <a:prstGeom prst="rect">
-                <a:avLst/>
-              </a:prstGeom>
-            </p:spPr>
-          </p:pic>
-          <p:pic>
-            <p:nvPicPr>
-              <p:cNvPr id="9" name="Imagen 8"/>
-              <p:cNvPicPr>
-                <a:picLocks noChangeAspect="1"/>
-              </p:cNvPicPr>
-              <p:nvPr/>
-            </p:nvPicPr>
-            <p:blipFill>
-              <a:blip r:embed="rId2"/>
-              <a:stretch>
-                <a:fillRect/>
-              </a:stretch>
-            </p:blipFill>
-            <p:spPr>
-              <a:xfrm>
-                <a:off x="4732478" y="5416754"/>
-                <a:ext cx="4776997" cy="1091885"/>
-              </a:xfrm>
-              <a:prstGeom prst="rect">
-                <a:avLst/>
-              </a:prstGeom>
-            </p:spPr>
-          </p:pic>
-          <p:pic>
-            <p:nvPicPr>
-              <p:cNvPr id="10" name="Imagen 9"/>
-              <p:cNvPicPr>
-                <a:picLocks noChangeAspect="1"/>
-              </p:cNvPicPr>
-              <p:nvPr/>
-            </p:nvPicPr>
-            <p:blipFill rotWithShape="1">
-              <a:blip r:embed="rId2"/>
-              <a:srcRect l="43845"/>
-              <a:stretch>
-                <a:fillRect/>
-              </a:stretch>
-            </p:blipFill>
-            <p:spPr>
-              <a:xfrm>
-                <a:off x="9509475" y="5416754"/>
-                <a:ext cx="2682525" cy="1091885"/>
-              </a:xfrm>
-              <a:prstGeom prst="rect">
-                <a:avLst/>
-              </a:prstGeom>
-            </p:spPr>
-          </p:pic>
-        </p:grpSp>
-        <p:pic>
-          <p:nvPicPr>
-            <p:cNvPr id="6" name="Imagen 5"/>
-            <p:cNvPicPr>
-              <a:picLocks noChangeAspect="1"/>
-            </p:cNvPicPr>
-            <p:nvPr/>
-          </p:nvPicPr>
-          <p:blipFill>
-            <a:blip r:embed="rId3"/>
-            <a:stretch>
-              <a:fillRect/>
-            </a:stretch>
-          </p:blipFill>
-          <p:spPr>
-            <a:xfrm>
-              <a:off x="4364554" y="5547721"/>
-              <a:ext cx="3255445" cy="854301"/>
-            </a:xfrm>
-            <a:prstGeom prst="rect">
-              <a:avLst/>
-            </a:prstGeom>
-          </p:spPr>
-        </p:pic>
-      </p:grpSp>
       <p:sp>
         <p:nvSpPr>
           <p:cNvPr id="2" name="Título 1"/>
@@ -11481,7 +9232,7 @@
           <p:nvPr/>
         </p:nvPicPr>
         <p:blipFill>
-          <a:blip r:embed="rId4"/>
+          <a:blip r:embed="rId2"/>
           <a:stretch>
             <a:fillRect/>
           </a:stretch>
@@ -11556,179 +9307,6 @@
           <a:chExt cx="0" cy="0"/>
         </a:xfrm>
       </p:grpSpPr>
-      <p:grpSp>
-        <p:nvGrpSpPr>
-          <p:cNvPr id="4" name="Grupo 3"/>
-          <p:cNvGrpSpPr/>
-          <p:nvPr/>
-        </p:nvGrpSpPr>
-        <p:grpSpPr>
-          <a:xfrm>
-            <a:off x="-13252" y="5734254"/>
-            <a:ext cx="12205252" cy="1104061"/>
-            <a:chOff x="-13252" y="5416754"/>
-            <a:chExt cx="12205252" cy="1104061"/>
-          </a:xfrm>
-        </p:grpSpPr>
-        <p:grpSp>
-          <p:nvGrpSpPr>
-            <p:cNvPr id="5" name="Grupo 4"/>
-            <p:cNvGrpSpPr/>
-            <p:nvPr/>
-          </p:nvGrpSpPr>
-          <p:grpSpPr>
-            <a:xfrm>
-              <a:off x="-13252" y="5416754"/>
-              <a:ext cx="12205252" cy="1104061"/>
-              <a:chOff x="-13252" y="5416754"/>
-              <a:chExt cx="12205252" cy="1104061"/>
-            </a:xfrm>
-          </p:grpSpPr>
-          <p:sp>
-            <p:nvSpPr>
-              <p:cNvPr id="7" name="Rectángulo 6"/>
-              <p:cNvSpPr/>
-              <p:nvPr/>
-            </p:nvSpPr>
-            <p:spPr>
-              <a:xfrm>
-                <a:off x="0" y="5566658"/>
-                <a:ext cx="12192000" cy="794385"/>
-              </a:xfrm>
-              <a:prstGeom prst="rect">
-                <a:avLst/>
-              </a:prstGeom>
-              <a:solidFill>
-                <a:schemeClr val="tx1"/>
-              </a:solidFill>
-              <a:ln>
-                <a:noFill/>
-              </a:ln>
-            </p:spPr>
-            <p:style>
-              <a:lnRef idx="2">
-                <a:schemeClr val="accent1">
-                  <a:shade val="50000"/>
-                </a:schemeClr>
-              </a:lnRef>
-              <a:fillRef idx="1">
-                <a:schemeClr val="accent1"/>
-              </a:fillRef>
-              <a:effectRef idx="0">
-                <a:schemeClr val="accent1"/>
-              </a:effectRef>
-              <a:fontRef idx="minor">
-                <a:schemeClr val="lt1"/>
-              </a:fontRef>
-            </p:style>
-            <p:txBody>
-              <a:bodyPr rtlCol="0" anchor="ctr"/>
-              <a:lstStyle/>
-              <a:p>
-                <a:pPr algn="ctr"/>
-                <a:endParaRPr lang="es-MX"/>
-              </a:p>
-            </p:txBody>
-          </p:sp>
-          <p:pic>
-            <p:nvPicPr>
-              <p:cNvPr id="8" name="Imagen 7"/>
-              <p:cNvPicPr>
-                <a:picLocks noChangeAspect="1"/>
-              </p:cNvPicPr>
-              <p:nvPr/>
-            </p:nvPicPr>
-            <p:blipFill>
-              <a:blip r:embed="rId2"/>
-              <a:stretch>
-                <a:fillRect/>
-              </a:stretch>
-            </p:blipFill>
-            <p:spPr>
-              <a:xfrm>
-                <a:off x="-13252" y="5428930"/>
-                <a:ext cx="4776997" cy="1091885"/>
-              </a:xfrm>
-              <a:prstGeom prst="rect">
-                <a:avLst/>
-              </a:prstGeom>
-            </p:spPr>
-          </p:pic>
-          <p:pic>
-            <p:nvPicPr>
-              <p:cNvPr id="9" name="Imagen 8"/>
-              <p:cNvPicPr>
-                <a:picLocks noChangeAspect="1"/>
-              </p:cNvPicPr>
-              <p:nvPr/>
-            </p:nvPicPr>
-            <p:blipFill>
-              <a:blip r:embed="rId2"/>
-              <a:stretch>
-                <a:fillRect/>
-              </a:stretch>
-            </p:blipFill>
-            <p:spPr>
-              <a:xfrm>
-                <a:off x="4732478" y="5416754"/>
-                <a:ext cx="4776997" cy="1091885"/>
-              </a:xfrm>
-              <a:prstGeom prst="rect">
-                <a:avLst/>
-              </a:prstGeom>
-            </p:spPr>
-          </p:pic>
-          <p:pic>
-            <p:nvPicPr>
-              <p:cNvPr id="10" name="Imagen 9"/>
-              <p:cNvPicPr>
-                <a:picLocks noChangeAspect="1"/>
-              </p:cNvPicPr>
-              <p:nvPr/>
-            </p:nvPicPr>
-            <p:blipFill rotWithShape="1">
-              <a:blip r:embed="rId2"/>
-              <a:srcRect l="43845"/>
-              <a:stretch>
-                <a:fillRect/>
-              </a:stretch>
-            </p:blipFill>
-            <p:spPr>
-              <a:xfrm>
-                <a:off x="9509475" y="5416754"/>
-                <a:ext cx="2682525" cy="1091885"/>
-              </a:xfrm>
-              <a:prstGeom prst="rect">
-                <a:avLst/>
-              </a:prstGeom>
-            </p:spPr>
-          </p:pic>
-        </p:grpSp>
-        <p:pic>
-          <p:nvPicPr>
-            <p:cNvPr id="6" name="Imagen 5"/>
-            <p:cNvPicPr>
-              <a:picLocks noChangeAspect="1"/>
-            </p:cNvPicPr>
-            <p:nvPr/>
-          </p:nvPicPr>
-          <p:blipFill>
-            <a:blip r:embed="rId3"/>
-            <a:stretch>
-              <a:fillRect/>
-            </a:stretch>
-          </p:blipFill>
-          <p:spPr>
-            <a:xfrm>
-              <a:off x="4364554" y="5547721"/>
-              <a:ext cx="3255445" cy="854301"/>
-            </a:xfrm>
-            <a:prstGeom prst="rect">
-              <a:avLst/>
-            </a:prstGeom>
-          </p:spPr>
-        </p:pic>
-      </p:grpSp>
       <p:sp>
         <p:nvSpPr>
           <p:cNvPr id="12" name="Título 1"/>
@@ -11842,7 +9420,7 @@
           <p:nvPr/>
         </p:nvPicPr>
         <p:blipFill>
-          <a:blip r:embed="rId4"/>
+          <a:blip r:embed="rId2"/>
           <a:stretch>
             <a:fillRect/>
           </a:stretch>
@@ -11917,179 +9495,6 @@
           <a:chExt cx="0" cy="0"/>
         </a:xfrm>
       </p:grpSpPr>
-      <p:grpSp>
-        <p:nvGrpSpPr>
-          <p:cNvPr id="4" name="Grupo 3"/>
-          <p:cNvGrpSpPr/>
-          <p:nvPr/>
-        </p:nvGrpSpPr>
-        <p:grpSpPr>
-          <a:xfrm>
-            <a:off x="-13252" y="5734254"/>
-            <a:ext cx="12205252" cy="1104061"/>
-            <a:chOff x="-13252" y="5416754"/>
-            <a:chExt cx="12205252" cy="1104061"/>
-          </a:xfrm>
-        </p:grpSpPr>
-        <p:grpSp>
-          <p:nvGrpSpPr>
-            <p:cNvPr id="5" name="Grupo 4"/>
-            <p:cNvGrpSpPr/>
-            <p:nvPr/>
-          </p:nvGrpSpPr>
-          <p:grpSpPr>
-            <a:xfrm>
-              <a:off x="-13252" y="5416754"/>
-              <a:ext cx="12205252" cy="1104061"/>
-              <a:chOff x="-13252" y="5416754"/>
-              <a:chExt cx="12205252" cy="1104061"/>
-            </a:xfrm>
-          </p:grpSpPr>
-          <p:sp>
-            <p:nvSpPr>
-              <p:cNvPr id="7" name="Rectángulo 6"/>
-              <p:cNvSpPr/>
-              <p:nvPr/>
-            </p:nvSpPr>
-            <p:spPr>
-              <a:xfrm>
-                <a:off x="0" y="5566658"/>
-                <a:ext cx="12192000" cy="794385"/>
-              </a:xfrm>
-              <a:prstGeom prst="rect">
-                <a:avLst/>
-              </a:prstGeom>
-              <a:solidFill>
-                <a:schemeClr val="tx1"/>
-              </a:solidFill>
-              <a:ln>
-                <a:noFill/>
-              </a:ln>
-            </p:spPr>
-            <p:style>
-              <a:lnRef idx="2">
-                <a:schemeClr val="accent1">
-                  <a:shade val="50000"/>
-                </a:schemeClr>
-              </a:lnRef>
-              <a:fillRef idx="1">
-                <a:schemeClr val="accent1"/>
-              </a:fillRef>
-              <a:effectRef idx="0">
-                <a:schemeClr val="accent1"/>
-              </a:effectRef>
-              <a:fontRef idx="minor">
-                <a:schemeClr val="lt1"/>
-              </a:fontRef>
-            </p:style>
-            <p:txBody>
-              <a:bodyPr rtlCol="0" anchor="ctr"/>
-              <a:lstStyle/>
-              <a:p>
-                <a:pPr algn="ctr"/>
-                <a:endParaRPr lang="es-MX"/>
-              </a:p>
-            </p:txBody>
-          </p:sp>
-          <p:pic>
-            <p:nvPicPr>
-              <p:cNvPr id="8" name="Imagen 7"/>
-              <p:cNvPicPr>
-                <a:picLocks noChangeAspect="1"/>
-              </p:cNvPicPr>
-              <p:nvPr/>
-            </p:nvPicPr>
-            <p:blipFill>
-              <a:blip r:embed="rId2"/>
-              <a:stretch>
-                <a:fillRect/>
-              </a:stretch>
-            </p:blipFill>
-            <p:spPr>
-              <a:xfrm>
-                <a:off x="-13252" y="5428930"/>
-                <a:ext cx="4776997" cy="1091885"/>
-              </a:xfrm>
-              <a:prstGeom prst="rect">
-                <a:avLst/>
-              </a:prstGeom>
-            </p:spPr>
-          </p:pic>
-          <p:pic>
-            <p:nvPicPr>
-              <p:cNvPr id="9" name="Imagen 8"/>
-              <p:cNvPicPr>
-                <a:picLocks noChangeAspect="1"/>
-              </p:cNvPicPr>
-              <p:nvPr/>
-            </p:nvPicPr>
-            <p:blipFill>
-              <a:blip r:embed="rId2"/>
-              <a:stretch>
-                <a:fillRect/>
-              </a:stretch>
-            </p:blipFill>
-            <p:spPr>
-              <a:xfrm>
-                <a:off x="4732478" y="5416754"/>
-                <a:ext cx="4776997" cy="1091885"/>
-              </a:xfrm>
-              <a:prstGeom prst="rect">
-                <a:avLst/>
-              </a:prstGeom>
-            </p:spPr>
-          </p:pic>
-          <p:pic>
-            <p:nvPicPr>
-              <p:cNvPr id="10" name="Imagen 9"/>
-              <p:cNvPicPr>
-                <a:picLocks noChangeAspect="1"/>
-              </p:cNvPicPr>
-              <p:nvPr/>
-            </p:nvPicPr>
-            <p:blipFill rotWithShape="1">
-              <a:blip r:embed="rId2"/>
-              <a:srcRect l="43845"/>
-              <a:stretch>
-                <a:fillRect/>
-              </a:stretch>
-            </p:blipFill>
-            <p:spPr>
-              <a:xfrm>
-                <a:off x="9509475" y="5416754"/>
-                <a:ext cx="2682525" cy="1091885"/>
-              </a:xfrm>
-              <a:prstGeom prst="rect">
-                <a:avLst/>
-              </a:prstGeom>
-            </p:spPr>
-          </p:pic>
-        </p:grpSp>
-        <p:pic>
-          <p:nvPicPr>
-            <p:cNvPr id="6" name="Imagen 5"/>
-            <p:cNvPicPr>
-              <a:picLocks noChangeAspect="1"/>
-            </p:cNvPicPr>
-            <p:nvPr/>
-          </p:nvPicPr>
-          <p:blipFill>
-            <a:blip r:embed="rId3"/>
-            <a:stretch>
-              <a:fillRect/>
-            </a:stretch>
-          </p:blipFill>
-          <p:spPr>
-            <a:xfrm>
-              <a:off x="4364554" y="5547721"/>
-              <a:ext cx="3255445" cy="854301"/>
-            </a:xfrm>
-            <a:prstGeom prst="rect">
-              <a:avLst/>
-            </a:prstGeom>
-          </p:spPr>
-        </p:pic>
-      </p:grpSp>
       <p:sp>
         <p:nvSpPr>
           <p:cNvPr id="11" name="Título 1"/>
@@ -12203,7 +9608,7 @@
           <p:nvPr/>
         </p:nvPicPr>
         <p:blipFill>
-          <a:blip r:embed="rId4"/>
+          <a:blip r:embed="rId2"/>
           <a:stretch>
             <a:fillRect/>
           </a:stretch>
@@ -12233,7 +9638,7 @@
           <p:nvPr/>
         </p:nvPicPr>
         <p:blipFill>
-          <a:blip r:embed="rId5"/>
+          <a:blip r:embed="rId3"/>
           <a:stretch>
             <a:fillRect/>
           </a:stretch>
@@ -12308,179 +9713,6 @@
           <a:chExt cx="0" cy="0"/>
         </a:xfrm>
       </p:grpSpPr>
-      <p:grpSp>
-        <p:nvGrpSpPr>
-          <p:cNvPr id="4" name="Grupo 3"/>
-          <p:cNvGrpSpPr/>
-          <p:nvPr/>
-        </p:nvGrpSpPr>
-        <p:grpSpPr>
-          <a:xfrm>
-            <a:off x="-13252" y="5734254"/>
-            <a:ext cx="12205252" cy="1104061"/>
-            <a:chOff x="-13252" y="5416754"/>
-            <a:chExt cx="12205252" cy="1104061"/>
-          </a:xfrm>
-        </p:grpSpPr>
-        <p:grpSp>
-          <p:nvGrpSpPr>
-            <p:cNvPr id="5" name="Grupo 4"/>
-            <p:cNvGrpSpPr/>
-            <p:nvPr/>
-          </p:nvGrpSpPr>
-          <p:grpSpPr>
-            <a:xfrm>
-              <a:off x="-13252" y="5416754"/>
-              <a:ext cx="12205252" cy="1104061"/>
-              <a:chOff x="-13252" y="5416754"/>
-              <a:chExt cx="12205252" cy="1104061"/>
-            </a:xfrm>
-          </p:grpSpPr>
-          <p:sp>
-            <p:nvSpPr>
-              <p:cNvPr id="7" name="Rectángulo 6"/>
-              <p:cNvSpPr/>
-              <p:nvPr/>
-            </p:nvSpPr>
-            <p:spPr>
-              <a:xfrm>
-                <a:off x="0" y="5566658"/>
-                <a:ext cx="12192000" cy="794385"/>
-              </a:xfrm>
-              <a:prstGeom prst="rect">
-                <a:avLst/>
-              </a:prstGeom>
-              <a:solidFill>
-                <a:schemeClr val="tx1"/>
-              </a:solidFill>
-              <a:ln>
-                <a:noFill/>
-              </a:ln>
-            </p:spPr>
-            <p:style>
-              <a:lnRef idx="2">
-                <a:schemeClr val="accent1">
-                  <a:shade val="50000"/>
-                </a:schemeClr>
-              </a:lnRef>
-              <a:fillRef idx="1">
-                <a:schemeClr val="accent1"/>
-              </a:fillRef>
-              <a:effectRef idx="0">
-                <a:schemeClr val="accent1"/>
-              </a:effectRef>
-              <a:fontRef idx="minor">
-                <a:schemeClr val="lt1"/>
-              </a:fontRef>
-            </p:style>
-            <p:txBody>
-              <a:bodyPr rtlCol="0" anchor="ctr"/>
-              <a:lstStyle/>
-              <a:p>
-                <a:pPr algn="ctr"/>
-                <a:endParaRPr lang="es-MX"/>
-              </a:p>
-            </p:txBody>
-          </p:sp>
-          <p:pic>
-            <p:nvPicPr>
-              <p:cNvPr id="8" name="Imagen 7"/>
-              <p:cNvPicPr>
-                <a:picLocks noChangeAspect="1"/>
-              </p:cNvPicPr>
-              <p:nvPr/>
-            </p:nvPicPr>
-            <p:blipFill>
-              <a:blip r:embed="rId2"/>
-              <a:stretch>
-                <a:fillRect/>
-              </a:stretch>
-            </p:blipFill>
-            <p:spPr>
-              <a:xfrm>
-                <a:off x="-13252" y="5428930"/>
-                <a:ext cx="4776997" cy="1091885"/>
-              </a:xfrm>
-              <a:prstGeom prst="rect">
-                <a:avLst/>
-              </a:prstGeom>
-            </p:spPr>
-          </p:pic>
-          <p:pic>
-            <p:nvPicPr>
-              <p:cNvPr id="9" name="Imagen 8"/>
-              <p:cNvPicPr>
-                <a:picLocks noChangeAspect="1"/>
-              </p:cNvPicPr>
-              <p:nvPr/>
-            </p:nvPicPr>
-            <p:blipFill>
-              <a:blip r:embed="rId2"/>
-              <a:stretch>
-                <a:fillRect/>
-              </a:stretch>
-            </p:blipFill>
-            <p:spPr>
-              <a:xfrm>
-                <a:off x="4732478" y="5416754"/>
-                <a:ext cx="4776997" cy="1091885"/>
-              </a:xfrm>
-              <a:prstGeom prst="rect">
-                <a:avLst/>
-              </a:prstGeom>
-            </p:spPr>
-          </p:pic>
-          <p:pic>
-            <p:nvPicPr>
-              <p:cNvPr id="10" name="Imagen 9"/>
-              <p:cNvPicPr>
-                <a:picLocks noChangeAspect="1"/>
-              </p:cNvPicPr>
-              <p:nvPr/>
-            </p:nvPicPr>
-            <p:blipFill rotWithShape="1">
-              <a:blip r:embed="rId2"/>
-              <a:srcRect l="43845"/>
-              <a:stretch>
-                <a:fillRect/>
-              </a:stretch>
-            </p:blipFill>
-            <p:spPr>
-              <a:xfrm>
-                <a:off x="9509475" y="5416754"/>
-                <a:ext cx="2682525" cy="1091885"/>
-              </a:xfrm>
-              <a:prstGeom prst="rect">
-                <a:avLst/>
-              </a:prstGeom>
-            </p:spPr>
-          </p:pic>
-        </p:grpSp>
-        <p:pic>
-          <p:nvPicPr>
-            <p:cNvPr id="6" name="Imagen 5"/>
-            <p:cNvPicPr>
-              <a:picLocks noChangeAspect="1"/>
-            </p:cNvPicPr>
-            <p:nvPr/>
-          </p:nvPicPr>
-          <p:blipFill>
-            <a:blip r:embed="rId3"/>
-            <a:stretch>
-              <a:fillRect/>
-            </a:stretch>
-          </p:blipFill>
-          <p:spPr>
-            <a:xfrm>
-              <a:off x="4364554" y="5547721"/>
-              <a:ext cx="3255445" cy="854301"/>
-            </a:xfrm>
-            <a:prstGeom prst="rect">
-              <a:avLst/>
-            </a:prstGeom>
-          </p:spPr>
-        </p:pic>
-      </p:grpSp>
       <p:sp>
         <p:nvSpPr>
           <p:cNvPr id="2" name="Título 1"/>
@@ -12594,7 +9826,7 @@
           <p:nvPr/>
         </p:nvPicPr>
         <p:blipFill>
-          <a:blip r:embed="rId4"/>
+          <a:blip r:embed="rId2"/>
           <a:stretch>
             <a:fillRect/>
           </a:stretch>
@@ -12669,179 +9901,6 @@
           <a:chExt cx="0" cy="0"/>
         </a:xfrm>
       </p:grpSpPr>
-      <p:grpSp>
-        <p:nvGrpSpPr>
-          <p:cNvPr id="4" name="Grupo 3"/>
-          <p:cNvGrpSpPr/>
-          <p:nvPr/>
-        </p:nvGrpSpPr>
-        <p:grpSpPr>
-          <a:xfrm>
-            <a:off x="-13252" y="5734254"/>
-            <a:ext cx="12205252" cy="1104061"/>
-            <a:chOff x="-13252" y="5416754"/>
-            <a:chExt cx="12205252" cy="1104061"/>
-          </a:xfrm>
-        </p:grpSpPr>
-        <p:grpSp>
-          <p:nvGrpSpPr>
-            <p:cNvPr id="5" name="Grupo 4"/>
-            <p:cNvGrpSpPr/>
-            <p:nvPr/>
-          </p:nvGrpSpPr>
-          <p:grpSpPr>
-            <a:xfrm>
-              <a:off x="-13252" y="5416754"/>
-              <a:ext cx="12205252" cy="1104061"/>
-              <a:chOff x="-13252" y="5416754"/>
-              <a:chExt cx="12205252" cy="1104061"/>
-            </a:xfrm>
-          </p:grpSpPr>
-          <p:sp>
-            <p:nvSpPr>
-              <p:cNvPr id="7" name="Rectángulo 6"/>
-              <p:cNvSpPr/>
-              <p:nvPr/>
-            </p:nvSpPr>
-            <p:spPr>
-              <a:xfrm>
-                <a:off x="0" y="5566658"/>
-                <a:ext cx="12192000" cy="794385"/>
-              </a:xfrm>
-              <a:prstGeom prst="rect">
-                <a:avLst/>
-              </a:prstGeom>
-              <a:solidFill>
-                <a:schemeClr val="tx1"/>
-              </a:solidFill>
-              <a:ln>
-                <a:noFill/>
-              </a:ln>
-            </p:spPr>
-            <p:style>
-              <a:lnRef idx="2">
-                <a:schemeClr val="accent1">
-                  <a:shade val="50000"/>
-                </a:schemeClr>
-              </a:lnRef>
-              <a:fillRef idx="1">
-                <a:schemeClr val="accent1"/>
-              </a:fillRef>
-              <a:effectRef idx="0">
-                <a:schemeClr val="accent1"/>
-              </a:effectRef>
-              <a:fontRef idx="minor">
-                <a:schemeClr val="lt1"/>
-              </a:fontRef>
-            </p:style>
-            <p:txBody>
-              <a:bodyPr rtlCol="0" anchor="ctr"/>
-              <a:lstStyle/>
-              <a:p>
-                <a:pPr algn="ctr"/>
-                <a:endParaRPr lang="es-MX"/>
-              </a:p>
-            </p:txBody>
-          </p:sp>
-          <p:pic>
-            <p:nvPicPr>
-              <p:cNvPr id="8" name="Imagen 7"/>
-              <p:cNvPicPr>
-                <a:picLocks noChangeAspect="1"/>
-              </p:cNvPicPr>
-              <p:nvPr/>
-            </p:nvPicPr>
-            <p:blipFill>
-              <a:blip r:embed="rId2"/>
-              <a:stretch>
-                <a:fillRect/>
-              </a:stretch>
-            </p:blipFill>
-            <p:spPr>
-              <a:xfrm>
-                <a:off x="-13252" y="5428930"/>
-                <a:ext cx="4776997" cy="1091885"/>
-              </a:xfrm>
-              <a:prstGeom prst="rect">
-                <a:avLst/>
-              </a:prstGeom>
-            </p:spPr>
-          </p:pic>
-          <p:pic>
-            <p:nvPicPr>
-              <p:cNvPr id="9" name="Imagen 8"/>
-              <p:cNvPicPr>
-                <a:picLocks noChangeAspect="1"/>
-              </p:cNvPicPr>
-              <p:nvPr/>
-            </p:nvPicPr>
-            <p:blipFill>
-              <a:blip r:embed="rId2"/>
-              <a:stretch>
-                <a:fillRect/>
-              </a:stretch>
-            </p:blipFill>
-            <p:spPr>
-              <a:xfrm>
-                <a:off x="4732478" y="5416754"/>
-                <a:ext cx="4776997" cy="1091885"/>
-              </a:xfrm>
-              <a:prstGeom prst="rect">
-                <a:avLst/>
-              </a:prstGeom>
-            </p:spPr>
-          </p:pic>
-          <p:pic>
-            <p:nvPicPr>
-              <p:cNvPr id="10" name="Imagen 9"/>
-              <p:cNvPicPr>
-                <a:picLocks noChangeAspect="1"/>
-              </p:cNvPicPr>
-              <p:nvPr/>
-            </p:nvPicPr>
-            <p:blipFill rotWithShape="1">
-              <a:blip r:embed="rId2"/>
-              <a:srcRect l="43845"/>
-              <a:stretch>
-                <a:fillRect/>
-              </a:stretch>
-            </p:blipFill>
-            <p:spPr>
-              <a:xfrm>
-                <a:off x="9509475" y="5416754"/>
-                <a:ext cx="2682525" cy="1091885"/>
-              </a:xfrm>
-              <a:prstGeom prst="rect">
-                <a:avLst/>
-              </a:prstGeom>
-            </p:spPr>
-          </p:pic>
-        </p:grpSp>
-        <p:pic>
-          <p:nvPicPr>
-            <p:cNvPr id="6" name="Imagen 5"/>
-            <p:cNvPicPr>
-              <a:picLocks noChangeAspect="1"/>
-            </p:cNvPicPr>
-            <p:nvPr/>
-          </p:nvPicPr>
-          <p:blipFill>
-            <a:blip r:embed="rId3"/>
-            <a:stretch>
-              <a:fillRect/>
-            </a:stretch>
-          </p:blipFill>
-          <p:spPr>
-            <a:xfrm>
-              <a:off x="4364554" y="5547721"/>
-              <a:ext cx="3255445" cy="854301"/>
-            </a:xfrm>
-            <a:prstGeom prst="rect">
-              <a:avLst/>
-            </a:prstGeom>
-          </p:spPr>
-        </p:pic>
-      </p:grpSp>
       <p:sp>
         <p:nvSpPr>
           <p:cNvPr id="11" name="Título 1"/>
@@ -12955,7 +10014,7 @@
           <p:nvPr/>
         </p:nvPicPr>
         <p:blipFill>
-          <a:blip r:embed="rId4"/>
+          <a:blip r:embed="rId2"/>
           <a:stretch>
             <a:fillRect/>
           </a:stretch>
@@ -13030,179 +10089,6 @@
           <a:chExt cx="0" cy="0"/>
         </a:xfrm>
       </p:grpSpPr>
-      <p:grpSp>
-        <p:nvGrpSpPr>
-          <p:cNvPr id="4" name="Grupo 3"/>
-          <p:cNvGrpSpPr/>
-          <p:nvPr/>
-        </p:nvGrpSpPr>
-        <p:grpSpPr>
-          <a:xfrm>
-            <a:off x="-13252" y="5734254"/>
-            <a:ext cx="12205252" cy="1104061"/>
-            <a:chOff x="-13252" y="5416754"/>
-            <a:chExt cx="12205252" cy="1104061"/>
-          </a:xfrm>
-        </p:grpSpPr>
-        <p:grpSp>
-          <p:nvGrpSpPr>
-            <p:cNvPr id="5" name="Grupo 4"/>
-            <p:cNvGrpSpPr/>
-            <p:nvPr/>
-          </p:nvGrpSpPr>
-          <p:grpSpPr>
-            <a:xfrm>
-              <a:off x="-13252" y="5416754"/>
-              <a:ext cx="12205252" cy="1104061"/>
-              <a:chOff x="-13252" y="5416754"/>
-              <a:chExt cx="12205252" cy="1104061"/>
-            </a:xfrm>
-          </p:grpSpPr>
-          <p:sp>
-            <p:nvSpPr>
-              <p:cNvPr id="7" name="Rectángulo 6"/>
-              <p:cNvSpPr/>
-              <p:nvPr/>
-            </p:nvSpPr>
-            <p:spPr>
-              <a:xfrm>
-                <a:off x="0" y="5566658"/>
-                <a:ext cx="12192000" cy="794385"/>
-              </a:xfrm>
-              <a:prstGeom prst="rect">
-                <a:avLst/>
-              </a:prstGeom>
-              <a:solidFill>
-                <a:schemeClr val="tx1"/>
-              </a:solidFill>
-              <a:ln>
-                <a:noFill/>
-              </a:ln>
-            </p:spPr>
-            <p:style>
-              <a:lnRef idx="2">
-                <a:schemeClr val="accent1">
-                  <a:shade val="50000"/>
-                </a:schemeClr>
-              </a:lnRef>
-              <a:fillRef idx="1">
-                <a:schemeClr val="accent1"/>
-              </a:fillRef>
-              <a:effectRef idx="0">
-                <a:schemeClr val="accent1"/>
-              </a:effectRef>
-              <a:fontRef idx="minor">
-                <a:schemeClr val="lt1"/>
-              </a:fontRef>
-            </p:style>
-            <p:txBody>
-              <a:bodyPr rtlCol="0" anchor="ctr"/>
-              <a:lstStyle/>
-              <a:p>
-                <a:pPr algn="ctr"/>
-                <a:endParaRPr lang="es-MX"/>
-              </a:p>
-            </p:txBody>
-          </p:sp>
-          <p:pic>
-            <p:nvPicPr>
-              <p:cNvPr id="8" name="Imagen 7"/>
-              <p:cNvPicPr>
-                <a:picLocks noChangeAspect="1"/>
-              </p:cNvPicPr>
-              <p:nvPr/>
-            </p:nvPicPr>
-            <p:blipFill>
-              <a:blip r:embed="rId2"/>
-              <a:stretch>
-                <a:fillRect/>
-              </a:stretch>
-            </p:blipFill>
-            <p:spPr>
-              <a:xfrm>
-                <a:off x="-13252" y="5428930"/>
-                <a:ext cx="4776997" cy="1091885"/>
-              </a:xfrm>
-              <a:prstGeom prst="rect">
-                <a:avLst/>
-              </a:prstGeom>
-            </p:spPr>
-          </p:pic>
-          <p:pic>
-            <p:nvPicPr>
-              <p:cNvPr id="9" name="Imagen 8"/>
-              <p:cNvPicPr>
-                <a:picLocks noChangeAspect="1"/>
-              </p:cNvPicPr>
-              <p:nvPr/>
-            </p:nvPicPr>
-            <p:blipFill>
-              <a:blip r:embed="rId2"/>
-              <a:stretch>
-                <a:fillRect/>
-              </a:stretch>
-            </p:blipFill>
-            <p:spPr>
-              <a:xfrm>
-                <a:off x="4732478" y="5416754"/>
-                <a:ext cx="4776997" cy="1091885"/>
-              </a:xfrm>
-              <a:prstGeom prst="rect">
-                <a:avLst/>
-              </a:prstGeom>
-            </p:spPr>
-          </p:pic>
-          <p:pic>
-            <p:nvPicPr>
-              <p:cNvPr id="10" name="Imagen 9"/>
-              <p:cNvPicPr>
-                <a:picLocks noChangeAspect="1"/>
-              </p:cNvPicPr>
-              <p:nvPr/>
-            </p:nvPicPr>
-            <p:blipFill rotWithShape="1">
-              <a:blip r:embed="rId2"/>
-              <a:srcRect l="43845"/>
-              <a:stretch>
-                <a:fillRect/>
-              </a:stretch>
-            </p:blipFill>
-            <p:spPr>
-              <a:xfrm>
-                <a:off x="9509475" y="5416754"/>
-                <a:ext cx="2682525" cy="1091885"/>
-              </a:xfrm>
-              <a:prstGeom prst="rect">
-                <a:avLst/>
-              </a:prstGeom>
-            </p:spPr>
-          </p:pic>
-        </p:grpSp>
-        <p:pic>
-          <p:nvPicPr>
-            <p:cNvPr id="6" name="Imagen 5"/>
-            <p:cNvPicPr>
-              <a:picLocks noChangeAspect="1"/>
-            </p:cNvPicPr>
-            <p:nvPr/>
-          </p:nvPicPr>
-          <p:blipFill>
-            <a:blip r:embed="rId3"/>
-            <a:stretch>
-              <a:fillRect/>
-            </a:stretch>
-          </p:blipFill>
-          <p:spPr>
-            <a:xfrm>
-              <a:off x="4364554" y="5547721"/>
-              <a:ext cx="3255445" cy="854301"/>
-            </a:xfrm>
-            <a:prstGeom prst="rect">
-              <a:avLst/>
-            </a:prstGeom>
-          </p:spPr>
-        </p:pic>
-      </p:grpSp>
       <p:sp>
         <p:nvSpPr>
           <p:cNvPr id="11" name="Título 1"/>
@@ -13316,7 +10202,7 @@
           <p:nvPr/>
         </p:nvPicPr>
         <p:blipFill>
-          <a:blip r:embed="rId4"/>
+          <a:blip r:embed="rId2"/>
           <a:stretch>
             <a:fillRect/>
           </a:stretch>
@@ -13867,179 +10753,6 @@
           <a:chExt cx="0" cy="0"/>
         </a:xfrm>
       </p:grpSpPr>
-      <p:grpSp>
-        <p:nvGrpSpPr>
-          <p:cNvPr id="4" name="Grupo 3"/>
-          <p:cNvGrpSpPr/>
-          <p:nvPr/>
-        </p:nvGrpSpPr>
-        <p:grpSpPr>
-          <a:xfrm>
-            <a:off x="-13252" y="5734254"/>
-            <a:ext cx="12205252" cy="1104061"/>
-            <a:chOff x="-13252" y="5416754"/>
-            <a:chExt cx="12205252" cy="1104061"/>
-          </a:xfrm>
-        </p:grpSpPr>
-        <p:grpSp>
-          <p:nvGrpSpPr>
-            <p:cNvPr id="5" name="Grupo 4"/>
-            <p:cNvGrpSpPr/>
-            <p:nvPr/>
-          </p:nvGrpSpPr>
-          <p:grpSpPr>
-            <a:xfrm>
-              <a:off x="-13252" y="5416754"/>
-              <a:ext cx="12205252" cy="1104061"/>
-              <a:chOff x="-13252" y="5416754"/>
-              <a:chExt cx="12205252" cy="1104061"/>
-            </a:xfrm>
-          </p:grpSpPr>
-          <p:sp>
-            <p:nvSpPr>
-              <p:cNvPr id="7" name="Rectángulo 6"/>
-              <p:cNvSpPr/>
-              <p:nvPr/>
-            </p:nvSpPr>
-            <p:spPr>
-              <a:xfrm>
-                <a:off x="0" y="5566658"/>
-                <a:ext cx="12192000" cy="794385"/>
-              </a:xfrm>
-              <a:prstGeom prst="rect">
-                <a:avLst/>
-              </a:prstGeom>
-              <a:solidFill>
-                <a:schemeClr val="tx1"/>
-              </a:solidFill>
-              <a:ln>
-                <a:noFill/>
-              </a:ln>
-            </p:spPr>
-            <p:style>
-              <a:lnRef idx="2">
-                <a:schemeClr val="accent1">
-                  <a:shade val="50000"/>
-                </a:schemeClr>
-              </a:lnRef>
-              <a:fillRef idx="1">
-                <a:schemeClr val="accent1"/>
-              </a:fillRef>
-              <a:effectRef idx="0">
-                <a:schemeClr val="accent1"/>
-              </a:effectRef>
-              <a:fontRef idx="minor">
-                <a:schemeClr val="lt1"/>
-              </a:fontRef>
-            </p:style>
-            <p:txBody>
-              <a:bodyPr rtlCol="0" anchor="ctr"/>
-              <a:lstStyle/>
-              <a:p>
-                <a:pPr algn="ctr"/>
-                <a:endParaRPr lang="es-MX"/>
-              </a:p>
-            </p:txBody>
-          </p:sp>
-          <p:pic>
-            <p:nvPicPr>
-              <p:cNvPr id="8" name="Imagen 7"/>
-              <p:cNvPicPr>
-                <a:picLocks noChangeAspect="1"/>
-              </p:cNvPicPr>
-              <p:nvPr/>
-            </p:nvPicPr>
-            <p:blipFill>
-              <a:blip r:embed="rId2"/>
-              <a:stretch>
-                <a:fillRect/>
-              </a:stretch>
-            </p:blipFill>
-            <p:spPr>
-              <a:xfrm>
-                <a:off x="-13252" y="5428930"/>
-                <a:ext cx="4776997" cy="1091885"/>
-              </a:xfrm>
-              <a:prstGeom prst="rect">
-                <a:avLst/>
-              </a:prstGeom>
-            </p:spPr>
-          </p:pic>
-          <p:pic>
-            <p:nvPicPr>
-              <p:cNvPr id="9" name="Imagen 8"/>
-              <p:cNvPicPr>
-                <a:picLocks noChangeAspect="1"/>
-              </p:cNvPicPr>
-              <p:nvPr/>
-            </p:nvPicPr>
-            <p:blipFill>
-              <a:blip r:embed="rId2"/>
-              <a:stretch>
-                <a:fillRect/>
-              </a:stretch>
-            </p:blipFill>
-            <p:spPr>
-              <a:xfrm>
-                <a:off x="4732478" y="5416754"/>
-                <a:ext cx="4776997" cy="1091885"/>
-              </a:xfrm>
-              <a:prstGeom prst="rect">
-                <a:avLst/>
-              </a:prstGeom>
-            </p:spPr>
-          </p:pic>
-          <p:pic>
-            <p:nvPicPr>
-              <p:cNvPr id="10" name="Imagen 9"/>
-              <p:cNvPicPr>
-                <a:picLocks noChangeAspect="1"/>
-              </p:cNvPicPr>
-              <p:nvPr/>
-            </p:nvPicPr>
-            <p:blipFill rotWithShape="1">
-              <a:blip r:embed="rId2"/>
-              <a:srcRect l="43845"/>
-              <a:stretch>
-                <a:fillRect/>
-              </a:stretch>
-            </p:blipFill>
-            <p:spPr>
-              <a:xfrm>
-                <a:off x="9509475" y="5416754"/>
-                <a:ext cx="2682525" cy="1091885"/>
-              </a:xfrm>
-              <a:prstGeom prst="rect">
-                <a:avLst/>
-              </a:prstGeom>
-            </p:spPr>
-          </p:pic>
-        </p:grpSp>
-        <p:pic>
-          <p:nvPicPr>
-            <p:cNvPr id="6" name="Imagen 5"/>
-            <p:cNvPicPr>
-              <a:picLocks noChangeAspect="1"/>
-            </p:cNvPicPr>
-            <p:nvPr/>
-          </p:nvPicPr>
-          <p:blipFill>
-            <a:blip r:embed="rId3"/>
-            <a:stretch>
-              <a:fillRect/>
-            </a:stretch>
-          </p:blipFill>
-          <p:spPr>
-            <a:xfrm>
-              <a:off x="4364554" y="5547721"/>
-              <a:ext cx="3255445" cy="854301"/>
-            </a:xfrm>
-            <a:prstGeom prst="rect">
-              <a:avLst/>
-            </a:prstGeom>
-          </p:spPr>
-        </p:pic>
-      </p:grpSp>
       <p:sp>
         <p:nvSpPr>
           <p:cNvPr id="2" name="Título 1"/>
@@ -14153,7 +10866,7 @@
           <p:nvPr/>
         </p:nvPicPr>
         <p:blipFill>
-          <a:blip r:embed="rId4"/>
+          <a:blip r:embed="rId2"/>
           <a:stretch>
             <a:fillRect/>
           </a:stretch>
@@ -14258,179 +10971,6 @@
           </a:effectLst>
         </p:spPr>
       </p:pic>
-      <p:grpSp>
-        <p:nvGrpSpPr>
-          <p:cNvPr id="6" name="Grupo 5"/>
-          <p:cNvGrpSpPr/>
-          <p:nvPr/>
-        </p:nvGrpSpPr>
-        <p:grpSpPr>
-          <a:xfrm>
-            <a:off x="-13252" y="5734254"/>
-            <a:ext cx="12205252" cy="1104061"/>
-            <a:chOff x="-13252" y="5416754"/>
-            <a:chExt cx="12205252" cy="1104061"/>
-          </a:xfrm>
-        </p:grpSpPr>
-        <p:grpSp>
-          <p:nvGrpSpPr>
-            <p:cNvPr id="7" name="Grupo 6"/>
-            <p:cNvGrpSpPr/>
-            <p:nvPr/>
-          </p:nvGrpSpPr>
-          <p:grpSpPr>
-            <a:xfrm>
-              <a:off x="-13252" y="5416754"/>
-              <a:ext cx="12205252" cy="1104061"/>
-              <a:chOff x="-13252" y="5416754"/>
-              <a:chExt cx="12205252" cy="1104061"/>
-            </a:xfrm>
-          </p:grpSpPr>
-          <p:sp>
-            <p:nvSpPr>
-              <p:cNvPr id="9" name="Rectángulo 8"/>
-              <p:cNvSpPr/>
-              <p:nvPr/>
-            </p:nvSpPr>
-            <p:spPr>
-              <a:xfrm>
-                <a:off x="0" y="5566658"/>
-                <a:ext cx="12192000" cy="794385"/>
-              </a:xfrm>
-              <a:prstGeom prst="rect">
-                <a:avLst/>
-              </a:prstGeom>
-              <a:solidFill>
-                <a:schemeClr val="tx1"/>
-              </a:solidFill>
-              <a:ln>
-                <a:noFill/>
-              </a:ln>
-            </p:spPr>
-            <p:style>
-              <a:lnRef idx="2">
-                <a:schemeClr val="accent1">
-                  <a:shade val="50000"/>
-                </a:schemeClr>
-              </a:lnRef>
-              <a:fillRef idx="1">
-                <a:schemeClr val="accent1"/>
-              </a:fillRef>
-              <a:effectRef idx="0">
-                <a:schemeClr val="accent1"/>
-              </a:effectRef>
-              <a:fontRef idx="minor">
-                <a:schemeClr val="lt1"/>
-              </a:fontRef>
-            </p:style>
-            <p:txBody>
-              <a:bodyPr rtlCol="0" anchor="ctr"/>
-              <a:lstStyle/>
-              <a:p>
-                <a:pPr algn="ctr"/>
-                <a:endParaRPr lang="es-MX"/>
-              </a:p>
-            </p:txBody>
-          </p:sp>
-          <p:pic>
-            <p:nvPicPr>
-              <p:cNvPr id="10" name="Imagen 9"/>
-              <p:cNvPicPr>
-                <a:picLocks noChangeAspect="1"/>
-              </p:cNvPicPr>
-              <p:nvPr/>
-            </p:nvPicPr>
-            <p:blipFill>
-              <a:blip r:embed="rId3"/>
-              <a:stretch>
-                <a:fillRect/>
-              </a:stretch>
-            </p:blipFill>
-            <p:spPr>
-              <a:xfrm>
-                <a:off x="-13252" y="5428930"/>
-                <a:ext cx="4776997" cy="1091885"/>
-              </a:xfrm>
-              <a:prstGeom prst="rect">
-                <a:avLst/>
-              </a:prstGeom>
-            </p:spPr>
-          </p:pic>
-          <p:pic>
-            <p:nvPicPr>
-              <p:cNvPr id="11" name="Imagen 10"/>
-              <p:cNvPicPr>
-                <a:picLocks noChangeAspect="1"/>
-              </p:cNvPicPr>
-              <p:nvPr/>
-            </p:nvPicPr>
-            <p:blipFill>
-              <a:blip r:embed="rId3"/>
-              <a:stretch>
-                <a:fillRect/>
-              </a:stretch>
-            </p:blipFill>
-            <p:spPr>
-              <a:xfrm>
-                <a:off x="4732478" y="5416754"/>
-                <a:ext cx="4776997" cy="1091885"/>
-              </a:xfrm>
-              <a:prstGeom prst="rect">
-                <a:avLst/>
-              </a:prstGeom>
-            </p:spPr>
-          </p:pic>
-          <p:pic>
-            <p:nvPicPr>
-              <p:cNvPr id="12" name="Imagen 11"/>
-              <p:cNvPicPr>
-                <a:picLocks noChangeAspect="1"/>
-              </p:cNvPicPr>
-              <p:nvPr/>
-            </p:nvPicPr>
-            <p:blipFill rotWithShape="1">
-              <a:blip r:embed="rId3"/>
-              <a:srcRect l="43845"/>
-              <a:stretch>
-                <a:fillRect/>
-              </a:stretch>
-            </p:blipFill>
-            <p:spPr>
-              <a:xfrm>
-                <a:off x="9509475" y="5416754"/>
-                <a:ext cx="2682525" cy="1091885"/>
-              </a:xfrm>
-              <a:prstGeom prst="rect">
-                <a:avLst/>
-              </a:prstGeom>
-            </p:spPr>
-          </p:pic>
-        </p:grpSp>
-        <p:pic>
-          <p:nvPicPr>
-            <p:cNvPr id="8" name="Imagen 7"/>
-            <p:cNvPicPr>
-              <a:picLocks noChangeAspect="1"/>
-            </p:cNvPicPr>
-            <p:nvPr/>
-          </p:nvPicPr>
-          <p:blipFill>
-            <a:blip r:embed="rId4"/>
-            <a:stretch>
-              <a:fillRect/>
-            </a:stretch>
-          </p:blipFill>
-          <p:spPr>
-            <a:xfrm>
-              <a:off x="4364554" y="5547721"/>
-              <a:ext cx="3255445" cy="854301"/>
-            </a:xfrm>
-            <a:prstGeom prst="rect">
-              <a:avLst/>
-            </a:prstGeom>
-          </p:spPr>
-        </p:pic>
-      </p:grpSp>
       <p:sp>
         <p:nvSpPr>
           <p:cNvPr id="13" name="Título 1"/>
@@ -14589,179 +11129,6 @@
           <a:chExt cx="0" cy="0"/>
         </a:xfrm>
       </p:grpSpPr>
-      <p:grpSp>
-        <p:nvGrpSpPr>
-          <p:cNvPr id="8" name="Grupo 7"/>
-          <p:cNvGrpSpPr/>
-          <p:nvPr/>
-        </p:nvGrpSpPr>
-        <p:grpSpPr>
-          <a:xfrm>
-            <a:off x="-13252" y="5734254"/>
-            <a:ext cx="12205252" cy="1104061"/>
-            <a:chOff x="-13252" y="5416754"/>
-            <a:chExt cx="12205252" cy="1104061"/>
-          </a:xfrm>
-        </p:grpSpPr>
-        <p:grpSp>
-          <p:nvGrpSpPr>
-            <p:cNvPr id="9" name="Grupo 8"/>
-            <p:cNvGrpSpPr/>
-            <p:nvPr/>
-          </p:nvGrpSpPr>
-          <p:grpSpPr>
-            <a:xfrm>
-              <a:off x="-13252" y="5416754"/>
-              <a:ext cx="12205252" cy="1104061"/>
-              <a:chOff x="-13252" y="5416754"/>
-              <a:chExt cx="12205252" cy="1104061"/>
-            </a:xfrm>
-          </p:grpSpPr>
-          <p:sp>
-            <p:nvSpPr>
-              <p:cNvPr id="11" name="Rectángulo 10"/>
-              <p:cNvSpPr/>
-              <p:nvPr/>
-            </p:nvSpPr>
-            <p:spPr>
-              <a:xfrm>
-                <a:off x="0" y="5566658"/>
-                <a:ext cx="12192000" cy="794385"/>
-              </a:xfrm>
-              <a:prstGeom prst="rect">
-                <a:avLst/>
-              </a:prstGeom>
-              <a:solidFill>
-                <a:schemeClr val="tx1"/>
-              </a:solidFill>
-              <a:ln>
-                <a:noFill/>
-              </a:ln>
-            </p:spPr>
-            <p:style>
-              <a:lnRef idx="2">
-                <a:schemeClr val="accent1">
-                  <a:shade val="50000"/>
-                </a:schemeClr>
-              </a:lnRef>
-              <a:fillRef idx="1">
-                <a:schemeClr val="accent1"/>
-              </a:fillRef>
-              <a:effectRef idx="0">
-                <a:schemeClr val="accent1"/>
-              </a:effectRef>
-              <a:fontRef idx="minor">
-                <a:schemeClr val="lt1"/>
-              </a:fontRef>
-            </p:style>
-            <p:txBody>
-              <a:bodyPr rtlCol="0" anchor="ctr"/>
-              <a:lstStyle/>
-              <a:p>
-                <a:pPr algn="ctr"/>
-                <a:endParaRPr lang="es-MX"/>
-              </a:p>
-            </p:txBody>
-          </p:sp>
-          <p:pic>
-            <p:nvPicPr>
-              <p:cNvPr id="12" name="Imagen 11"/>
-              <p:cNvPicPr>
-                <a:picLocks noChangeAspect="1"/>
-              </p:cNvPicPr>
-              <p:nvPr/>
-            </p:nvPicPr>
-            <p:blipFill>
-              <a:blip r:embed="rId2"/>
-              <a:stretch>
-                <a:fillRect/>
-              </a:stretch>
-            </p:blipFill>
-            <p:spPr>
-              <a:xfrm>
-                <a:off x="-13252" y="5428930"/>
-                <a:ext cx="4776997" cy="1091885"/>
-              </a:xfrm>
-              <a:prstGeom prst="rect">
-                <a:avLst/>
-              </a:prstGeom>
-            </p:spPr>
-          </p:pic>
-          <p:pic>
-            <p:nvPicPr>
-              <p:cNvPr id="13" name="Imagen 12"/>
-              <p:cNvPicPr>
-                <a:picLocks noChangeAspect="1"/>
-              </p:cNvPicPr>
-              <p:nvPr/>
-            </p:nvPicPr>
-            <p:blipFill>
-              <a:blip r:embed="rId2"/>
-              <a:stretch>
-                <a:fillRect/>
-              </a:stretch>
-            </p:blipFill>
-            <p:spPr>
-              <a:xfrm>
-                <a:off x="4732478" y="5416754"/>
-                <a:ext cx="4776997" cy="1091885"/>
-              </a:xfrm>
-              <a:prstGeom prst="rect">
-                <a:avLst/>
-              </a:prstGeom>
-            </p:spPr>
-          </p:pic>
-          <p:pic>
-            <p:nvPicPr>
-              <p:cNvPr id="14" name="Imagen 13"/>
-              <p:cNvPicPr>
-                <a:picLocks noChangeAspect="1"/>
-              </p:cNvPicPr>
-              <p:nvPr/>
-            </p:nvPicPr>
-            <p:blipFill rotWithShape="1">
-              <a:blip r:embed="rId2"/>
-              <a:srcRect l="43845"/>
-              <a:stretch>
-                <a:fillRect/>
-              </a:stretch>
-            </p:blipFill>
-            <p:spPr>
-              <a:xfrm>
-                <a:off x="9509475" y="5416754"/>
-                <a:ext cx="2682525" cy="1091885"/>
-              </a:xfrm>
-              <a:prstGeom prst="rect">
-                <a:avLst/>
-              </a:prstGeom>
-            </p:spPr>
-          </p:pic>
-        </p:grpSp>
-        <p:pic>
-          <p:nvPicPr>
-            <p:cNvPr id="10" name="Imagen 9"/>
-            <p:cNvPicPr>
-              <a:picLocks noChangeAspect="1"/>
-            </p:cNvPicPr>
-            <p:nvPr/>
-          </p:nvPicPr>
-          <p:blipFill>
-            <a:blip r:embed="rId3"/>
-            <a:stretch>
-              <a:fillRect/>
-            </a:stretch>
-          </p:blipFill>
-          <p:spPr>
-            <a:xfrm>
-              <a:off x="4364554" y="5547721"/>
-              <a:ext cx="3255445" cy="854301"/>
-            </a:xfrm>
-            <a:prstGeom prst="rect">
-              <a:avLst/>
-            </a:prstGeom>
-          </p:spPr>
-        </p:pic>
-      </p:grpSp>
       <p:pic>
         <p:nvPicPr>
           <p:cNvPr id="5" name="Imagen 4"/>
@@ -14771,7 +11138,7 @@
           <p:nvPr/>
         </p:nvPicPr>
         <p:blipFill rotWithShape="1">
-          <a:blip r:embed="rId4"/>
+          <a:blip r:embed="rId2"/>
           <a:srcRect r="9620"/>
           <a:stretch/>
         </p:blipFill>
@@ -14800,7 +11167,7 @@
           <p:nvPr/>
         </p:nvPicPr>
         <p:blipFill>
-          <a:blip r:embed="rId5"/>
+          <a:blip r:embed="rId3"/>
           <a:stretch>
             <a:fillRect/>
           </a:stretch>
@@ -15009,179 +11376,6 @@
           </a:effectLst>
         </p:spPr>
       </p:pic>
-      <p:grpSp>
-        <p:nvGrpSpPr>
-          <p:cNvPr id="6" name="Grupo 5"/>
-          <p:cNvGrpSpPr/>
-          <p:nvPr/>
-        </p:nvGrpSpPr>
-        <p:grpSpPr>
-          <a:xfrm>
-            <a:off x="-13252" y="5734254"/>
-            <a:ext cx="12205252" cy="1104061"/>
-            <a:chOff x="-13252" y="5416754"/>
-            <a:chExt cx="12205252" cy="1104061"/>
-          </a:xfrm>
-        </p:grpSpPr>
-        <p:grpSp>
-          <p:nvGrpSpPr>
-            <p:cNvPr id="7" name="Grupo 6"/>
-            <p:cNvGrpSpPr/>
-            <p:nvPr/>
-          </p:nvGrpSpPr>
-          <p:grpSpPr>
-            <a:xfrm>
-              <a:off x="-13252" y="5416754"/>
-              <a:ext cx="12205252" cy="1104061"/>
-              <a:chOff x="-13252" y="5416754"/>
-              <a:chExt cx="12205252" cy="1104061"/>
-            </a:xfrm>
-          </p:grpSpPr>
-          <p:sp>
-            <p:nvSpPr>
-              <p:cNvPr id="9" name="Rectángulo 8"/>
-              <p:cNvSpPr/>
-              <p:nvPr/>
-            </p:nvSpPr>
-            <p:spPr>
-              <a:xfrm>
-                <a:off x="0" y="5566658"/>
-                <a:ext cx="12192000" cy="794385"/>
-              </a:xfrm>
-              <a:prstGeom prst="rect">
-                <a:avLst/>
-              </a:prstGeom>
-              <a:solidFill>
-                <a:schemeClr val="tx1"/>
-              </a:solidFill>
-              <a:ln>
-                <a:noFill/>
-              </a:ln>
-            </p:spPr>
-            <p:style>
-              <a:lnRef idx="2">
-                <a:schemeClr val="accent1">
-                  <a:shade val="50000"/>
-                </a:schemeClr>
-              </a:lnRef>
-              <a:fillRef idx="1">
-                <a:schemeClr val="accent1"/>
-              </a:fillRef>
-              <a:effectRef idx="0">
-                <a:schemeClr val="accent1"/>
-              </a:effectRef>
-              <a:fontRef idx="minor">
-                <a:schemeClr val="lt1"/>
-              </a:fontRef>
-            </p:style>
-            <p:txBody>
-              <a:bodyPr rtlCol="0" anchor="ctr"/>
-              <a:lstStyle/>
-              <a:p>
-                <a:pPr algn="ctr"/>
-                <a:endParaRPr lang="es-MX"/>
-              </a:p>
-            </p:txBody>
-          </p:sp>
-          <p:pic>
-            <p:nvPicPr>
-              <p:cNvPr id="10" name="Imagen 9"/>
-              <p:cNvPicPr>
-                <a:picLocks noChangeAspect="1"/>
-              </p:cNvPicPr>
-              <p:nvPr/>
-            </p:nvPicPr>
-            <p:blipFill>
-              <a:blip r:embed="rId3"/>
-              <a:stretch>
-                <a:fillRect/>
-              </a:stretch>
-            </p:blipFill>
-            <p:spPr>
-              <a:xfrm>
-                <a:off x="-13252" y="5428930"/>
-                <a:ext cx="4776997" cy="1091885"/>
-              </a:xfrm>
-              <a:prstGeom prst="rect">
-                <a:avLst/>
-              </a:prstGeom>
-            </p:spPr>
-          </p:pic>
-          <p:pic>
-            <p:nvPicPr>
-              <p:cNvPr id="11" name="Imagen 10"/>
-              <p:cNvPicPr>
-                <a:picLocks noChangeAspect="1"/>
-              </p:cNvPicPr>
-              <p:nvPr/>
-            </p:nvPicPr>
-            <p:blipFill>
-              <a:blip r:embed="rId3"/>
-              <a:stretch>
-                <a:fillRect/>
-              </a:stretch>
-            </p:blipFill>
-            <p:spPr>
-              <a:xfrm>
-                <a:off x="4732478" y="5416754"/>
-                <a:ext cx="4776997" cy="1091885"/>
-              </a:xfrm>
-              <a:prstGeom prst="rect">
-                <a:avLst/>
-              </a:prstGeom>
-            </p:spPr>
-          </p:pic>
-          <p:pic>
-            <p:nvPicPr>
-              <p:cNvPr id="12" name="Imagen 11"/>
-              <p:cNvPicPr>
-                <a:picLocks noChangeAspect="1"/>
-              </p:cNvPicPr>
-              <p:nvPr/>
-            </p:nvPicPr>
-            <p:blipFill rotWithShape="1">
-              <a:blip r:embed="rId3"/>
-              <a:srcRect l="43845"/>
-              <a:stretch>
-                <a:fillRect/>
-              </a:stretch>
-            </p:blipFill>
-            <p:spPr>
-              <a:xfrm>
-                <a:off x="9509475" y="5416754"/>
-                <a:ext cx="2682525" cy="1091885"/>
-              </a:xfrm>
-              <a:prstGeom prst="rect">
-                <a:avLst/>
-              </a:prstGeom>
-            </p:spPr>
-          </p:pic>
-        </p:grpSp>
-        <p:pic>
-          <p:nvPicPr>
-            <p:cNvPr id="8" name="Imagen 7"/>
-            <p:cNvPicPr>
-              <a:picLocks noChangeAspect="1"/>
-            </p:cNvPicPr>
-            <p:nvPr/>
-          </p:nvPicPr>
-          <p:blipFill>
-            <a:blip r:embed="rId4"/>
-            <a:stretch>
-              <a:fillRect/>
-            </a:stretch>
-          </p:blipFill>
-          <p:spPr>
-            <a:xfrm>
-              <a:off x="4364554" y="5547721"/>
-              <a:ext cx="3255445" cy="854301"/>
-            </a:xfrm>
-            <a:prstGeom prst="rect">
-              <a:avLst/>
-            </a:prstGeom>
-          </p:spPr>
-        </p:pic>
-      </p:grpSp>
       <p:sp>
         <p:nvSpPr>
           <p:cNvPr id="13" name="Título 1"/>
@@ -16205,179 +12399,6 @@
           </a:prstGeom>
         </p:spPr>
       </p:pic>
-      <p:grpSp>
-        <p:nvGrpSpPr>
-          <p:cNvPr id="5" name="Grupo 4"/>
-          <p:cNvGrpSpPr/>
-          <p:nvPr/>
-        </p:nvGrpSpPr>
-        <p:grpSpPr>
-          <a:xfrm>
-            <a:off x="-13252" y="5734254"/>
-            <a:ext cx="12205252" cy="1104061"/>
-            <a:chOff x="-13252" y="5416754"/>
-            <a:chExt cx="12205252" cy="1104061"/>
-          </a:xfrm>
-        </p:grpSpPr>
-        <p:grpSp>
-          <p:nvGrpSpPr>
-            <p:cNvPr id="6" name="Grupo 5"/>
-            <p:cNvGrpSpPr/>
-            <p:nvPr/>
-          </p:nvGrpSpPr>
-          <p:grpSpPr>
-            <a:xfrm>
-              <a:off x="-13252" y="5416754"/>
-              <a:ext cx="12205252" cy="1104061"/>
-              <a:chOff x="-13252" y="5416754"/>
-              <a:chExt cx="12205252" cy="1104061"/>
-            </a:xfrm>
-          </p:grpSpPr>
-          <p:sp>
-            <p:nvSpPr>
-              <p:cNvPr id="8" name="Rectángulo 7"/>
-              <p:cNvSpPr/>
-              <p:nvPr/>
-            </p:nvSpPr>
-            <p:spPr>
-              <a:xfrm>
-                <a:off x="0" y="5566658"/>
-                <a:ext cx="12192000" cy="794385"/>
-              </a:xfrm>
-              <a:prstGeom prst="rect">
-                <a:avLst/>
-              </a:prstGeom>
-              <a:solidFill>
-                <a:schemeClr val="tx1"/>
-              </a:solidFill>
-              <a:ln>
-                <a:noFill/>
-              </a:ln>
-            </p:spPr>
-            <p:style>
-              <a:lnRef idx="2">
-                <a:schemeClr val="accent1">
-                  <a:shade val="50000"/>
-                </a:schemeClr>
-              </a:lnRef>
-              <a:fillRef idx="1">
-                <a:schemeClr val="accent1"/>
-              </a:fillRef>
-              <a:effectRef idx="0">
-                <a:schemeClr val="accent1"/>
-              </a:effectRef>
-              <a:fontRef idx="minor">
-                <a:schemeClr val="lt1"/>
-              </a:fontRef>
-            </p:style>
-            <p:txBody>
-              <a:bodyPr rtlCol="0" anchor="ctr"/>
-              <a:lstStyle/>
-              <a:p>
-                <a:pPr algn="ctr"/>
-                <a:endParaRPr lang="es-MX"/>
-              </a:p>
-            </p:txBody>
-          </p:sp>
-          <p:pic>
-            <p:nvPicPr>
-              <p:cNvPr id="9" name="Imagen 8"/>
-              <p:cNvPicPr>
-                <a:picLocks noChangeAspect="1"/>
-              </p:cNvPicPr>
-              <p:nvPr/>
-            </p:nvPicPr>
-            <p:blipFill>
-              <a:blip r:embed="rId3"/>
-              <a:stretch>
-                <a:fillRect/>
-              </a:stretch>
-            </p:blipFill>
-            <p:spPr>
-              <a:xfrm>
-                <a:off x="-13252" y="5428930"/>
-                <a:ext cx="4776997" cy="1091885"/>
-              </a:xfrm>
-              <a:prstGeom prst="rect">
-                <a:avLst/>
-              </a:prstGeom>
-            </p:spPr>
-          </p:pic>
-          <p:pic>
-            <p:nvPicPr>
-              <p:cNvPr id="10" name="Imagen 9"/>
-              <p:cNvPicPr>
-                <a:picLocks noChangeAspect="1"/>
-              </p:cNvPicPr>
-              <p:nvPr/>
-            </p:nvPicPr>
-            <p:blipFill>
-              <a:blip r:embed="rId3"/>
-              <a:stretch>
-                <a:fillRect/>
-              </a:stretch>
-            </p:blipFill>
-            <p:spPr>
-              <a:xfrm>
-                <a:off x="4732478" y="5416754"/>
-                <a:ext cx="4776997" cy="1091885"/>
-              </a:xfrm>
-              <a:prstGeom prst="rect">
-                <a:avLst/>
-              </a:prstGeom>
-            </p:spPr>
-          </p:pic>
-          <p:pic>
-            <p:nvPicPr>
-              <p:cNvPr id="11" name="Imagen 10"/>
-              <p:cNvPicPr>
-                <a:picLocks noChangeAspect="1"/>
-              </p:cNvPicPr>
-              <p:nvPr/>
-            </p:nvPicPr>
-            <p:blipFill rotWithShape="1">
-              <a:blip r:embed="rId3"/>
-              <a:srcRect l="43845"/>
-              <a:stretch>
-                <a:fillRect/>
-              </a:stretch>
-            </p:blipFill>
-            <p:spPr>
-              <a:xfrm>
-                <a:off x="9509475" y="5416754"/>
-                <a:ext cx="2682525" cy="1091885"/>
-              </a:xfrm>
-              <a:prstGeom prst="rect">
-                <a:avLst/>
-              </a:prstGeom>
-            </p:spPr>
-          </p:pic>
-        </p:grpSp>
-        <p:pic>
-          <p:nvPicPr>
-            <p:cNvPr id="7" name="Imagen 6"/>
-            <p:cNvPicPr>
-              <a:picLocks noChangeAspect="1"/>
-            </p:cNvPicPr>
-            <p:nvPr/>
-          </p:nvPicPr>
-          <p:blipFill>
-            <a:blip r:embed="rId4"/>
-            <a:stretch>
-              <a:fillRect/>
-            </a:stretch>
-          </p:blipFill>
-          <p:spPr>
-            <a:xfrm>
-              <a:off x="4364554" y="5547721"/>
-              <a:ext cx="3255445" cy="854301"/>
-            </a:xfrm>
-            <a:prstGeom prst="rect">
-              <a:avLst/>
-            </a:prstGeom>
-          </p:spPr>
-        </p:pic>
-      </p:grpSp>
       <p:sp>
         <p:nvSpPr>
           <p:cNvPr id="2" name="Marcador de número de diapositiva 1">
@@ -16560,179 +12581,6 @@
           </a:prstGeom>
         </p:spPr>
       </p:pic>
-      <p:grpSp>
-        <p:nvGrpSpPr>
-          <p:cNvPr id="5" name="Grupo 4"/>
-          <p:cNvGrpSpPr/>
-          <p:nvPr/>
-        </p:nvGrpSpPr>
-        <p:grpSpPr>
-          <a:xfrm>
-            <a:off x="-13252" y="5734254"/>
-            <a:ext cx="12205252" cy="1104061"/>
-            <a:chOff x="-13252" y="5416754"/>
-            <a:chExt cx="12205252" cy="1104061"/>
-          </a:xfrm>
-        </p:grpSpPr>
-        <p:grpSp>
-          <p:nvGrpSpPr>
-            <p:cNvPr id="6" name="Grupo 5"/>
-            <p:cNvGrpSpPr/>
-            <p:nvPr/>
-          </p:nvGrpSpPr>
-          <p:grpSpPr>
-            <a:xfrm>
-              <a:off x="-13252" y="5416754"/>
-              <a:ext cx="12205252" cy="1104061"/>
-              <a:chOff x="-13252" y="5416754"/>
-              <a:chExt cx="12205252" cy="1104061"/>
-            </a:xfrm>
-          </p:grpSpPr>
-          <p:sp>
-            <p:nvSpPr>
-              <p:cNvPr id="8" name="Rectángulo 7"/>
-              <p:cNvSpPr/>
-              <p:nvPr/>
-            </p:nvSpPr>
-            <p:spPr>
-              <a:xfrm>
-                <a:off x="0" y="5566658"/>
-                <a:ext cx="12192000" cy="794385"/>
-              </a:xfrm>
-              <a:prstGeom prst="rect">
-                <a:avLst/>
-              </a:prstGeom>
-              <a:solidFill>
-                <a:schemeClr val="tx1"/>
-              </a:solidFill>
-              <a:ln>
-                <a:noFill/>
-              </a:ln>
-            </p:spPr>
-            <p:style>
-              <a:lnRef idx="2">
-                <a:schemeClr val="accent1">
-                  <a:shade val="50000"/>
-                </a:schemeClr>
-              </a:lnRef>
-              <a:fillRef idx="1">
-                <a:schemeClr val="accent1"/>
-              </a:fillRef>
-              <a:effectRef idx="0">
-                <a:schemeClr val="accent1"/>
-              </a:effectRef>
-              <a:fontRef idx="minor">
-                <a:schemeClr val="lt1"/>
-              </a:fontRef>
-            </p:style>
-            <p:txBody>
-              <a:bodyPr rtlCol="0" anchor="ctr"/>
-              <a:lstStyle/>
-              <a:p>
-                <a:pPr algn="ctr"/>
-                <a:endParaRPr lang="es-MX"/>
-              </a:p>
-            </p:txBody>
-          </p:sp>
-          <p:pic>
-            <p:nvPicPr>
-              <p:cNvPr id="9" name="Imagen 8"/>
-              <p:cNvPicPr>
-                <a:picLocks noChangeAspect="1"/>
-              </p:cNvPicPr>
-              <p:nvPr/>
-            </p:nvPicPr>
-            <p:blipFill>
-              <a:blip r:embed="rId3"/>
-              <a:stretch>
-                <a:fillRect/>
-              </a:stretch>
-            </p:blipFill>
-            <p:spPr>
-              <a:xfrm>
-                <a:off x="-13252" y="5428930"/>
-                <a:ext cx="4776997" cy="1091885"/>
-              </a:xfrm>
-              <a:prstGeom prst="rect">
-                <a:avLst/>
-              </a:prstGeom>
-            </p:spPr>
-          </p:pic>
-          <p:pic>
-            <p:nvPicPr>
-              <p:cNvPr id="10" name="Imagen 9"/>
-              <p:cNvPicPr>
-                <a:picLocks noChangeAspect="1"/>
-              </p:cNvPicPr>
-              <p:nvPr/>
-            </p:nvPicPr>
-            <p:blipFill>
-              <a:blip r:embed="rId3"/>
-              <a:stretch>
-                <a:fillRect/>
-              </a:stretch>
-            </p:blipFill>
-            <p:spPr>
-              <a:xfrm>
-                <a:off x="4732478" y="5416754"/>
-                <a:ext cx="4776997" cy="1091885"/>
-              </a:xfrm>
-              <a:prstGeom prst="rect">
-                <a:avLst/>
-              </a:prstGeom>
-            </p:spPr>
-          </p:pic>
-          <p:pic>
-            <p:nvPicPr>
-              <p:cNvPr id="11" name="Imagen 10"/>
-              <p:cNvPicPr>
-                <a:picLocks noChangeAspect="1"/>
-              </p:cNvPicPr>
-              <p:nvPr/>
-            </p:nvPicPr>
-            <p:blipFill rotWithShape="1">
-              <a:blip r:embed="rId3"/>
-              <a:srcRect l="43845"/>
-              <a:stretch>
-                <a:fillRect/>
-              </a:stretch>
-            </p:blipFill>
-            <p:spPr>
-              <a:xfrm>
-                <a:off x="9509475" y="5416754"/>
-                <a:ext cx="2682525" cy="1091885"/>
-              </a:xfrm>
-              <a:prstGeom prst="rect">
-                <a:avLst/>
-              </a:prstGeom>
-            </p:spPr>
-          </p:pic>
-        </p:grpSp>
-        <p:pic>
-          <p:nvPicPr>
-            <p:cNvPr id="7" name="Imagen 6"/>
-            <p:cNvPicPr>
-              <a:picLocks noChangeAspect="1"/>
-            </p:cNvPicPr>
-            <p:nvPr/>
-          </p:nvPicPr>
-          <p:blipFill>
-            <a:blip r:embed="rId4"/>
-            <a:stretch>
-              <a:fillRect/>
-            </a:stretch>
-          </p:blipFill>
-          <p:spPr>
-            <a:xfrm>
-              <a:off x="4364554" y="5547721"/>
-              <a:ext cx="3255445" cy="854301"/>
-            </a:xfrm>
-            <a:prstGeom prst="rect">
-              <a:avLst/>
-            </a:prstGeom>
-          </p:spPr>
-        </p:pic>
-      </p:grpSp>
       <p:sp>
         <p:nvSpPr>
           <p:cNvPr id="2" name="Marcador de número de diapositiva 1">
@@ -16915,179 +12763,6 @@
           </a:prstGeom>
         </p:spPr>
       </p:pic>
-      <p:grpSp>
-        <p:nvGrpSpPr>
-          <p:cNvPr id="7" name="Grupo 6"/>
-          <p:cNvGrpSpPr/>
-          <p:nvPr/>
-        </p:nvGrpSpPr>
-        <p:grpSpPr>
-          <a:xfrm>
-            <a:off x="-13252" y="5734254"/>
-            <a:ext cx="12205252" cy="1104061"/>
-            <a:chOff x="-13252" y="5416754"/>
-            <a:chExt cx="12205252" cy="1104061"/>
-          </a:xfrm>
-        </p:grpSpPr>
-        <p:grpSp>
-          <p:nvGrpSpPr>
-            <p:cNvPr id="8" name="Grupo 7"/>
-            <p:cNvGrpSpPr/>
-            <p:nvPr/>
-          </p:nvGrpSpPr>
-          <p:grpSpPr>
-            <a:xfrm>
-              <a:off x="-13252" y="5416754"/>
-              <a:ext cx="12205252" cy="1104061"/>
-              <a:chOff x="-13252" y="5416754"/>
-              <a:chExt cx="12205252" cy="1104061"/>
-            </a:xfrm>
-          </p:grpSpPr>
-          <p:sp>
-            <p:nvSpPr>
-              <p:cNvPr id="10" name="Rectángulo 9"/>
-              <p:cNvSpPr/>
-              <p:nvPr/>
-            </p:nvSpPr>
-            <p:spPr>
-              <a:xfrm>
-                <a:off x="0" y="5566658"/>
-                <a:ext cx="12192000" cy="794385"/>
-              </a:xfrm>
-              <a:prstGeom prst="rect">
-                <a:avLst/>
-              </a:prstGeom>
-              <a:solidFill>
-                <a:schemeClr val="tx1"/>
-              </a:solidFill>
-              <a:ln>
-                <a:noFill/>
-              </a:ln>
-            </p:spPr>
-            <p:style>
-              <a:lnRef idx="2">
-                <a:schemeClr val="accent1">
-                  <a:shade val="50000"/>
-                </a:schemeClr>
-              </a:lnRef>
-              <a:fillRef idx="1">
-                <a:schemeClr val="accent1"/>
-              </a:fillRef>
-              <a:effectRef idx="0">
-                <a:schemeClr val="accent1"/>
-              </a:effectRef>
-              <a:fontRef idx="minor">
-                <a:schemeClr val="lt1"/>
-              </a:fontRef>
-            </p:style>
-            <p:txBody>
-              <a:bodyPr rtlCol="0" anchor="ctr"/>
-              <a:lstStyle/>
-              <a:p>
-                <a:pPr algn="ctr"/>
-                <a:endParaRPr lang="es-MX"/>
-              </a:p>
-            </p:txBody>
-          </p:sp>
-          <p:pic>
-            <p:nvPicPr>
-              <p:cNvPr id="11" name="Imagen 10"/>
-              <p:cNvPicPr>
-                <a:picLocks noChangeAspect="1"/>
-              </p:cNvPicPr>
-              <p:nvPr/>
-            </p:nvPicPr>
-            <p:blipFill>
-              <a:blip r:embed="rId3"/>
-              <a:stretch>
-                <a:fillRect/>
-              </a:stretch>
-            </p:blipFill>
-            <p:spPr>
-              <a:xfrm>
-                <a:off x="-13252" y="5428930"/>
-                <a:ext cx="4776997" cy="1091885"/>
-              </a:xfrm>
-              <a:prstGeom prst="rect">
-                <a:avLst/>
-              </a:prstGeom>
-            </p:spPr>
-          </p:pic>
-          <p:pic>
-            <p:nvPicPr>
-              <p:cNvPr id="12" name="Imagen 11"/>
-              <p:cNvPicPr>
-                <a:picLocks noChangeAspect="1"/>
-              </p:cNvPicPr>
-              <p:nvPr/>
-            </p:nvPicPr>
-            <p:blipFill>
-              <a:blip r:embed="rId3"/>
-              <a:stretch>
-                <a:fillRect/>
-              </a:stretch>
-            </p:blipFill>
-            <p:spPr>
-              <a:xfrm>
-                <a:off x="4732478" y="5416754"/>
-                <a:ext cx="4776997" cy="1091885"/>
-              </a:xfrm>
-              <a:prstGeom prst="rect">
-                <a:avLst/>
-              </a:prstGeom>
-            </p:spPr>
-          </p:pic>
-          <p:pic>
-            <p:nvPicPr>
-              <p:cNvPr id="13" name="Imagen 12"/>
-              <p:cNvPicPr>
-                <a:picLocks noChangeAspect="1"/>
-              </p:cNvPicPr>
-              <p:nvPr/>
-            </p:nvPicPr>
-            <p:blipFill rotWithShape="1">
-              <a:blip r:embed="rId3"/>
-              <a:srcRect l="43845"/>
-              <a:stretch>
-                <a:fillRect/>
-              </a:stretch>
-            </p:blipFill>
-            <p:spPr>
-              <a:xfrm>
-                <a:off x="9509475" y="5416754"/>
-                <a:ext cx="2682525" cy="1091885"/>
-              </a:xfrm>
-              <a:prstGeom prst="rect">
-                <a:avLst/>
-              </a:prstGeom>
-            </p:spPr>
-          </p:pic>
-        </p:grpSp>
-        <p:pic>
-          <p:nvPicPr>
-            <p:cNvPr id="9" name="Imagen 8"/>
-            <p:cNvPicPr>
-              <a:picLocks noChangeAspect="1"/>
-            </p:cNvPicPr>
-            <p:nvPr/>
-          </p:nvPicPr>
-          <p:blipFill>
-            <a:blip r:embed="rId4"/>
-            <a:stretch>
-              <a:fillRect/>
-            </a:stretch>
-          </p:blipFill>
-          <p:spPr>
-            <a:xfrm>
-              <a:off x="4364554" y="5547721"/>
-              <a:ext cx="3255445" cy="854301"/>
-            </a:xfrm>
-            <a:prstGeom prst="rect">
-              <a:avLst/>
-            </a:prstGeom>
-          </p:spPr>
-        </p:pic>
-      </p:grpSp>
       <p:sp>
         <p:nvSpPr>
           <p:cNvPr id="2" name="Marcador de número de diapositiva 1">
@@ -17276,179 +12951,6 @@
           </a:effectLst>
         </p:spPr>
       </p:pic>
-      <p:grpSp>
-        <p:nvGrpSpPr>
-          <p:cNvPr id="5" name="Grupo 4"/>
-          <p:cNvGrpSpPr/>
-          <p:nvPr/>
-        </p:nvGrpSpPr>
-        <p:grpSpPr>
-          <a:xfrm>
-            <a:off x="-13252" y="5734254"/>
-            <a:ext cx="12205252" cy="1104061"/>
-            <a:chOff x="-13252" y="5416754"/>
-            <a:chExt cx="12205252" cy="1104061"/>
-          </a:xfrm>
-        </p:grpSpPr>
-        <p:grpSp>
-          <p:nvGrpSpPr>
-            <p:cNvPr id="6" name="Grupo 5"/>
-            <p:cNvGrpSpPr/>
-            <p:nvPr/>
-          </p:nvGrpSpPr>
-          <p:grpSpPr>
-            <a:xfrm>
-              <a:off x="-13252" y="5416754"/>
-              <a:ext cx="12205252" cy="1104061"/>
-              <a:chOff x="-13252" y="5416754"/>
-              <a:chExt cx="12205252" cy="1104061"/>
-            </a:xfrm>
-          </p:grpSpPr>
-          <p:sp>
-            <p:nvSpPr>
-              <p:cNvPr id="8" name="Rectángulo 7"/>
-              <p:cNvSpPr/>
-              <p:nvPr/>
-            </p:nvSpPr>
-            <p:spPr>
-              <a:xfrm>
-                <a:off x="0" y="5566658"/>
-                <a:ext cx="12192000" cy="794385"/>
-              </a:xfrm>
-              <a:prstGeom prst="rect">
-                <a:avLst/>
-              </a:prstGeom>
-              <a:solidFill>
-                <a:schemeClr val="tx1"/>
-              </a:solidFill>
-              <a:ln>
-                <a:noFill/>
-              </a:ln>
-            </p:spPr>
-            <p:style>
-              <a:lnRef idx="2">
-                <a:schemeClr val="accent1">
-                  <a:shade val="50000"/>
-                </a:schemeClr>
-              </a:lnRef>
-              <a:fillRef idx="1">
-                <a:schemeClr val="accent1"/>
-              </a:fillRef>
-              <a:effectRef idx="0">
-                <a:schemeClr val="accent1"/>
-              </a:effectRef>
-              <a:fontRef idx="minor">
-                <a:schemeClr val="lt1"/>
-              </a:fontRef>
-            </p:style>
-            <p:txBody>
-              <a:bodyPr rtlCol="0" anchor="ctr"/>
-              <a:lstStyle/>
-              <a:p>
-                <a:pPr algn="ctr"/>
-                <a:endParaRPr lang="es-MX"/>
-              </a:p>
-            </p:txBody>
-          </p:sp>
-          <p:pic>
-            <p:nvPicPr>
-              <p:cNvPr id="9" name="Imagen 8"/>
-              <p:cNvPicPr>
-                <a:picLocks noChangeAspect="1"/>
-              </p:cNvPicPr>
-              <p:nvPr/>
-            </p:nvPicPr>
-            <p:blipFill>
-              <a:blip r:embed="rId3"/>
-              <a:stretch>
-                <a:fillRect/>
-              </a:stretch>
-            </p:blipFill>
-            <p:spPr>
-              <a:xfrm>
-                <a:off x="-13252" y="5428930"/>
-                <a:ext cx="4776997" cy="1091885"/>
-              </a:xfrm>
-              <a:prstGeom prst="rect">
-                <a:avLst/>
-              </a:prstGeom>
-            </p:spPr>
-          </p:pic>
-          <p:pic>
-            <p:nvPicPr>
-              <p:cNvPr id="10" name="Imagen 9"/>
-              <p:cNvPicPr>
-                <a:picLocks noChangeAspect="1"/>
-              </p:cNvPicPr>
-              <p:nvPr/>
-            </p:nvPicPr>
-            <p:blipFill>
-              <a:blip r:embed="rId3"/>
-              <a:stretch>
-                <a:fillRect/>
-              </a:stretch>
-            </p:blipFill>
-            <p:spPr>
-              <a:xfrm>
-                <a:off x="4732478" y="5416754"/>
-                <a:ext cx="4776997" cy="1091885"/>
-              </a:xfrm>
-              <a:prstGeom prst="rect">
-                <a:avLst/>
-              </a:prstGeom>
-            </p:spPr>
-          </p:pic>
-          <p:pic>
-            <p:nvPicPr>
-              <p:cNvPr id="11" name="Imagen 10"/>
-              <p:cNvPicPr>
-                <a:picLocks noChangeAspect="1"/>
-              </p:cNvPicPr>
-              <p:nvPr/>
-            </p:nvPicPr>
-            <p:blipFill rotWithShape="1">
-              <a:blip r:embed="rId3"/>
-              <a:srcRect l="43845"/>
-              <a:stretch>
-                <a:fillRect/>
-              </a:stretch>
-            </p:blipFill>
-            <p:spPr>
-              <a:xfrm>
-                <a:off x="9509475" y="5416754"/>
-                <a:ext cx="2682525" cy="1091885"/>
-              </a:xfrm>
-              <a:prstGeom prst="rect">
-                <a:avLst/>
-              </a:prstGeom>
-            </p:spPr>
-          </p:pic>
-        </p:grpSp>
-        <p:pic>
-          <p:nvPicPr>
-            <p:cNvPr id="7" name="Imagen 6"/>
-            <p:cNvPicPr>
-              <a:picLocks noChangeAspect="1"/>
-            </p:cNvPicPr>
-            <p:nvPr/>
-          </p:nvPicPr>
-          <p:blipFill>
-            <a:blip r:embed="rId4"/>
-            <a:stretch>
-              <a:fillRect/>
-            </a:stretch>
-          </p:blipFill>
-          <p:spPr>
-            <a:xfrm>
-              <a:off x="4364554" y="5547721"/>
-              <a:ext cx="3255445" cy="854301"/>
-            </a:xfrm>
-            <a:prstGeom prst="rect">
-              <a:avLst/>
-            </a:prstGeom>
-          </p:spPr>
-        </p:pic>
-      </p:grpSp>
       <p:sp>
         <p:nvSpPr>
           <p:cNvPr id="2" name="Marcador de número de diapositiva 1">
@@ -17637,179 +13139,6 @@
           </a:effectLst>
         </p:spPr>
       </p:pic>
-      <p:grpSp>
-        <p:nvGrpSpPr>
-          <p:cNvPr id="5" name="Grupo 4"/>
-          <p:cNvGrpSpPr/>
-          <p:nvPr/>
-        </p:nvGrpSpPr>
-        <p:grpSpPr>
-          <a:xfrm>
-            <a:off x="-13252" y="5734254"/>
-            <a:ext cx="12205252" cy="1104061"/>
-            <a:chOff x="-13252" y="5416754"/>
-            <a:chExt cx="12205252" cy="1104061"/>
-          </a:xfrm>
-        </p:grpSpPr>
-        <p:grpSp>
-          <p:nvGrpSpPr>
-            <p:cNvPr id="6" name="Grupo 5"/>
-            <p:cNvGrpSpPr/>
-            <p:nvPr/>
-          </p:nvGrpSpPr>
-          <p:grpSpPr>
-            <a:xfrm>
-              <a:off x="-13252" y="5416754"/>
-              <a:ext cx="12205252" cy="1104061"/>
-              <a:chOff x="-13252" y="5416754"/>
-              <a:chExt cx="12205252" cy="1104061"/>
-            </a:xfrm>
-          </p:grpSpPr>
-          <p:sp>
-            <p:nvSpPr>
-              <p:cNvPr id="8" name="Rectángulo 7"/>
-              <p:cNvSpPr/>
-              <p:nvPr/>
-            </p:nvSpPr>
-            <p:spPr>
-              <a:xfrm>
-                <a:off x="0" y="5566658"/>
-                <a:ext cx="12192000" cy="794385"/>
-              </a:xfrm>
-              <a:prstGeom prst="rect">
-                <a:avLst/>
-              </a:prstGeom>
-              <a:solidFill>
-                <a:schemeClr val="tx1"/>
-              </a:solidFill>
-              <a:ln>
-                <a:noFill/>
-              </a:ln>
-            </p:spPr>
-            <p:style>
-              <a:lnRef idx="2">
-                <a:schemeClr val="accent1">
-                  <a:shade val="50000"/>
-                </a:schemeClr>
-              </a:lnRef>
-              <a:fillRef idx="1">
-                <a:schemeClr val="accent1"/>
-              </a:fillRef>
-              <a:effectRef idx="0">
-                <a:schemeClr val="accent1"/>
-              </a:effectRef>
-              <a:fontRef idx="minor">
-                <a:schemeClr val="lt1"/>
-              </a:fontRef>
-            </p:style>
-            <p:txBody>
-              <a:bodyPr rtlCol="0" anchor="ctr"/>
-              <a:lstStyle/>
-              <a:p>
-                <a:pPr algn="ctr"/>
-                <a:endParaRPr lang="es-MX"/>
-              </a:p>
-            </p:txBody>
-          </p:sp>
-          <p:pic>
-            <p:nvPicPr>
-              <p:cNvPr id="9" name="Imagen 8"/>
-              <p:cNvPicPr>
-                <a:picLocks noChangeAspect="1"/>
-              </p:cNvPicPr>
-              <p:nvPr/>
-            </p:nvPicPr>
-            <p:blipFill>
-              <a:blip r:embed="rId3"/>
-              <a:stretch>
-                <a:fillRect/>
-              </a:stretch>
-            </p:blipFill>
-            <p:spPr>
-              <a:xfrm>
-                <a:off x="-13252" y="5428930"/>
-                <a:ext cx="4776997" cy="1091885"/>
-              </a:xfrm>
-              <a:prstGeom prst="rect">
-                <a:avLst/>
-              </a:prstGeom>
-            </p:spPr>
-          </p:pic>
-          <p:pic>
-            <p:nvPicPr>
-              <p:cNvPr id="10" name="Imagen 9"/>
-              <p:cNvPicPr>
-                <a:picLocks noChangeAspect="1"/>
-              </p:cNvPicPr>
-              <p:nvPr/>
-            </p:nvPicPr>
-            <p:blipFill>
-              <a:blip r:embed="rId3"/>
-              <a:stretch>
-                <a:fillRect/>
-              </a:stretch>
-            </p:blipFill>
-            <p:spPr>
-              <a:xfrm>
-                <a:off x="4732478" y="5416754"/>
-                <a:ext cx="4776997" cy="1091885"/>
-              </a:xfrm>
-              <a:prstGeom prst="rect">
-                <a:avLst/>
-              </a:prstGeom>
-            </p:spPr>
-          </p:pic>
-          <p:pic>
-            <p:nvPicPr>
-              <p:cNvPr id="11" name="Imagen 10"/>
-              <p:cNvPicPr>
-                <a:picLocks noChangeAspect="1"/>
-              </p:cNvPicPr>
-              <p:nvPr/>
-            </p:nvPicPr>
-            <p:blipFill rotWithShape="1">
-              <a:blip r:embed="rId3"/>
-              <a:srcRect l="43845"/>
-              <a:stretch>
-                <a:fillRect/>
-              </a:stretch>
-            </p:blipFill>
-            <p:spPr>
-              <a:xfrm>
-                <a:off x="9509475" y="5416754"/>
-                <a:ext cx="2682525" cy="1091885"/>
-              </a:xfrm>
-              <a:prstGeom prst="rect">
-                <a:avLst/>
-              </a:prstGeom>
-            </p:spPr>
-          </p:pic>
-        </p:grpSp>
-        <p:pic>
-          <p:nvPicPr>
-            <p:cNvPr id="7" name="Imagen 6"/>
-            <p:cNvPicPr>
-              <a:picLocks noChangeAspect="1"/>
-            </p:cNvPicPr>
-            <p:nvPr/>
-          </p:nvPicPr>
-          <p:blipFill>
-            <a:blip r:embed="rId4"/>
-            <a:stretch>
-              <a:fillRect/>
-            </a:stretch>
-          </p:blipFill>
-          <p:spPr>
-            <a:xfrm>
-              <a:off x="4364554" y="5547721"/>
-              <a:ext cx="3255445" cy="854301"/>
-            </a:xfrm>
-            <a:prstGeom prst="rect">
-              <a:avLst/>
-            </a:prstGeom>
-          </p:spPr>
-        </p:pic>
-      </p:grpSp>
       <p:sp>
         <p:nvSpPr>
           <p:cNvPr id="13" name="CuadroTexto 12"/>
@@ -18049,179 +13378,6 @@
           </a:p>
         </p:txBody>
       </p:sp>
-      <p:grpSp>
-        <p:nvGrpSpPr>
-          <p:cNvPr id="5" name="Grupo 4"/>
-          <p:cNvGrpSpPr/>
-          <p:nvPr/>
-        </p:nvGrpSpPr>
-        <p:grpSpPr>
-          <a:xfrm>
-            <a:off x="-13252" y="5734254"/>
-            <a:ext cx="12205252" cy="1104061"/>
-            <a:chOff x="-13252" y="5416754"/>
-            <a:chExt cx="12205252" cy="1104061"/>
-          </a:xfrm>
-        </p:grpSpPr>
-        <p:grpSp>
-          <p:nvGrpSpPr>
-            <p:cNvPr id="6" name="Grupo 5"/>
-            <p:cNvGrpSpPr/>
-            <p:nvPr/>
-          </p:nvGrpSpPr>
-          <p:grpSpPr>
-            <a:xfrm>
-              <a:off x="-13252" y="5416754"/>
-              <a:ext cx="12205252" cy="1104061"/>
-              <a:chOff x="-13252" y="5416754"/>
-              <a:chExt cx="12205252" cy="1104061"/>
-            </a:xfrm>
-          </p:grpSpPr>
-          <p:sp>
-            <p:nvSpPr>
-              <p:cNvPr id="8" name="Rectángulo 7"/>
-              <p:cNvSpPr/>
-              <p:nvPr/>
-            </p:nvSpPr>
-            <p:spPr>
-              <a:xfrm>
-                <a:off x="0" y="5566658"/>
-                <a:ext cx="12192000" cy="794385"/>
-              </a:xfrm>
-              <a:prstGeom prst="rect">
-                <a:avLst/>
-              </a:prstGeom>
-              <a:solidFill>
-                <a:schemeClr val="tx1"/>
-              </a:solidFill>
-              <a:ln>
-                <a:noFill/>
-              </a:ln>
-            </p:spPr>
-            <p:style>
-              <a:lnRef idx="2">
-                <a:schemeClr val="accent1">
-                  <a:shade val="50000"/>
-                </a:schemeClr>
-              </a:lnRef>
-              <a:fillRef idx="1">
-                <a:schemeClr val="accent1"/>
-              </a:fillRef>
-              <a:effectRef idx="0">
-                <a:schemeClr val="accent1"/>
-              </a:effectRef>
-              <a:fontRef idx="minor">
-                <a:schemeClr val="lt1"/>
-              </a:fontRef>
-            </p:style>
-            <p:txBody>
-              <a:bodyPr rtlCol="0" anchor="ctr"/>
-              <a:lstStyle/>
-              <a:p>
-                <a:pPr algn="ctr"/>
-                <a:endParaRPr lang="es-MX"/>
-              </a:p>
-            </p:txBody>
-          </p:sp>
-          <p:pic>
-            <p:nvPicPr>
-              <p:cNvPr id="9" name="Imagen 8"/>
-              <p:cNvPicPr>
-                <a:picLocks noChangeAspect="1"/>
-              </p:cNvPicPr>
-              <p:nvPr/>
-            </p:nvPicPr>
-            <p:blipFill>
-              <a:blip r:embed="rId2"/>
-              <a:stretch>
-                <a:fillRect/>
-              </a:stretch>
-            </p:blipFill>
-            <p:spPr>
-              <a:xfrm>
-                <a:off x="-13252" y="5428930"/>
-                <a:ext cx="4776997" cy="1091885"/>
-              </a:xfrm>
-              <a:prstGeom prst="rect">
-                <a:avLst/>
-              </a:prstGeom>
-            </p:spPr>
-          </p:pic>
-          <p:pic>
-            <p:nvPicPr>
-              <p:cNvPr id="10" name="Imagen 9"/>
-              <p:cNvPicPr>
-                <a:picLocks noChangeAspect="1"/>
-              </p:cNvPicPr>
-              <p:nvPr/>
-            </p:nvPicPr>
-            <p:blipFill>
-              <a:blip r:embed="rId2"/>
-              <a:stretch>
-                <a:fillRect/>
-              </a:stretch>
-            </p:blipFill>
-            <p:spPr>
-              <a:xfrm>
-                <a:off x="4732478" y="5416754"/>
-                <a:ext cx="4776997" cy="1091885"/>
-              </a:xfrm>
-              <a:prstGeom prst="rect">
-                <a:avLst/>
-              </a:prstGeom>
-            </p:spPr>
-          </p:pic>
-          <p:pic>
-            <p:nvPicPr>
-              <p:cNvPr id="11" name="Imagen 10"/>
-              <p:cNvPicPr>
-                <a:picLocks noChangeAspect="1"/>
-              </p:cNvPicPr>
-              <p:nvPr/>
-            </p:nvPicPr>
-            <p:blipFill rotWithShape="1">
-              <a:blip r:embed="rId2"/>
-              <a:srcRect l="43845"/>
-              <a:stretch>
-                <a:fillRect/>
-              </a:stretch>
-            </p:blipFill>
-            <p:spPr>
-              <a:xfrm>
-                <a:off x="9509475" y="5416754"/>
-                <a:ext cx="2682525" cy="1091885"/>
-              </a:xfrm>
-              <a:prstGeom prst="rect">
-                <a:avLst/>
-              </a:prstGeom>
-            </p:spPr>
-          </p:pic>
-        </p:grpSp>
-        <p:pic>
-          <p:nvPicPr>
-            <p:cNvPr id="7" name="Imagen 6"/>
-            <p:cNvPicPr>
-              <a:picLocks noChangeAspect="1"/>
-            </p:cNvPicPr>
-            <p:nvPr/>
-          </p:nvPicPr>
-          <p:blipFill>
-            <a:blip r:embed="rId3"/>
-            <a:stretch>
-              <a:fillRect/>
-            </a:stretch>
-          </p:blipFill>
-          <p:spPr>
-            <a:xfrm>
-              <a:off x="4364554" y="5547721"/>
-              <a:ext cx="3255445" cy="854301"/>
-            </a:xfrm>
-            <a:prstGeom prst="rect">
-              <a:avLst/>
-            </a:prstGeom>
-          </p:spPr>
-        </p:pic>
-      </p:grpSp>
       <p:pic>
         <p:nvPicPr>
           <p:cNvPr id="15" name="Imagen 14">
@@ -18237,7 +13393,7 @@
           <p:nvPr/>
         </p:nvPicPr>
         <p:blipFill rotWithShape="1">
-          <a:blip r:embed="rId4"/>
+          <a:blip r:embed="rId2"/>
           <a:srcRect b="18071"/>
           <a:stretch/>
         </p:blipFill>
@@ -18316,179 +13472,6 @@
           <a:chExt cx="0" cy="0"/>
         </a:xfrm>
       </p:grpSpPr>
-      <p:grpSp>
-        <p:nvGrpSpPr>
-          <p:cNvPr id="5" name="Grupo 4"/>
-          <p:cNvGrpSpPr/>
-          <p:nvPr/>
-        </p:nvGrpSpPr>
-        <p:grpSpPr>
-          <a:xfrm>
-            <a:off x="-13252" y="5734254"/>
-            <a:ext cx="12205252" cy="1104061"/>
-            <a:chOff x="-13252" y="5416754"/>
-            <a:chExt cx="12205252" cy="1104061"/>
-          </a:xfrm>
-        </p:grpSpPr>
-        <p:grpSp>
-          <p:nvGrpSpPr>
-            <p:cNvPr id="6" name="Grupo 5"/>
-            <p:cNvGrpSpPr/>
-            <p:nvPr/>
-          </p:nvGrpSpPr>
-          <p:grpSpPr>
-            <a:xfrm>
-              <a:off x="-13252" y="5416754"/>
-              <a:ext cx="12205252" cy="1104061"/>
-              <a:chOff x="-13252" y="5416754"/>
-              <a:chExt cx="12205252" cy="1104061"/>
-            </a:xfrm>
-          </p:grpSpPr>
-          <p:sp>
-            <p:nvSpPr>
-              <p:cNvPr id="8" name="Rectángulo 7"/>
-              <p:cNvSpPr/>
-              <p:nvPr/>
-            </p:nvSpPr>
-            <p:spPr>
-              <a:xfrm>
-                <a:off x="0" y="5566658"/>
-                <a:ext cx="12192000" cy="794385"/>
-              </a:xfrm>
-              <a:prstGeom prst="rect">
-                <a:avLst/>
-              </a:prstGeom>
-              <a:solidFill>
-                <a:schemeClr val="tx1"/>
-              </a:solidFill>
-              <a:ln>
-                <a:noFill/>
-              </a:ln>
-            </p:spPr>
-            <p:style>
-              <a:lnRef idx="2">
-                <a:schemeClr val="accent1">
-                  <a:shade val="50000"/>
-                </a:schemeClr>
-              </a:lnRef>
-              <a:fillRef idx="1">
-                <a:schemeClr val="accent1"/>
-              </a:fillRef>
-              <a:effectRef idx="0">
-                <a:schemeClr val="accent1"/>
-              </a:effectRef>
-              <a:fontRef idx="minor">
-                <a:schemeClr val="lt1"/>
-              </a:fontRef>
-            </p:style>
-            <p:txBody>
-              <a:bodyPr rtlCol="0" anchor="ctr"/>
-              <a:lstStyle/>
-              <a:p>
-                <a:pPr algn="ctr"/>
-                <a:endParaRPr lang="es-MX"/>
-              </a:p>
-            </p:txBody>
-          </p:sp>
-          <p:pic>
-            <p:nvPicPr>
-              <p:cNvPr id="9" name="Imagen 8"/>
-              <p:cNvPicPr>
-                <a:picLocks noChangeAspect="1"/>
-              </p:cNvPicPr>
-              <p:nvPr/>
-            </p:nvPicPr>
-            <p:blipFill>
-              <a:blip r:embed="rId2"/>
-              <a:stretch>
-                <a:fillRect/>
-              </a:stretch>
-            </p:blipFill>
-            <p:spPr>
-              <a:xfrm>
-                <a:off x="-13252" y="5428930"/>
-                <a:ext cx="4776997" cy="1091885"/>
-              </a:xfrm>
-              <a:prstGeom prst="rect">
-                <a:avLst/>
-              </a:prstGeom>
-            </p:spPr>
-          </p:pic>
-          <p:pic>
-            <p:nvPicPr>
-              <p:cNvPr id="10" name="Imagen 9"/>
-              <p:cNvPicPr>
-                <a:picLocks noChangeAspect="1"/>
-              </p:cNvPicPr>
-              <p:nvPr/>
-            </p:nvPicPr>
-            <p:blipFill>
-              <a:blip r:embed="rId2"/>
-              <a:stretch>
-                <a:fillRect/>
-              </a:stretch>
-            </p:blipFill>
-            <p:spPr>
-              <a:xfrm>
-                <a:off x="4732478" y="5416754"/>
-                <a:ext cx="4776997" cy="1091885"/>
-              </a:xfrm>
-              <a:prstGeom prst="rect">
-                <a:avLst/>
-              </a:prstGeom>
-            </p:spPr>
-          </p:pic>
-          <p:pic>
-            <p:nvPicPr>
-              <p:cNvPr id="11" name="Imagen 10"/>
-              <p:cNvPicPr>
-                <a:picLocks noChangeAspect="1"/>
-              </p:cNvPicPr>
-              <p:nvPr/>
-            </p:nvPicPr>
-            <p:blipFill rotWithShape="1">
-              <a:blip r:embed="rId2"/>
-              <a:srcRect l="43845"/>
-              <a:stretch>
-                <a:fillRect/>
-              </a:stretch>
-            </p:blipFill>
-            <p:spPr>
-              <a:xfrm>
-                <a:off x="9509475" y="5416754"/>
-                <a:ext cx="2682525" cy="1091885"/>
-              </a:xfrm>
-              <a:prstGeom prst="rect">
-                <a:avLst/>
-              </a:prstGeom>
-            </p:spPr>
-          </p:pic>
-        </p:grpSp>
-        <p:pic>
-          <p:nvPicPr>
-            <p:cNvPr id="7" name="Imagen 6"/>
-            <p:cNvPicPr>
-              <a:picLocks noChangeAspect="1"/>
-            </p:cNvPicPr>
-            <p:nvPr/>
-          </p:nvPicPr>
-          <p:blipFill>
-            <a:blip r:embed="rId3"/>
-            <a:stretch>
-              <a:fillRect/>
-            </a:stretch>
-          </p:blipFill>
-          <p:spPr>
-            <a:xfrm>
-              <a:off x="4364554" y="5547721"/>
-              <a:ext cx="3255445" cy="854301"/>
-            </a:xfrm>
-            <a:prstGeom prst="rect">
-              <a:avLst/>
-            </a:prstGeom>
-          </p:spPr>
-        </p:pic>
-      </p:grpSp>
       <p:sp>
         <p:nvSpPr>
           <p:cNvPr id="2" name="Título 1">
@@ -18663,7 +13646,7 @@
             <p:nvPr/>
           </p:nvPicPr>
           <p:blipFill>
-            <a:blip r:embed="rId4"/>
+            <a:blip r:embed="rId2"/>
             <a:stretch>
               <a:fillRect/>
             </a:stretch>
@@ -18855,7 +13838,7 @@
           <p:nvPr/>
         </p:nvPicPr>
         <p:blipFill>
-          <a:blip r:embed="rId5"/>
+          <a:blip r:embed="rId3"/>
           <a:stretch>
             <a:fillRect/>
           </a:stretch>
@@ -18995,179 +13978,6 @@
           <a:chExt cx="0" cy="0"/>
         </a:xfrm>
       </p:grpSpPr>
-      <p:grpSp>
-        <p:nvGrpSpPr>
-          <p:cNvPr id="5" name="Grupo 4"/>
-          <p:cNvGrpSpPr/>
-          <p:nvPr/>
-        </p:nvGrpSpPr>
-        <p:grpSpPr>
-          <a:xfrm>
-            <a:off x="-13252" y="5734254"/>
-            <a:ext cx="12205252" cy="1104061"/>
-            <a:chOff x="-13252" y="5416754"/>
-            <a:chExt cx="12205252" cy="1104061"/>
-          </a:xfrm>
-        </p:grpSpPr>
-        <p:grpSp>
-          <p:nvGrpSpPr>
-            <p:cNvPr id="6" name="Grupo 5"/>
-            <p:cNvGrpSpPr/>
-            <p:nvPr/>
-          </p:nvGrpSpPr>
-          <p:grpSpPr>
-            <a:xfrm>
-              <a:off x="-13252" y="5416754"/>
-              <a:ext cx="12205252" cy="1104061"/>
-              <a:chOff x="-13252" y="5416754"/>
-              <a:chExt cx="12205252" cy="1104061"/>
-            </a:xfrm>
-          </p:grpSpPr>
-          <p:sp>
-            <p:nvSpPr>
-              <p:cNvPr id="8" name="Rectángulo 7"/>
-              <p:cNvSpPr/>
-              <p:nvPr/>
-            </p:nvSpPr>
-            <p:spPr>
-              <a:xfrm>
-                <a:off x="0" y="5566658"/>
-                <a:ext cx="12192000" cy="794385"/>
-              </a:xfrm>
-              <a:prstGeom prst="rect">
-                <a:avLst/>
-              </a:prstGeom>
-              <a:solidFill>
-                <a:schemeClr val="tx1"/>
-              </a:solidFill>
-              <a:ln>
-                <a:noFill/>
-              </a:ln>
-            </p:spPr>
-            <p:style>
-              <a:lnRef idx="2">
-                <a:schemeClr val="accent1">
-                  <a:shade val="50000"/>
-                </a:schemeClr>
-              </a:lnRef>
-              <a:fillRef idx="1">
-                <a:schemeClr val="accent1"/>
-              </a:fillRef>
-              <a:effectRef idx="0">
-                <a:schemeClr val="accent1"/>
-              </a:effectRef>
-              <a:fontRef idx="minor">
-                <a:schemeClr val="lt1"/>
-              </a:fontRef>
-            </p:style>
-            <p:txBody>
-              <a:bodyPr rtlCol="0" anchor="ctr"/>
-              <a:lstStyle/>
-              <a:p>
-                <a:pPr algn="ctr"/>
-                <a:endParaRPr lang="es-MX"/>
-              </a:p>
-            </p:txBody>
-          </p:sp>
-          <p:pic>
-            <p:nvPicPr>
-              <p:cNvPr id="9" name="Imagen 8"/>
-              <p:cNvPicPr>
-                <a:picLocks noChangeAspect="1"/>
-              </p:cNvPicPr>
-              <p:nvPr/>
-            </p:nvPicPr>
-            <p:blipFill>
-              <a:blip r:embed="rId2"/>
-              <a:stretch>
-                <a:fillRect/>
-              </a:stretch>
-            </p:blipFill>
-            <p:spPr>
-              <a:xfrm>
-                <a:off x="-13252" y="5428930"/>
-                <a:ext cx="4776997" cy="1091885"/>
-              </a:xfrm>
-              <a:prstGeom prst="rect">
-                <a:avLst/>
-              </a:prstGeom>
-            </p:spPr>
-          </p:pic>
-          <p:pic>
-            <p:nvPicPr>
-              <p:cNvPr id="10" name="Imagen 9"/>
-              <p:cNvPicPr>
-                <a:picLocks noChangeAspect="1"/>
-              </p:cNvPicPr>
-              <p:nvPr/>
-            </p:nvPicPr>
-            <p:blipFill>
-              <a:blip r:embed="rId2"/>
-              <a:stretch>
-                <a:fillRect/>
-              </a:stretch>
-            </p:blipFill>
-            <p:spPr>
-              <a:xfrm>
-                <a:off x="4732478" y="5416754"/>
-                <a:ext cx="4776997" cy="1091885"/>
-              </a:xfrm>
-              <a:prstGeom prst="rect">
-                <a:avLst/>
-              </a:prstGeom>
-            </p:spPr>
-          </p:pic>
-          <p:pic>
-            <p:nvPicPr>
-              <p:cNvPr id="11" name="Imagen 10"/>
-              <p:cNvPicPr>
-                <a:picLocks noChangeAspect="1"/>
-              </p:cNvPicPr>
-              <p:nvPr/>
-            </p:nvPicPr>
-            <p:blipFill rotWithShape="1">
-              <a:blip r:embed="rId2"/>
-              <a:srcRect l="43845"/>
-              <a:stretch>
-                <a:fillRect/>
-              </a:stretch>
-            </p:blipFill>
-            <p:spPr>
-              <a:xfrm>
-                <a:off x="9509475" y="5416754"/>
-                <a:ext cx="2682525" cy="1091885"/>
-              </a:xfrm>
-              <a:prstGeom prst="rect">
-                <a:avLst/>
-              </a:prstGeom>
-            </p:spPr>
-          </p:pic>
-        </p:grpSp>
-        <p:pic>
-          <p:nvPicPr>
-            <p:cNvPr id="7" name="Imagen 6"/>
-            <p:cNvPicPr>
-              <a:picLocks noChangeAspect="1"/>
-            </p:cNvPicPr>
-            <p:nvPr/>
-          </p:nvPicPr>
-          <p:blipFill>
-            <a:blip r:embed="rId3"/>
-            <a:stretch>
-              <a:fillRect/>
-            </a:stretch>
-          </p:blipFill>
-          <p:spPr>
-            <a:xfrm>
-              <a:off x="4364554" y="5547721"/>
-              <a:ext cx="3255445" cy="854301"/>
-            </a:xfrm>
-            <a:prstGeom prst="rect">
-              <a:avLst/>
-            </a:prstGeom>
-          </p:spPr>
-        </p:pic>
-      </p:grpSp>
       <p:sp>
         <p:nvSpPr>
           <p:cNvPr id="2" name="Título 1">
@@ -19293,7 +14103,7 @@
           <p:nvPr/>
         </p:nvPicPr>
         <p:blipFill>
-          <a:blip r:embed="rId4"/>
+          <a:blip r:embed="rId2"/>
           <a:stretch>
             <a:fillRect/>
           </a:stretch>
@@ -19329,7 +14139,7 @@
           <p:nvPr/>
         </p:nvPicPr>
         <p:blipFill>
-          <a:blip r:embed="rId5"/>
+          <a:blip r:embed="rId3"/>
           <a:stretch>
             <a:fillRect/>
           </a:stretch>
@@ -19365,7 +14175,7 @@
           <p:nvPr/>
         </p:nvPicPr>
         <p:blipFill>
-          <a:blip r:embed="rId6"/>
+          <a:blip r:embed="rId4"/>
           <a:stretch>
             <a:fillRect/>
           </a:stretch>
@@ -19522,179 +14332,6 @@
           </a:effectLst>
         </p:spPr>
       </p:pic>
-      <p:grpSp>
-        <p:nvGrpSpPr>
-          <p:cNvPr id="5" name="Grupo 4"/>
-          <p:cNvGrpSpPr/>
-          <p:nvPr/>
-        </p:nvGrpSpPr>
-        <p:grpSpPr>
-          <a:xfrm>
-            <a:off x="-13252" y="5734254"/>
-            <a:ext cx="12205252" cy="1104061"/>
-            <a:chOff x="-13252" y="5416754"/>
-            <a:chExt cx="12205252" cy="1104061"/>
-          </a:xfrm>
-        </p:grpSpPr>
-        <p:grpSp>
-          <p:nvGrpSpPr>
-            <p:cNvPr id="6" name="Grupo 5"/>
-            <p:cNvGrpSpPr/>
-            <p:nvPr/>
-          </p:nvGrpSpPr>
-          <p:grpSpPr>
-            <a:xfrm>
-              <a:off x="-13252" y="5416754"/>
-              <a:ext cx="12205252" cy="1104061"/>
-              <a:chOff x="-13252" y="5416754"/>
-              <a:chExt cx="12205252" cy="1104061"/>
-            </a:xfrm>
-          </p:grpSpPr>
-          <p:sp>
-            <p:nvSpPr>
-              <p:cNvPr id="8" name="Rectángulo 7"/>
-              <p:cNvSpPr/>
-              <p:nvPr/>
-            </p:nvSpPr>
-            <p:spPr>
-              <a:xfrm>
-                <a:off x="0" y="5566658"/>
-                <a:ext cx="12192000" cy="794385"/>
-              </a:xfrm>
-              <a:prstGeom prst="rect">
-                <a:avLst/>
-              </a:prstGeom>
-              <a:solidFill>
-                <a:schemeClr val="tx1"/>
-              </a:solidFill>
-              <a:ln>
-                <a:noFill/>
-              </a:ln>
-            </p:spPr>
-            <p:style>
-              <a:lnRef idx="2">
-                <a:schemeClr val="accent1">
-                  <a:shade val="50000"/>
-                </a:schemeClr>
-              </a:lnRef>
-              <a:fillRef idx="1">
-                <a:schemeClr val="accent1"/>
-              </a:fillRef>
-              <a:effectRef idx="0">
-                <a:schemeClr val="accent1"/>
-              </a:effectRef>
-              <a:fontRef idx="minor">
-                <a:schemeClr val="lt1"/>
-              </a:fontRef>
-            </p:style>
-            <p:txBody>
-              <a:bodyPr rtlCol="0" anchor="ctr"/>
-              <a:lstStyle/>
-              <a:p>
-                <a:pPr algn="ctr"/>
-                <a:endParaRPr lang="es-MX"/>
-              </a:p>
-            </p:txBody>
-          </p:sp>
-          <p:pic>
-            <p:nvPicPr>
-              <p:cNvPr id="9" name="Imagen 8"/>
-              <p:cNvPicPr>
-                <a:picLocks noChangeAspect="1"/>
-              </p:cNvPicPr>
-              <p:nvPr/>
-            </p:nvPicPr>
-            <p:blipFill>
-              <a:blip r:embed="rId3"/>
-              <a:stretch>
-                <a:fillRect/>
-              </a:stretch>
-            </p:blipFill>
-            <p:spPr>
-              <a:xfrm>
-                <a:off x="-13252" y="5428930"/>
-                <a:ext cx="4776997" cy="1091885"/>
-              </a:xfrm>
-              <a:prstGeom prst="rect">
-                <a:avLst/>
-              </a:prstGeom>
-            </p:spPr>
-          </p:pic>
-          <p:pic>
-            <p:nvPicPr>
-              <p:cNvPr id="10" name="Imagen 9"/>
-              <p:cNvPicPr>
-                <a:picLocks noChangeAspect="1"/>
-              </p:cNvPicPr>
-              <p:nvPr/>
-            </p:nvPicPr>
-            <p:blipFill>
-              <a:blip r:embed="rId3"/>
-              <a:stretch>
-                <a:fillRect/>
-              </a:stretch>
-            </p:blipFill>
-            <p:spPr>
-              <a:xfrm>
-                <a:off x="4732478" y="5416754"/>
-                <a:ext cx="4776997" cy="1091885"/>
-              </a:xfrm>
-              <a:prstGeom prst="rect">
-                <a:avLst/>
-              </a:prstGeom>
-            </p:spPr>
-          </p:pic>
-          <p:pic>
-            <p:nvPicPr>
-              <p:cNvPr id="11" name="Imagen 10"/>
-              <p:cNvPicPr>
-                <a:picLocks noChangeAspect="1"/>
-              </p:cNvPicPr>
-              <p:nvPr/>
-            </p:nvPicPr>
-            <p:blipFill rotWithShape="1">
-              <a:blip r:embed="rId3"/>
-              <a:srcRect l="43845"/>
-              <a:stretch>
-                <a:fillRect/>
-              </a:stretch>
-            </p:blipFill>
-            <p:spPr>
-              <a:xfrm>
-                <a:off x="9509475" y="5416754"/>
-                <a:ext cx="2682525" cy="1091885"/>
-              </a:xfrm>
-              <a:prstGeom prst="rect">
-                <a:avLst/>
-              </a:prstGeom>
-            </p:spPr>
-          </p:pic>
-        </p:grpSp>
-        <p:pic>
-          <p:nvPicPr>
-            <p:cNvPr id="7" name="Imagen 6"/>
-            <p:cNvPicPr>
-              <a:picLocks noChangeAspect="1"/>
-            </p:cNvPicPr>
-            <p:nvPr/>
-          </p:nvPicPr>
-          <p:blipFill>
-            <a:blip r:embed="rId4"/>
-            <a:stretch>
-              <a:fillRect/>
-            </a:stretch>
-          </p:blipFill>
-          <p:spPr>
-            <a:xfrm>
-              <a:off x="4364554" y="5547721"/>
-              <a:ext cx="3255445" cy="854301"/>
-            </a:xfrm>
-            <a:prstGeom prst="rect">
-              <a:avLst/>
-            </a:prstGeom>
-          </p:spPr>
-        </p:pic>
-      </p:grpSp>
       <p:sp>
         <p:nvSpPr>
           <p:cNvPr id="2" name="Título 1">
@@ -19820,7 +14457,7 @@
           <p:nvPr/>
         </p:nvPicPr>
         <p:blipFill>
-          <a:blip r:embed="rId5"/>
+          <a:blip r:embed="rId3"/>
           <a:stretch>
             <a:fillRect/>
           </a:stretch>
@@ -19950,179 +14587,6 @@
           <a:chExt cx="0" cy="0"/>
         </a:xfrm>
       </p:grpSpPr>
-      <p:grpSp>
-        <p:nvGrpSpPr>
-          <p:cNvPr id="4" name="Grupo 3"/>
-          <p:cNvGrpSpPr/>
-          <p:nvPr/>
-        </p:nvGrpSpPr>
-        <p:grpSpPr>
-          <a:xfrm>
-            <a:off x="-13252" y="5734254"/>
-            <a:ext cx="12205252" cy="1104061"/>
-            <a:chOff x="-13252" y="5416754"/>
-            <a:chExt cx="12205252" cy="1104061"/>
-          </a:xfrm>
-        </p:grpSpPr>
-        <p:grpSp>
-          <p:nvGrpSpPr>
-            <p:cNvPr id="5" name="Grupo 4"/>
-            <p:cNvGrpSpPr/>
-            <p:nvPr/>
-          </p:nvGrpSpPr>
-          <p:grpSpPr>
-            <a:xfrm>
-              <a:off x="-13252" y="5416754"/>
-              <a:ext cx="12205252" cy="1104061"/>
-              <a:chOff x="-13252" y="5416754"/>
-              <a:chExt cx="12205252" cy="1104061"/>
-            </a:xfrm>
-          </p:grpSpPr>
-          <p:sp>
-            <p:nvSpPr>
-              <p:cNvPr id="7" name="Rectángulo 6"/>
-              <p:cNvSpPr/>
-              <p:nvPr/>
-            </p:nvSpPr>
-            <p:spPr>
-              <a:xfrm>
-                <a:off x="0" y="5566658"/>
-                <a:ext cx="12192000" cy="794385"/>
-              </a:xfrm>
-              <a:prstGeom prst="rect">
-                <a:avLst/>
-              </a:prstGeom>
-              <a:solidFill>
-                <a:schemeClr val="tx1"/>
-              </a:solidFill>
-              <a:ln>
-                <a:noFill/>
-              </a:ln>
-            </p:spPr>
-            <p:style>
-              <a:lnRef idx="2">
-                <a:schemeClr val="accent1">
-                  <a:shade val="50000"/>
-                </a:schemeClr>
-              </a:lnRef>
-              <a:fillRef idx="1">
-                <a:schemeClr val="accent1"/>
-              </a:fillRef>
-              <a:effectRef idx="0">
-                <a:schemeClr val="accent1"/>
-              </a:effectRef>
-              <a:fontRef idx="minor">
-                <a:schemeClr val="lt1"/>
-              </a:fontRef>
-            </p:style>
-            <p:txBody>
-              <a:bodyPr rtlCol="0" anchor="ctr"/>
-              <a:lstStyle/>
-              <a:p>
-                <a:pPr algn="ctr"/>
-                <a:endParaRPr lang="es-MX"/>
-              </a:p>
-            </p:txBody>
-          </p:sp>
-          <p:pic>
-            <p:nvPicPr>
-              <p:cNvPr id="8" name="Imagen 7"/>
-              <p:cNvPicPr>
-                <a:picLocks noChangeAspect="1"/>
-              </p:cNvPicPr>
-              <p:nvPr/>
-            </p:nvPicPr>
-            <p:blipFill>
-              <a:blip r:embed="rId2"/>
-              <a:stretch>
-                <a:fillRect/>
-              </a:stretch>
-            </p:blipFill>
-            <p:spPr>
-              <a:xfrm>
-                <a:off x="-13252" y="5428930"/>
-                <a:ext cx="4776997" cy="1091885"/>
-              </a:xfrm>
-              <a:prstGeom prst="rect">
-                <a:avLst/>
-              </a:prstGeom>
-            </p:spPr>
-          </p:pic>
-          <p:pic>
-            <p:nvPicPr>
-              <p:cNvPr id="9" name="Imagen 8"/>
-              <p:cNvPicPr>
-                <a:picLocks noChangeAspect="1"/>
-              </p:cNvPicPr>
-              <p:nvPr/>
-            </p:nvPicPr>
-            <p:blipFill>
-              <a:blip r:embed="rId2"/>
-              <a:stretch>
-                <a:fillRect/>
-              </a:stretch>
-            </p:blipFill>
-            <p:spPr>
-              <a:xfrm>
-                <a:off x="4732478" y="5416754"/>
-                <a:ext cx="4776997" cy="1091885"/>
-              </a:xfrm>
-              <a:prstGeom prst="rect">
-                <a:avLst/>
-              </a:prstGeom>
-            </p:spPr>
-          </p:pic>
-          <p:pic>
-            <p:nvPicPr>
-              <p:cNvPr id="10" name="Imagen 9"/>
-              <p:cNvPicPr>
-                <a:picLocks noChangeAspect="1"/>
-              </p:cNvPicPr>
-              <p:nvPr/>
-            </p:nvPicPr>
-            <p:blipFill rotWithShape="1">
-              <a:blip r:embed="rId2"/>
-              <a:srcRect l="43845"/>
-              <a:stretch>
-                <a:fillRect/>
-              </a:stretch>
-            </p:blipFill>
-            <p:spPr>
-              <a:xfrm>
-                <a:off x="9509475" y="5416754"/>
-                <a:ext cx="2682525" cy="1091885"/>
-              </a:xfrm>
-              <a:prstGeom prst="rect">
-                <a:avLst/>
-              </a:prstGeom>
-            </p:spPr>
-          </p:pic>
-        </p:grpSp>
-        <p:pic>
-          <p:nvPicPr>
-            <p:cNvPr id="6" name="Imagen 5"/>
-            <p:cNvPicPr>
-              <a:picLocks noChangeAspect="1"/>
-            </p:cNvPicPr>
-            <p:nvPr/>
-          </p:nvPicPr>
-          <p:blipFill>
-            <a:blip r:embed="rId3"/>
-            <a:stretch>
-              <a:fillRect/>
-            </a:stretch>
-          </p:blipFill>
-          <p:spPr>
-            <a:xfrm>
-              <a:off x="4364554" y="5547721"/>
-              <a:ext cx="3255445" cy="854301"/>
-            </a:xfrm>
-            <a:prstGeom prst="rect">
-              <a:avLst/>
-            </a:prstGeom>
-          </p:spPr>
-        </p:pic>
-      </p:grpSp>
       <p:sp>
         <p:nvSpPr>
           <p:cNvPr id="11" name="Título 1"/>
@@ -20233,7 +14697,7 @@
           <p:nvPr/>
         </p:nvPicPr>
         <p:blipFill>
-          <a:blip r:embed="rId4"/>
+          <a:blip r:embed="rId2"/>
           <a:stretch>
             <a:fillRect/>
           </a:stretch>
@@ -20308,179 +14772,6 @@
           <a:chExt cx="0" cy="0"/>
         </a:xfrm>
       </p:grpSpPr>
-      <p:grpSp>
-        <p:nvGrpSpPr>
-          <p:cNvPr id="5" name="Grupo 4"/>
-          <p:cNvGrpSpPr/>
-          <p:nvPr/>
-        </p:nvGrpSpPr>
-        <p:grpSpPr>
-          <a:xfrm>
-            <a:off x="-13252" y="5734254"/>
-            <a:ext cx="12205252" cy="1104061"/>
-            <a:chOff x="-13252" y="5416754"/>
-            <a:chExt cx="12205252" cy="1104061"/>
-          </a:xfrm>
-        </p:grpSpPr>
-        <p:grpSp>
-          <p:nvGrpSpPr>
-            <p:cNvPr id="6" name="Grupo 5"/>
-            <p:cNvGrpSpPr/>
-            <p:nvPr/>
-          </p:nvGrpSpPr>
-          <p:grpSpPr>
-            <a:xfrm>
-              <a:off x="-13252" y="5416754"/>
-              <a:ext cx="12205252" cy="1104061"/>
-              <a:chOff x="-13252" y="5416754"/>
-              <a:chExt cx="12205252" cy="1104061"/>
-            </a:xfrm>
-          </p:grpSpPr>
-          <p:sp>
-            <p:nvSpPr>
-              <p:cNvPr id="8" name="Rectángulo 7"/>
-              <p:cNvSpPr/>
-              <p:nvPr/>
-            </p:nvSpPr>
-            <p:spPr>
-              <a:xfrm>
-                <a:off x="0" y="5566658"/>
-                <a:ext cx="12192000" cy="794385"/>
-              </a:xfrm>
-              <a:prstGeom prst="rect">
-                <a:avLst/>
-              </a:prstGeom>
-              <a:solidFill>
-                <a:schemeClr val="tx1"/>
-              </a:solidFill>
-              <a:ln>
-                <a:noFill/>
-              </a:ln>
-            </p:spPr>
-            <p:style>
-              <a:lnRef idx="2">
-                <a:schemeClr val="accent1">
-                  <a:shade val="50000"/>
-                </a:schemeClr>
-              </a:lnRef>
-              <a:fillRef idx="1">
-                <a:schemeClr val="accent1"/>
-              </a:fillRef>
-              <a:effectRef idx="0">
-                <a:schemeClr val="accent1"/>
-              </a:effectRef>
-              <a:fontRef idx="minor">
-                <a:schemeClr val="lt1"/>
-              </a:fontRef>
-            </p:style>
-            <p:txBody>
-              <a:bodyPr rtlCol="0" anchor="ctr"/>
-              <a:lstStyle/>
-              <a:p>
-                <a:pPr algn="ctr"/>
-                <a:endParaRPr lang="es-MX"/>
-              </a:p>
-            </p:txBody>
-          </p:sp>
-          <p:pic>
-            <p:nvPicPr>
-              <p:cNvPr id="9" name="Imagen 8"/>
-              <p:cNvPicPr>
-                <a:picLocks noChangeAspect="1"/>
-              </p:cNvPicPr>
-              <p:nvPr/>
-            </p:nvPicPr>
-            <p:blipFill>
-              <a:blip r:embed="rId2"/>
-              <a:stretch>
-                <a:fillRect/>
-              </a:stretch>
-            </p:blipFill>
-            <p:spPr>
-              <a:xfrm>
-                <a:off x="-13252" y="5428930"/>
-                <a:ext cx="4776997" cy="1091885"/>
-              </a:xfrm>
-              <a:prstGeom prst="rect">
-                <a:avLst/>
-              </a:prstGeom>
-            </p:spPr>
-          </p:pic>
-          <p:pic>
-            <p:nvPicPr>
-              <p:cNvPr id="10" name="Imagen 9"/>
-              <p:cNvPicPr>
-                <a:picLocks noChangeAspect="1"/>
-              </p:cNvPicPr>
-              <p:nvPr/>
-            </p:nvPicPr>
-            <p:blipFill>
-              <a:blip r:embed="rId2"/>
-              <a:stretch>
-                <a:fillRect/>
-              </a:stretch>
-            </p:blipFill>
-            <p:spPr>
-              <a:xfrm>
-                <a:off x="4732478" y="5416754"/>
-                <a:ext cx="4776997" cy="1091885"/>
-              </a:xfrm>
-              <a:prstGeom prst="rect">
-                <a:avLst/>
-              </a:prstGeom>
-            </p:spPr>
-          </p:pic>
-          <p:pic>
-            <p:nvPicPr>
-              <p:cNvPr id="11" name="Imagen 10"/>
-              <p:cNvPicPr>
-                <a:picLocks noChangeAspect="1"/>
-              </p:cNvPicPr>
-              <p:nvPr/>
-            </p:nvPicPr>
-            <p:blipFill rotWithShape="1">
-              <a:blip r:embed="rId2"/>
-              <a:srcRect l="43845"/>
-              <a:stretch>
-                <a:fillRect/>
-              </a:stretch>
-            </p:blipFill>
-            <p:spPr>
-              <a:xfrm>
-                <a:off x="9509475" y="5416754"/>
-                <a:ext cx="2682525" cy="1091885"/>
-              </a:xfrm>
-              <a:prstGeom prst="rect">
-                <a:avLst/>
-              </a:prstGeom>
-            </p:spPr>
-          </p:pic>
-        </p:grpSp>
-        <p:pic>
-          <p:nvPicPr>
-            <p:cNvPr id="7" name="Imagen 6"/>
-            <p:cNvPicPr>
-              <a:picLocks noChangeAspect="1"/>
-            </p:cNvPicPr>
-            <p:nvPr/>
-          </p:nvPicPr>
-          <p:blipFill>
-            <a:blip r:embed="rId3"/>
-            <a:stretch>
-              <a:fillRect/>
-            </a:stretch>
-          </p:blipFill>
-          <p:spPr>
-            <a:xfrm>
-              <a:off x="4364554" y="5547721"/>
-              <a:ext cx="3255445" cy="854301"/>
-            </a:xfrm>
-            <a:prstGeom prst="rect">
-              <a:avLst/>
-            </a:prstGeom>
-          </p:spPr>
-        </p:pic>
-      </p:grpSp>
       <p:sp>
         <p:nvSpPr>
           <p:cNvPr id="2" name="Título 1">
@@ -20606,7 +14897,7 @@
           <p:nvPr/>
         </p:nvPicPr>
         <p:blipFill>
-          <a:blip r:embed="rId4"/>
+          <a:blip r:embed="rId2"/>
           <a:stretch>
             <a:fillRect/>
           </a:stretch>
@@ -20642,7 +14933,7 @@
           <p:nvPr/>
         </p:nvPicPr>
         <p:blipFill>
-          <a:blip r:embed="rId5"/>
+          <a:blip r:embed="rId3"/>
           <a:stretch>
             <a:fillRect/>
           </a:stretch>
@@ -20678,7 +14969,7 @@
           <p:nvPr/>
         </p:nvPicPr>
         <p:blipFill>
-          <a:blip r:embed="rId6"/>
+          <a:blip r:embed="rId4"/>
           <a:stretch>
             <a:fillRect/>
           </a:stretch>
@@ -20714,7 +15005,7 @@
           <p:nvPr/>
         </p:nvPicPr>
         <p:blipFill>
-          <a:blip r:embed="rId7"/>
+          <a:blip r:embed="rId5"/>
           <a:stretch>
             <a:fillRect/>
           </a:stretch>
@@ -20750,7 +15041,7 @@
           <p:nvPr/>
         </p:nvPicPr>
         <p:blipFill>
-          <a:blip r:embed="rId8"/>
+          <a:blip r:embed="rId6"/>
           <a:stretch>
             <a:fillRect/>
           </a:stretch>
@@ -20830,179 +15121,6 @@
           <a:chExt cx="0" cy="0"/>
         </a:xfrm>
       </p:grpSpPr>
-      <p:grpSp>
-        <p:nvGrpSpPr>
-          <p:cNvPr id="5" name="Grupo 4"/>
-          <p:cNvGrpSpPr/>
-          <p:nvPr/>
-        </p:nvGrpSpPr>
-        <p:grpSpPr>
-          <a:xfrm>
-            <a:off x="-13252" y="5734254"/>
-            <a:ext cx="12205252" cy="1104061"/>
-            <a:chOff x="-13252" y="5416754"/>
-            <a:chExt cx="12205252" cy="1104061"/>
-          </a:xfrm>
-        </p:grpSpPr>
-        <p:grpSp>
-          <p:nvGrpSpPr>
-            <p:cNvPr id="6" name="Grupo 5"/>
-            <p:cNvGrpSpPr/>
-            <p:nvPr/>
-          </p:nvGrpSpPr>
-          <p:grpSpPr>
-            <a:xfrm>
-              <a:off x="-13252" y="5416754"/>
-              <a:ext cx="12205252" cy="1104061"/>
-              <a:chOff x="-13252" y="5416754"/>
-              <a:chExt cx="12205252" cy="1104061"/>
-            </a:xfrm>
-          </p:grpSpPr>
-          <p:sp>
-            <p:nvSpPr>
-              <p:cNvPr id="8" name="Rectángulo 7"/>
-              <p:cNvSpPr/>
-              <p:nvPr/>
-            </p:nvSpPr>
-            <p:spPr>
-              <a:xfrm>
-                <a:off x="0" y="5566658"/>
-                <a:ext cx="12192000" cy="794385"/>
-              </a:xfrm>
-              <a:prstGeom prst="rect">
-                <a:avLst/>
-              </a:prstGeom>
-              <a:solidFill>
-                <a:schemeClr val="tx1"/>
-              </a:solidFill>
-              <a:ln>
-                <a:noFill/>
-              </a:ln>
-            </p:spPr>
-            <p:style>
-              <a:lnRef idx="2">
-                <a:schemeClr val="accent1">
-                  <a:shade val="50000"/>
-                </a:schemeClr>
-              </a:lnRef>
-              <a:fillRef idx="1">
-                <a:schemeClr val="accent1"/>
-              </a:fillRef>
-              <a:effectRef idx="0">
-                <a:schemeClr val="accent1"/>
-              </a:effectRef>
-              <a:fontRef idx="minor">
-                <a:schemeClr val="lt1"/>
-              </a:fontRef>
-            </p:style>
-            <p:txBody>
-              <a:bodyPr rtlCol="0" anchor="ctr"/>
-              <a:lstStyle/>
-              <a:p>
-                <a:pPr algn="ctr"/>
-                <a:endParaRPr lang="es-MX"/>
-              </a:p>
-            </p:txBody>
-          </p:sp>
-          <p:pic>
-            <p:nvPicPr>
-              <p:cNvPr id="9" name="Imagen 8"/>
-              <p:cNvPicPr>
-                <a:picLocks noChangeAspect="1"/>
-              </p:cNvPicPr>
-              <p:nvPr/>
-            </p:nvPicPr>
-            <p:blipFill>
-              <a:blip r:embed="rId2"/>
-              <a:stretch>
-                <a:fillRect/>
-              </a:stretch>
-            </p:blipFill>
-            <p:spPr>
-              <a:xfrm>
-                <a:off x="-13252" y="5428930"/>
-                <a:ext cx="4776997" cy="1091885"/>
-              </a:xfrm>
-              <a:prstGeom prst="rect">
-                <a:avLst/>
-              </a:prstGeom>
-            </p:spPr>
-          </p:pic>
-          <p:pic>
-            <p:nvPicPr>
-              <p:cNvPr id="10" name="Imagen 9"/>
-              <p:cNvPicPr>
-                <a:picLocks noChangeAspect="1"/>
-              </p:cNvPicPr>
-              <p:nvPr/>
-            </p:nvPicPr>
-            <p:blipFill>
-              <a:blip r:embed="rId2"/>
-              <a:stretch>
-                <a:fillRect/>
-              </a:stretch>
-            </p:blipFill>
-            <p:spPr>
-              <a:xfrm>
-                <a:off x="4732478" y="5416754"/>
-                <a:ext cx="4776997" cy="1091885"/>
-              </a:xfrm>
-              <a:prstGeom prst="rect">
-                <a:avLst/>
-              </a:prstGeom>
-            </p:spPr>
-          </p:pic>
-          <p:pic>
-            <p:nvPicPr>
-              <p:cNvPr id="11" name="Imagen 10"/>
-              <p:cNvPicPr>
-                <a:picLocks noChangeAspect="1"/>
-              </p:cNvPicPr>
-              <p:nvPr/>
-            </p:nvPicPr>
-            <p:blipFill rotWithShape="1">
-              <a:blip r:embed="rId2"/>
-              <a:srcRect l="43845"/>
-              <a:stretch>
-                <a:fillRect/>
-              </a:stretch>
-            </p:blipFill>
-            <p:spPr>
-              <a:xfrm>
-                <a:off x="9509475" y="5416754"/>
-                <a:ext cx="2682525" cy="1091885"/>
-              </a:xfrm>
-              <a:prstGeom prst="rect">
-                <a:avLst/>
-              </a:prstGeom>
-            </p:spPr>
-          </p:pic>
-        </p:grpSp>
-        <p:pic>
-          <p:nvPicPr>
-            <p:cNvPr id="7" name="Imagen 6"/>
-            <p:cNvPicPr>
-              <a:picLocks noChangeAspect="1"/>
-            </p:cNvPicPr>
-            <p:nvPr/>
-          </p:nvPicPr>
-          <p:blipFill>
-            <a:blip r:embed="rId3"/>
-            <a:stretch>
-              <a:fillRect/>
-            </a:stretch>
-          </p:blipFill>
-          <p:spPr>
-            <a:xfrm>
-              <a:off x="4364554" y="5547721"/>
-              <a:ext cx="3255445" cy="854301"/>
-            </a:xfrm>
-            <a:prstGeom prst="rect">
-              <a:avLst/>
-            </a:prstGeom>
-          </p:spPr>
-        </p:pic>
-      </p:grpSp>
       <p:sp>
         <p:nvSpPr>
           <p:cNvPr id="2" name="Título 1">
@@ -21128,7 +15246,7 @@
           <p:nvPr/>
         </p:nvPicPr>
         <p:blipFill>
-          <a:blip r:embed="rId4"/>
+          <a:blip r:embed="rId2"/>
           <a:stretch>
             <a:fillRect/>
           </a:stretch>
@@ -21164,7 +15282,7 @@
           <p:nvPr/>
         </p:nvPicPr>
         <p:blipFill>
-          <a:blip r:embed="rId5"/>
+          <a:blip r:embed="rId3"/>
           <a:stretch>
             <a:fillRect/>
           </a:stretch>
@@ -21200,7 +15318,7 @@
           <p:nvPr/>
         </p:nvPicPr>
         <p:blipFill>
-          <a:blip r:embed="rId6"/>
+          <a:blip r:embed="rId4"/>
           <a:stretch>
             <a:fillRect/>
           </a:stretch>
@@ -21256,7 +15374,7 @@
             <p:nvPr/>
           </p:nvPicPr>
           <p:blipFill>
-            <a:blip r:embed="rId7"/>
+            <a:blip r:embed="rId5"/>
             <a:stretch>
               <a:fillRect/>
             </a:stretch>
@@ -21547,179 +15665,6 @@
           <a:chExt cx="0" cy="0"/>
         </a:xfrm>
       </p:grpSpPr>
-      <p:grpSp>
-        <p:nvGrpSpPr>
-          <p:cNvPr id="5" name="Grupo 4"/>
-          <p:cNvGrpSpPr/>
-          <p:nvPr/>
-        </p:nvGrpSpPr>
-        <p:grpSpPr>
-          <a:xfrm>
-            <a:off x="-13252" y="5734254"/>
-            <a:ext cx="12205252" cy="1104061"/>
-            <a:chOff x="-13252" y="5416754"/>
-            <a:chExt cx="12205252" cy="1104061"/>
-          </a:xfrm>
-        </p:grpSpPr>
-        <p:grpSp>
-          <p:nvGrpSpPr>
-            <p:cNvPr id="6" name="Grupo 5"/>
-            <p:cNvGrpSpPr/>
-            <p:nvPr/>
-          </p:nvGrpSpPr>
-          <p:grpSpPr>
-            <a:xfrm>
-              <a:off x="-13252" y="5416754"/>
-              <a:ext cx="12205252" cy="1104061"/>
-              <a:chOff x="-13252" y="5416754"/>
-              <a:chExt cx="12205252" cy="1104061"/>
-            </a:xfrm>
-          </p:grpSpPr>
-          <p:sp>
-            <p:nvSpPr>
-              <p:cNvPr id="8" name="Rectángulo 7"/>
-              <p:cNvSpPr/>
-              <p:nvPr/>
-            </p:nvSpPr>
-            <p:spPr>
-              <a:xfrm>
-                <a:off x="0" y="5566658"/>
-                <a:ext cx="12192000" cy="794385"/>
-              </a:xfrm>
-              <a:prstGeom prst="rect">
-                <a:avLst/>
-              </a:prstGeom>
-              <a:solidFill>
-                <a:schemeClr val="tx1"/>
-              </a:solidFill>
-              <a:ln>
-                <a:noFill/>
-              </a:ln>
-            </p:spPr>
-            <p:style>
-              <a:lnRef idx="2">
-                <a:schemeClr val="accent1">
-                  <a:shade val="50000"/>
-                </a:schemeClr>
-              </a:lnRef>
-              <a:fillRef idx="1">
-                <a:schemeClr val="accent1"/>
-              </a:fillRef>
-              <a:effectRef idx="0">
-                <a:schemeClr val="accent1"/>
-              </a:effectRef>
-              <a:fontRef idx="minor">
-                <a:schemeClr val="lt1"/>
-              </a:fontRef>
-            </p:style>
-            <p:txBody>
-              <a:bodyPr rtlCol="0" anchor="ctr"/>
-              <a:lstStyle/>
-              <a:p>
-                <a:pPr algn="ctr"/>
-                <a:endParaRPr lang="es-MX"/>
-              </a:p>
-            </p:txBody>
-          </p:sp>
-          <p:pic>
-            <p:nvPicPr>
-              <p:cNvPr id="9" name="Imagen 8"/>
-              <p:cNvPicPr>
-                <a:picLocks noChangeAspect="1"/>
-              </p:cNvPicPr>
-              <p:nvPr/>
-            </p:nvPicPr>
-            <p:blipFill>
-              <a:blip r:embed="rId2"/>
-              <a:stretch>
-                <a:fillRect/>
-              </a:stretch>
-            </p:blipFill>
-            <p:spPr>
-              <a:xfrm>
-                <a:off x="-13252" y="5428930"/>
-                <a:ext cx="4776997" cy="1091885"/>
-              </a:xfrm>
-              <a:prstGeom prst="rect">
-                <a:avLst/>
-              </a:prstGeom>
-            </p:spPr>
-          </p:pic>
-          <p:pic>
-            <p:nvPicPr>
-              <p:cNvPr id="10" name="Imagen 9"/>
-              <p:cNvPicPr>
-                <a:picLocks noChangeAspect="1"/>
-              </p:cNvPicPr>
-              <p:nvPr/>
-            </p:nvPicPr>
-            <p:blipFill>
-              <a:blip r:embed="rId2"/>
-              <a:stretch>
-                <a:fillRect/>
-              </a:stretch>
-            </p:blipFill>
-            <p:spPr>
-              <a:xfrm>
-                <a:off x="4732478" y="5416754"/>
-                <a:ext cx="4776997" cy="1091885"/>
-              </a:xfrm>
-              <a:prstGeom prst="rect">
-                <a:avLst/>
-              </a:prstGeom>
-            </p:spPr>
-          </p:pic>
-          <p:pic>
-            <p:nvPicPr>
-              <p:cNvPr id="11" name="Imagen 10"/>
-              <p:cNvPicPr>
-                <a:picLocks noChangeAspect="1"/>
-              </p:cNvPicPr>
-              <p:nvPr/>
-            </p:nvPicPr>
-            <p:blipFill rotWithShape="1">
-              <a:blip r:embed="rId2"/>
-              <a:srcRect l="43845"/>
-              <a:stretch>
-                <a:fillRect/>
-              </a:stretch>
-            </p:blipFill>
-            <p:spPr>
-              <a:xfrm>
-                <a:off x="9509475" y="5416754"/>
-                <a:ext cx="2682525" cy="1091885"/>
-              </a:xfrm>
-              <a:prstGeom prst="rect">
-                <a:avLst/>
-              </a:prstGeom>
-            </p:spPr>
-          </p:pic>
-        </p:grpSp>
-        <p:pic>
-          <p:nvPicPr>
-            <p:cNvPr id="7" name="Imagen 6"/>
-            <p:cNvPicPr>
-              <a:picLocks noChangeAspect="1"/>
-            </p:cNvPicPr>
-            <p:nvPr/>
-          </p:nvPicPr>
-          <p:blipFill>
-            <a:blip r:embed="rId3"/>
-            <a:stretch>
-              <a:fillRect/>
-            </a:stretch>
-          </p:blipFill>
-          <p:spPr>
-            <a:xfrm>
-              <a:off x="4364554" y="5547721"/>
-              <a:ext cx="3255445" cy="854301"/>
-            </a:xfrm>
-            <a:prstGeom prst="rect">
-              <a:avLst/>
-            </a:prstGeom>
-          </p:spPr>
-        </p:pic>
-      </p:grpSp>
       <p:sp>
         <p:nvSpPr>
           <p:cNvPr id="2" name="Título 1">
@@ -21841,7 +15786,7 @@
           <p:nvPr/>
         </p:nvPicPr>
         <p:blipFill>
-          <a:blip r:embed="rId4"/>
+          <a:blip r:embed="rId2"/>
           <a:stretch>
             <a:fillRect/>
           </a:stretch>
@@ -21921,179 +15866,6 @@
           <a:chExt cx="0" cy="0"/>
         </a:xfrm>
       </p:grpSpPr>
-      <p:grpSp>
-        <p:nvGrpSpPr>
-          <p:cNvPr id="5" name="Grupo 4"/>
-          <p:cNvGrpSpPr/>
-          <p:nvPr/>
-        </p:nvGrpSpPr>
-        <p:grpSpPr>
-          <a:xfrm>
-            <a:off x="-13252" y="5734254"/>
-            <a:ext cx="12205252" cy="1104061"/>
-            <a:chOff x="-13252" y="5416754"/>
-            <a:chExt cx="12205252" cy="1104061"/>
-          </a:xfrm>
-        </p:grpSpPr>
-        <p:grpSp>
-          <p:nvGrpSpPr>
-            <p:cNvPr id="6" name="Grupo 5"/>
-            <p:cNvGrpSpPr/>
-            <p:nvPr/>
-          </p:nvGrpSpPr>
-          <p:grpSpPr>
-            <a:xfrm>
-              <a:off x="-13252" y="5416754"/>
-              <a:ext cx="12205252" cy="1104061"/>
-              <a:chOff x="-13252" y="5416754"/>
-              <a:chExt cx="12205252" cy="1104061"/>
-            </a:xfrm>
-          </p:grpSpPr>
-          <p:sp>
-            <p:nvSpPr>
-              <p:cNvPr id="8" name="Rectángulo 7"/>
-              <p:cNvSpPr/>
-              <p:nvPr/>
-            </p:nvSpPr>
-            <p:spPr>
-              <a:xfrm>
-                <a:off x="0" y="5566658"/>
-                <a:ext cx="12192000" cy="794385"/>
-              </a:xfrm>
-              <a:prstGeom prst="rect">
-                <a:avLst/>
-              </a:prstGeom>
-              <a:solidFill>
-                <a:schemeClr val="tx1"/>
-              </a:solidFill>
-              <a:ln>
-                <a:noFill/>
-              </a:ln>
-            </p:spPr>
-            <p:style>
-              <a:lnRef idx="2">
-                <a:schemeClr val="accent1">
-                  <a:shade val="50000"/>
-                </a:schemeClr>
-              </a:lnRef>
-              <a:fillRef idx="1">
-                <a:schemeClr val="accent1"/>
-              </a:fillRef>
-              <a:effectRef idx="0">
-                <a:schemeClr val="accent1"/>
-              </a:effectRef>
-              <a:fontRef idx="minor">
-                <a:schemeClr val="lt1"/>
-              </a:fontRef>
-            </p:style>
-            <p:txBody>
-              <a:bodyPr rtlCol="0" anchor="ctr"/>
-              <a:lstStyle/>
-              <a:p>
-                <a:pPr algn="ctr"/>
-                <a:endParaRPr lang="es-MX"/>
-              </a:p>
-            </p:txBody>
-          </p:sp>
-          <p:pic>
-            <p:nvPicPr>
-              <p:cNvPr id="9" name="Imagen 8"/>
-              <p:cNvPicPr>
-                <a:picLocks noChangeAspect="1"/>
-              </p:cNvPicPr>
-              <p:nvPr/>
-            </p:nvPicPr>
-            <p:blipFill>
-              <a:blip r:embed="rId2"/>
-              <a:stretch>
-                <a:fillRect/>
-              </a:stretch>
-            </p:blipFill>
-            <p:spPr>
-              <a:xfrm>
-                <a:off x="-13252" y="5428930"/>
-                <a:ext cx="4776997" cy="1091885"/>
-              </a:xfrm>
-              <a:prstGeom prst="rect">
-                <a:avLst/>
-              </a:prstGeom>
-            </p:spPr>
-          </p:pic>
-          <p:pic>
-            <p:nvPicPr>
-              <p:cNvPr id="10" name="Imagen 9"/>
-              <p:cNvPicPr>
-                <a:picLocks noChangeAspect="1"/>
-              </p:cNvPicPr>
-              <p:nvPr/>
-            </p:nvPicPr>
-            <p:blipFill>
-              <a:blip r:embed="rId2"/>
-              <a:stretch>
-                <a:fillRect/>
-              </a:stretch>
-            </p:blipFill>
-            <p:spPr>
-              <a:xfrm>
-                <a:off x="4732478" y="5416754"/>
-                <a:ext cx="4776997" cy="1091885"/>
-              </a:xfrm>
-              <a:prstGeom prst="rect">
-                <a:avLst/>
-              </a:prstGeom>
-            </p:spPr>
-          </p:pic>
-          <p:pic>
-            <p:nvPicPr>
-              <p:cNvPr id="11" name="Imagen 10"/>
-              <p:cNvPicPr>
-                <a:picLocks noChangeAspect="1"/>
-              </p:cNvPicPr>
-              <p:nvPr/>
-            </p:nvPicPr>
-            <p:blipFill rotWithShape="1">
-              <a:blip r:embed="rId2"/>
-              <a:srcRect l="43845"/>
-              <a:stretch>
-                <a:fillRect/>
-              </a:stretch>
-            </p:blipFill>
-            <p:spPr>
-              <a:xfrm>
-                <a:off x="9509475" y="5416754"/>
-                <a:ext cx="2682525" cy="1091885"/>
-              </a:xfrm>
-              <a:prstGeom prst="rect">
-                <a:avLst/>
-              </a:prstGeom>
-            </p:spPr>
-          </p:pic>
-        </p:grpSp>
-        <p:pic>
-          <p:nvPicPr>
-            <p:cNvPr id="7" name="Imagen 6"/>
-            <p:cNvPicPr>
-              <a:picLocks noChangeAspect="1"/>
-            </p:cNvPicPr>
-            <p:nvPr/>
-          </p:nvPicPr>
-          <p:blipFill>
-            <a:blip r:embed="rId3"/>
-            <a:stretch>
-              <a:fillRect/>
-            </a:stretch>
-          </p:blipFill>
-          <p:spPr>
-            <a:xfrm>
-              <a:off x="4364554" y="5547721"/>
-              <a:ext cx="3255445" cy="854301"/>
-            </a:xfrm>
-            <a:prstGeom prst="rect">
-              <a:avLst/>
-            </a:prstGeom>
-          </p:spPr>
-        </p:pic>
-      </p:grpSp>
       <p:sp>
         <p:nvSpPr>
           <p:cNvPr id="2" name="Título 1">
@@ -22215,7 +15987,7 @@
           <p:nvPr/>
         </p:nvPicPr>
         <p:blipFill>
-          <a:blip r:embed="rId4"/>
+          <a:blip r:embed="rId2"/>
           <a:stretch>
             <a:fillRect/>
           </a:stretch>
@@ -22295,179 +16067,6 @@
           <a:chExt cx="0" cy="0"/>
         </a:xfrm>
       </p:grpSpPr>
-      <p:grpSp>
-        <p:nvGrpSpPr>
-          <p:cNvPr id="5" name="Grupo 4"/>
-          <p:cNvGrpSpPr/>
-          <p:nvPr/>
-        </p:nvGrpSpPr>
-        <p:grpSpPr>
-          <a:xfrm>
-            <a:off x="-13252" y="5734254"/>
-            <a:ext cx="12205252" cy="1104061"/>
-            <a:chOff x="-13252" y="5416754"/>
-            <a:chExt cx="12205252" cy="1104061"/>
-          </a:xfrm>
-        </p:grpSpPr>
-        <p:grpSp>
-          <p:nvGrpSpPr>
-            <p:cNvPr id="6" name="Grupo 5"/>
-            <p:cNvGrpSpPr/>
-            <p:nvPr/>
-          </p:nvGrpSpPr>
-          <p:grpSpPr>
-            <a:xfrm>
-              <a:off x="-13252" y="5416754"/>
-              <a:ext cx="12205252" cy="1104061"/>
-              <a:chOff x="-13252" y="5416754"/>
-              <a:chExt cx="12205252" cy="1104061"/>
-            </a:xfrm>
-          </p:grpSpPr>
-          <p:sp>
-            <p:nvSpPr>
-              <p:cNvPr id="8" name="Rectángulo 7"/>
-              <p:cNvSpPr/>
-              <p:nvPr/>
-            </p:nvSpPr>
-            <p:spPr>
-              <a:xfrm>
-                <a:off x="0" y="5566658"/>
-                <a:ext cx="12192000" cy="794385"/>
-              </a:xfrm>
-              <a:prstGeom prst="rect">
-                <a:avLst/>
-              </a:prstGeom>
-              <a:solidFill>
-                <a:schemeClr val="tx1"/>
-              </a:solidFill>
-              <a:ln>
-                <a:noFill/>
-              </a:ln>
-            </p:spPr>
-            <p:style>
-              <a:lnRef idx="2">
-                <a:schemeClr val="accent1">
-                  <a:shade val="50000"/>
-                </a:schemeClr>
-              </a:lnRef>
-              <a:fillRef idx="1">
-                <a:schemeClr val="accent1"/>
-              </a:fillRef>
-              <a:effectRef idx="0">
-                <a:schemeClr val="accent1"/>
-              </a:effectRef>
-              <a:fontRef idx="minor">
-                <a:schemeClr val="lt1"/>
-              </a:fontRef>
-            </p:style>
-            <p:txBody>
-              <a:bodyPr rtlCol="0" anchor="ctr"/>
-              <a:lstStyle/>
-              <a:p>
-                <a:pPr algn="ctr"/>
-                <a:endParaRPr lang="es-MX"/>
-              </a:p>
-            </p:txBody>
-          </p:sp>
-          <p:pic>
-            <p:nvPicPr>
-              <p:cNvPr id="9" name="Imagen 8"/>
-              <p:cNvPicPr>
-                <a:picLocks noChangeAspect="1"/>
-              </p:cNvPicPr>
-              <p:nvPr/>
-            </p:nvPicPr>
-            <p:blipFill>
-              <a:blip r:embed="rId2"/>
-              <a:stretch>
-                <a:fillRect/>
-              </a:stretch>
-            </p:blipFill>
-            <p:spPr>
-              <a:xfrm>
-                <a:off x="-13252" y="5428930"/>
-                <a:ext cx="4776997" cy="1091885"/>
-              </a:xfrm>
-              <a:prstGeom prst="rect">
-                <a:avLst/>
-              </a:prstGeom>
-            </p:spPr>
-          </p:pic>
-          <p:pic>
-            <p:nvPicPr>
-              <p:cNvPr id="10" name="Imagen 9"/>
-              <p:cNvPicPr>
-                <a:picLocks noChangeAspect="1"/>
-              </p:cNvPicPr>
-              <p:nvPr/>
-            </p:nvPicPr>
-            <p:blipFill>
-              <a:blip r:embed="rId2"/>
-              <a:stretch>
-                <a:fillRect/>
-              </a:stretch>
-            </p:blipFill>
-            <p:spPr>
-              <a:xfrm>
-                <a:off x="4732478" y="5416754"/>
-                <a:ext cx="4776997" cy="1091885"/>
-              </a:xfrm>
-              <a:prstGeom prst="rect">
-                <a:avLst/>
-              </a:prstGeom>
-            </p:spPr>
-          </p:pic>
-          <p:pic>
-            <p:nvPicPr>
-              <p:cNvPr id="11" name="Imagen 10"/>
-              <p:cNvPicPr>
-                <a:picLocks noChangeAspect="1"/>
-              </p:cNvPicPr>
-              <p:nvPr/>
-            </p:nvPicPr>
-            <p:blipFill rotWithShape="1">
-              <a:blip r:embed="rId2"/>
-              <a:srcRect l="43845"/>
-              <a:stretch>
-                <a:fillRect/>
-              </a:stretch>
-            </p:blipFill>
-            <p:spPr>
-              <a:xfrm>
-                <a:off x="9509475" y="5416754"/>
-                <a:ext cx="2682525" cy="1091885"/>
-              </a:xfrm>
-              <a:prstGeom prst="rect">
-                <a:avLst/>
-              </a:prstGeom>
-            </p:spPr>
-          </p:pic>
-        </p:grpSp>
-        <p:pic>
-          <p:nvPicPr>
-            <p:cNvPr id="7" name="Imagen 6"/>
-            <p:cNvPicPr>
-              <a:picLocks noChangeAspect="1"/>
-            </p:cNvPicPr>
-            <p:nvPr/>
-          </p:nvPicPr>
-          <p:blipFill>
-            <a:blip r:embed="rId3"/>
-            <a:stretch>
-              <a:fillRect/>
-            </a:stretch>
-          </p:blipFill>
-          <p:spPr>
-            <a:xfrm>
-              <a:off x="4364554" y="5547721"/>
-              <a:ext cx="3255445" cy="854301"/>
-            </a:xfrm>
-            <a:prstGeom prst="rect">
-              <a:avLst/>
-            </a:prstGeom>
-          </p:spPr>
-        </p:pic>
-      </p:grpSp>
       <p:sp>
         <p:nvSpPr>
           <p:cNvPr id="2" name="Título 1">
@@ -22589,7 +16188,7 @@
           <p:nvPr/>
         </p:nvPicPr>
         <p:blipFill>
-          <a:blip r:embed="rId4"/>
+          <a:blip r:embed="rId2"/>
           <a:stretch>
             <a:fillRect/>
           </a:stretch>
@@ -22663,179 +16262,6 @@
           <a:chExt cx="0" cy="0"/>
         </a:xfrm>
       </p:grpSpPr>
-      <p:grpSp>
-        <p:nvGrpSpPr>
-          <p:cNvPr id="5" name="Grupo 4"/>
-          <p:cNvGrpSpPr/>
-          <p:nvPr/>
-        </p:nvGrpSpPr>
-        <p:grpSpPr>
-          <a:xfrm>
-            <a:off x="-13252" y="5734254"/>
-            <a:ext cx="12205252" cy="1104061"/>
-            <a:chOff x="-13252" y="5416754"/>
-            <a:chExt cx="12205252" cy="1104061"/>
-          </a:xfrm>
-        </p:grpSpPr>
-        <p:grpSp>
-          <p:nvGrpSpPr>
-            <p:cNvPr id="6" name="Grupo 5"/>
-            <p:cNvGrpSpPr/>
-            <p:nvPr/>
-          </p:nvGrpSpPr>
-          <p:grpSpPr>
-            <a:xfrm>
-              <a:off x="-13252" y="5416754"/>
-              <a:ext cx="12205252" cy="1104061"/>
-              <a:chOff x="-13252" y="5416754"/>
-              <a:chExt cx="12205252" cy="1104061"/>
-            </a:xfrm>
-          </p:grpSpPr>
-          <p:sp>
-            <p:nvSpPr>
-              <p:cNvPr id="8" name="Rectángulo 7"/>
-              <p:cNvSpPr/>
-              <p:nvPr/>
-            </p:nvSpPr>
-            <p:spPr>
-              <a:xfrm>
-                <a:off x="0" y="5566658"/>
-                <a:ext cx="12192000" cy="794385"/>
-              </a:xfrm>
-              <a:prstGeom prst="rect">
-                <a:avLst/>
-              </a:prstGeom>
-              <a:solidFill>
-                <a:schemeClr val="tx1"/>
-              </a:solidFill>
-              <a:ln>
-                <a:noFill/>
-              </a:ln>
-            </p:spPr>
-            <p:style>
-              <a:lnRef idx="2">
-                <a:schemeClr val="accent1">
-                  <a:shade val="50000"/>
-                </a:schemeClr>
-              </a:lnRef>
-              <a:fillRef idx="1">
-                <a:schemeClr val="accent1"/>
-              </a:fillRef>
-              <a:effectRef idx="0">
-                <a:schemeClr val="accent1"/>
-              </a:effectRef>
-              <a:fontRef idx="minor">
-                <a:schemeClr val="lt1"/>
-              </a:fontRef>
-            </p:style>
-            <p:txBody>
-              <a:bodyPr rtlCol="0" anchor="ctr"/>
-              <a:lstStyle/>
-              <a:p>
-                <a:pPr algn="ctr"/>
-                <a:endParaRPr lang="es-MX"/>
-              </a:p>
-            </p:txBody>
-          </p:sp>
-          <p:pic>
-            <p:nvPicPr>
-              <p:cNvPr id="9" name="Imagen 8"/>
-              <p:cNvPicPr>
-                <a:picLocks noChangeAspect="1"/>
-              </p:cNvPicPr>
-              <p:nvPr/>
-            </p:nvPicPr>
-            <p:blipFill>
-              <a:blip r:embed="rId2"/>
-              <a:stretch>
-                <a:fillRect/>
-              </a:stretch>
-            </p:blipFill>
-            <p:spPr>
-              <a:xfrm>
-                <a:off x="-13252" y="5428930"/>
-                <a:ext cx="4776997" cy="1091885"/>
-              </a:xfrm>
-              <a:prstGeom prst="rect">
-                <a:avLst/>
-              </a:prstGeom>
-            </p:spPr>
-          </p:pic>
-          <p:pic>
-            <p:nvPicPr>
-              <p:cNvPr id="10" name="Imagen 9"/>
-              <p:cNvPicPr>
-                <a:picLocks noChangeAspect="1"/>
-              </p:cNvPicPr>
-              <p:nvPr/>
-            </p:nvPicPr>
-            <p:blipFill>
-              <a:blip r:embed="rId2"/>
-              <a:stretch>
-                <a:fillRect/>
-              </a:stretch>
-            </p:blipFill>
-            <p:spPr>
-              <a:xfrm>
-                <a:off x="4732478" y="5416754"/>
-                <a:ext cx="4776997" cy="1091885"/>
-              </a:xfrm>
-              <a:prstGeom prst="rect">
-                <a:avLst/>
-              </a:prstGeom>
-            </p:spPr>
-          </p:pic>
-          <p:pic>
-            <p:nvPicPr>
-              <p:cNvPr id="11" name="Imagen 10"/>
-              <p:cNvPicPr>
-                <a:picLocks noChangeAspect="1"/>
-              </p:cNvPicPr>
-              <p:nvPr/>
-            </p:nvPicPr>
-            <p:blipFill rotWithShape="1">
-              <a:blip r:embed="rId2"/>
-              <a:srcRect l="43845"/>
-              <a:stretch>
-                <a:fillRect/>
-              </a:stretch>
-            </p:blipFill>
-            <p:spPr>
-              <a:xfrm>
-                <a:off x="9509475" y="5416754"/>
-                <a:ext cx="2682525" cy="1091885"/>
-              </a:xfrm>
-              <a:prstGeom prst="rect">
-                <a:avLst/>
-              </a:prstGeom>
-            </p:spPr>
-          </p:pic>
-        </p:grpSp>
-        <p:pic>
-          <p:nvPicPr>
-            <p:cNvPr id="7" name="Imagen 6"/>
-            <p:cNvPicPr>
-              <a:picLocks noChangeAspect="1"/>
-            </p:cNvPicPr>
-            <p:nvPr/>
-          </p:nvPicPr>
-          <p:blipFill>
-            <a:blip r:embed="rId3"/>
-            <a:stretch>
-              <a:fillRect/>
-            </a:stretch>
-          </p:blipFill>
-          <p:spPr>
-            <a:xfrm>
-              <a:off x="4364554" y="5547721"/>
-              <a:ext cx="3255445" cy="854301"/>
-            </a:xfrm>
-            <a:prstGeom prst="rect">
-              <a:avLst/>
-            </a:prstGeom>
-          </p:spPr>
-        </p:pic>
-      </p:grpSp>
       <p:sp>
         <p:nvSpPr>
           <p:cNvPr id="2" name="Título 1">
@@ -22957,7 +16383,7 @@
           <p:nvPr/>
         </p:nvPicPr>
         <p:blipFill>
-          <a:blip r:embed="rId4"/>
+          <a:blip r:embed="rId2"/>
           <a:stretch>
             <a:fillRect/>
           </a:stretch>
@@ -23031,179 +16457,6 @@
           <a:chExt cx="0" cy="0"/>
         </a:xfrm>
       </p:grpSpPr>
-      <p:grpSp>
-        <p:nvGrpSpPr>
-          <p:cNvPr id="5" name="Grupo 4"/>
-          <p:cNvGrpSpPr/>
-          <p:nvPr/>
-        </p:nvGrpSpPr>
-        <p:grpSpPr>
-          <a:xfrm>
-            <a:off x="-13252" y="5734254"/>
-            <a:ext cx="12205252" cy="1104061"/>
-            <a:chOff x="-13252" y="5416754"/>
-            <a:chExt cx="12205252" cy="1104061"/>
-          </a:xfrm>
-        </p:grpSpPr>
-        <p:grpSp>
-          <p:nvGrpSpPr>
-            <p:cNvPr id="6" name="Grupo 5"/>
-            <p:cNvGrpSpPr/>
-            <p:nvPr/>
-          </p:nvGrpSpPr>
-          <p:grpSpPr>
-            <a:xfrm>
-              <a:off x="-13252" y="5416754"/>
-              <a:ext cx="12205252" cy="1104061"/>
-              <a:chOff x="-13252" y="5416754"/>
-              <a:chExt cx="12205252" cy="1104061"/>
-            </a:xfrm>
-          </p:grpSpPr>
-          <p:sp>
-            <p:nvSpPr>
-              <p:cNvPr id="8" name="Rectángulo 7"/>
-              <p:cNvSpPr/>
-              <p:nvPr/>
-            </p:nvSpPr>
-            <p:spPr>
-              <a:xfrm>
-                <a:off x="0" y="5566658"/>
-                <a:ext cx="12192000" cy="794385"/>
-              </a:xfrm>
-              <a:prstGeom prst="rect">
-                <a:avLst/>
-              </a:prstGeom>
-              <a:solidFill>
-                <a:schemeClr val="tx1"/>
-              </a:solidFill>
-              <a:ln>
-                <a:noFill/>
-              </a:ln>
-            </p:spPr>
-            <p:style>
-              <a:lnRef idx="2">
-                <a:schemeClr val="accent1">
-                  <a:shade val="50000"/>
-                </a:schemeClr>
-              </a:lnRef>
-              <a:fillRef idx="1">
-                <a:schemeClr val="accent1"/>
-              </a:fillRef>
-              <a:effectRef idx="0">
-                <a:schemeClr val="accent1"/>
-              </a:effectRef>
-              <a:fontRef idx="minor">
-                <a:schemeClr val="lt1"/>
-              </a:fontRef>
-            </p:style>
-            <p:txBody>
-              <a:bodyPr rtlCol="0" anchor="ctr"/>
-              <a:lstStyle/>
-              <a:p>
-                <a:pPr algn="ctr"/>
-                <a:endParaRPr lang="es-MX"/>
-              </a:p>
-            </p:txBody>
-          </p:sp>
-          <p:pic>
-            <p:nvPicPr>
-              <p:cNvPr id="9" name="Imagen 8"/>
-              <p:cNvPicPr>
-                <a:picLocks noChangeAspect="1"/>
-              </p:cNvPicPr>
-              <p:nvPr/>
-            </p:nvPicPr>
-            <p:blipFill>
-              <a:blip r:embed="rId2"/>
-              <a:stretch>
-                <a:fillRect/>
-              </a:stretch>
-            </p:blipFill>
-            <p:spPr>
-              <a:xfrm>
-                <a:off x="-13252" y="5428930"/>
-                <a:ext cx="4776997" cy="1091885"/>
-              </a:xfrm>
-              <a:prstGeom prst="rect">
-                <a:avLst/>
-              </a:prstGeom>
-            </p:spPr>
-          </p:pic>
-          <p:pic>
-            <p:nvPicPr>
-              <p:cNvPr id="10" name="Imagen 9"/>
-              <p:cNvPicPr>
-                <a:picLocks noChangeAspect="1"/>
-              </p:cNvPicPr>
-              <p:nvPr/>
-            </p:nvPicPr>
-            <p:blipFill>
-              <a:blip r:embed="rId2"/>
-              <a:stretch>
-                <a:fillRect/>
-              </a:stretch>
-            </p:blipFill>
-            <p:spPr>
-              <a:xfrm>
-                <a:off x="4732478" y="5416754"/>
-                <a:ext cx="4776997" cy="1091885"/>
-              </a:xfrm>
-              <a:prstGeom prst="rect">
-                <a:avLst/>
-              </a:prstGeom>
-            </p:spPr>
-          </p:pic>
-          <p:pic>
-            <p:nvPicPr>
-              <p:cNvPr id="11" name="Imagen 10"/>
-              <p:cNvPicPr>
-                <a:picLocks noChangeAspect="1"/>
-              </p:cNvPicPr>
-              <p:nvPr/>
-            </p:nvPicPr>
-            <p:blipFill rotWithShape="1">
-              <a:blip r:embed="rId2"/>
-              <a:srcRect l="43845"/>
-              <a:stretch>
-                <a:fillRect/>
-              </a:stretch>
-            </p:blipFill>
-            <p:spPr>
-              <a:xfrm>
-                <a:off x="9509475" y="5416754"/>
-                <a:ext cx="2682525" cy="1091885"/>
-              </a:xfrm>
-              <a:prstGeom prst="rect">
-                <a:avLst/>
-              </a:prstGeom>
-            </p:spPr>
-          </p:pic>
-        </p:grpSp>
-        <p:pic>
-          <p:nvPicPr>
-            <p:cNvPr id="7" name="Imagen 6"/>
-            <p:cNvPicPr>
-              <a:picLocks noChangeAspect="1"/>
-            </p:cNvPicPr>
-            <p:nvPr/>
-          </p:nvPicPr>
-          <p:blipFill>
-            <a:blip r:embed="rId3"/>
-            <a:stretch>
-              <a:fillRect/>
-            </a:stretch>
-          </p:blipFill>
-          <p:spPr>
-            <a:xfrm>
-              <a:off x="4364554" y="5547721"/>
-              <a:ext cx="3255445" cy="854301"/>
-            </a:xfrm>
-            <a:prstGeom prst="rect">
-              <a:avLst/>
-            </a:prstGeom>
-          </p:spPr>
-        </p:pic>
-      </p:grpSp>
       <p:sp>
         <p:nvSpPr>
           <p:cNvPr id="2" name="Título 1">
@@ -23325,7 +16578,7 @@
           <p:nvPr/>
         </p:nvPicPr>
         <p:blipFill>
-          <a:blip r:embed="rId4"/>
+          <a:blip r:embed="rId2"/>
           <a:stretch>
             <a:fillRect/>
           </a:stretch>
@@ -23361,7 +16614,7 @@
           <p:nvPr/>
         </p:nvPicPr>
         <p:blipFill>
-          <a:blip r:embed="rId5"/>
+          <a:blip r:embed="rId3"/>
           <a:stretch>
             <a:fillRect/>
           </a:stretch>
@@ -23441,179 +16694,6 @@
           <a:chExt cx="0" cy="0"/>
         </a:xfrm>
       </p:grpSpPr>
-      <p:grpSp>
-        <p:nvGrpSpPr>
-          <p:cNvPr id="4" name="Grupo 3"/>
-          <p:cNvGrpSpPr/>
-          <p:nvPr/>
-        </p:nvGrpSpPr>
-        <p:grpSpPr>
-          <a:xfrm>
-            <a:off x="-13252" y="5734254"/>
-            <a:ext cx="12205252" cy="1104061"/>
-            <a:chOff x="-13252" y="5416754"/>
-            <a:chExt cx="12205252" cy="1104061"/>
-          </a:xfrm>
-        </p:grpSpPr>
-        <p:grpSp>
-          <p:nvGrpSpPr>
-            <p:cNvPr id="5" name="Grupo 4"/>
-            <p:cNvGrpSpPr/>
-            <p:nvPr/>
-          </p:nvGrpSpPr>
-          <p:grpSpPr>
-            <a:xfrm>
-              <a:off x="-13252" y="5416754"/>
-              <a:ext cx="12205252" cy="1104061"/>
-              <a:chOff x="-13252" y="5416754"/>
-              <a:chExt cx="12205252" cy="1104061"/>
-            </a:xfrm>
-          </p:grpSpPr>
-          <p:sp>
-            <p:nvSpPr>
-              <p:cNvPr id="7" name="Rectángulo 6"/>
-              <p:cNvSpPr/>
-              <p:nvPr/>
-            </p:nvSpPr>
-            <p:spPr>
-              <a:xfrm>
-                <a:off x="0" y="5566658"/>
-                <a:ext cx="12192000" cy="794385"/>
-              </a:xfrm>
-              <a:prstGeom prst="rect">
-                <a:avLst/>
-              </a:prstGeom>
-              <a:solidFill>
-                <a:schemeClr val="tx1"/>
-              </a:solidFill>
-              <a:ln>
-                <a:noFill/>
-              </a:ln>
-            </p:spPr>
-            <p:style>
-              <a:lnRef idx="2">
-                <a:schemeClr val="accent1">
-                  <a:shade val="50000"/>
-                </a:schemeClr>
-              </a:lnRef>
-              <a:fillRef idx="1">
-                <a:schemeClr val="accent1"/>
-              </a:fillRef>
-              <a:effectRef idx="0">
-                <a:schemeClr val="accent1"/>
-              </a:effectRef>
-              <a:fontRef idx="minor">
-                <a:schemeClr val="lt1"/>
-              </a:fontRef>
-            </p:style>
-            <p:txBody>
-              <a:bodyPr rtlCol="0" anchor="ctr"/>
-              <a:lstStyle/>
-              <a:p>
-                <a:pPr algn="ctr"/>
-                <a:endParaRPr lang="es-MX"/>
-              </a:p>
-            </p:txBody>
-          </p:sp>
-          <p:pic>
-            <p:nvPicPr>
-              <p:cNvPr id="8" name="Imagen 7"/>
-              <p:cNvPicPr>
-                <a:picLocks noChangeAspect="1"/>
-              </p:cNvPicPr>
-              <p:nvPr/>
-            </p:nvPicPr>
-            <p:blipFill>
-              <a:blip r:embed="rId2"/>
-              <a:stretch>
-                <a:fillRect/>
-              </a:stretch>
-            </p:blipFill>
-            <p:spPr>
-              <a:xfrm>
-                <a:off x="-13252" y="5428930"/>
-                <a:ext cx="4776997" cy="1091885"/>
-              </a:xfrm>
-              <a:prstGeom prst="rect">
-                <a:avLst/>
-              </a:prstGeom>
-            </p:spPr>
-          </p:pic>
-          <p:pic>
-            <p:nvPicPr>
-              <p:cNvPr id="9" name="Imagen 8"/>
-              <p:cNvPicPr>
-                <a:picLocks noChangeAspect="1"/>
-              </p:cNvPicPr>
-              <p:nvPr/>
-            </p:nvPicPr>
-            <p:blipFill>
-              <a:blip r:embed="rId2"/>
-              <a:stretch>
-                <a:fillRect/>
-              </a:stretch>
-            </p:blipFill>
-            <p:spPr>
-              <a:xfrm>
-                <a:off x="4732478" y="5416754"/>
-                <a:ext cx="4776997" cy="1091885"/>
-              </a:xfrm>
-              <a:prstGeom prst="rect">
-                <a:avLst/>
-              </a:prstGeom>
-            </p:spPr>
-          </p:pic>
-          <p:pic>
-            <p:nvPicPr>
-              <p:cNvPr id="10" name="Imagen 9"/>
-              <p:cNvPicPr>
-                <a:picLocks noChangeAspect="1"/>
-              </p:cNvPicPr>
-              <p:nvPr/>
-            </p:nvPicPr>
-            <p:blipFill rotWithShape="1">
-              <a:blip r:embed="rId2"/>
-              <a:srcRect l="43845"/>
-              <a:stretch>
-                <a:fillRect/>
-              </a:stretch>
-            </p:blipFill>
-            <p:spPr>
-              <a:xfrm>
-                <a:off x="9509475" y="5416754"/>
-                <a:ext cx="2682525" cy="1091885"/>
-              </a:xfrm>
-              <a:prstGeom prst="rect">
-                <a:avLst/>
-              </a:prstGeom>
-            </p:spPr>
-          </p:pic>
-        </p:grpSp>
-        <p:pic>
-          <p:nvPicPr>
-            <p:cNvPr id="6" name="Imagen 5"/>
-            <p:cNvPicPr>
-              <a:picLocks noChangeAspect="1"/>
-            </p:cNvPicPr>
-            <p:nvPr/>
-          </p:nvPicPr>
-          <p:blipFill>
-            <a:blip r:embed="rId3"/>
-            <a:stretch>
-              <a:fillRect/>
-            </a:stretch>
-          </p:blipFill>
-          <p:spPr>
-            <a:xfrm>
-              <a:off x="4364554" y="5547721"/>
-              <a:ext cx="3255445" cy="854301"/>
-            </a:xfrm>
-            <a:prstGeom prst="rect">
-              <a:avLst/>
-            </a:prstGeom>
-          </p:spPr>
-        </p:pic>
-      </p:grpSp>
       <p:sp>
         <p:nvSpPr>
           <p:cNvPr id="11" name="Título 1"/>
@@ -23845,179 +16925,6 @@
           </a:effectLst>
         </p:spPr>
       </p:pic>
-      <p:grpSp>
-        <p:nvGrpSpPr>
-          <p:cNvPr id="6" name="Grupo 5"/>
-          <p:cNvGrpSpPr/>
-          <p:nvPr/>
-        </p:nvGrpSpPr>
-        <p:grpSpPr>
-          <a:xfrm>
-            <a:off x="-13252" y="5734254"/>
-            <a:ext cx="12205252" cy="1104061"/>
-            <a:chOff x="-13252" y="5416754"/>
-            <a:chExt cx="12205252" cy="1104061"/>
-          </a:xfrm>
-        </p:grpSpPr>
-        <p:grpSp>
-          <p:nvGrpSpPr>
-            <p:cNvPr id="7" name="Grupo 6"/>
-            <p:cNvGrpSpPr/>
-            <p:nvPr/>
-          </p:nvGrpSpPr>
-          <p:grpSpPr>
-            <a:xfrm>
-              <a:off x="-13252" y="5416754"/>
-              <a:ext cx="12205252" cy="1104061"/>
-              <a:chOff x="-13252" y="5416754"/>
-              <a:chExt cx="12205252" cy="1104061"/>
-            </a:xfrm>
-          </p:grpSpPr>
-          <p:sp>
-            <p:nvSpPr>
-              <p:cNvPr id="9" name="Rectángulo 8"/>
-              <p:cNvSpPr/>
-              <p:nvPr/>
-            </p:nvSpPr>
-            <p:spPr>
-              <a:xfrm>
-                <a:off x="0" y="5566658"/>
-                <a:ext cx="12192000" cy="794385"/>
-              </a:xfrm>
-              <a:prstGeom prst="rect">
-                <a:avLst/>
-              </a:prstGeom>
-              <a:solidFill>
-                <a:schemeClr val="tx1"/>
-              </a:solidFill>
-              <a:ln>
-                <a:noFill/>
-              </a:ln>
-            </p:spPr>
-            <p:style>
-              <a:lnRef idx="2">
-                <a:schemeClr val="accent1">
-                  <a:shade val="50000"/>
-                </a:schemeClr>
-              </a:lnRef>
-              <a:fillRef idx="1">
-                <a:schemeClr val="accent1"/>
-              </a:fillRef>
-              <a:effectRef idx="0">
-                <a:schemeClr val="accent1"/>
-              </a:effectRef>
-              <a:fontRef idx="minor">
-                <a:schemeClr val="lt1"/>
-              </a:fontRef>
-            </p:style>
-            <p:txBody>
-              <a:bodyPr rtlCol="0" anchor="ctr"/>
-              <a:lstStyle/>
-              <a:p>
-                <a:pPr algn="ctr"/>
-                <a:endParaRPr lang="es-MX"/>
-              </a:p>
-            </p:txBody>
-          </p:sp>
-          <p:pic>
-            <p:nvPicPr>
-              <p:cNvPr id="10" name="Imagen 9"/>
-              <p:cNvPicPr>
-                <a:picLocks noChangeAspect="1"/>
-              </p:cNvPicPr>
-              <p:nvPr/>
-            </p:nvPicPr>
-            <p:blipFill>
-              <a:blip r:embed="rId3"/>
-              <a:stretch>
-                <a:fillRect/>
-              </a:stretch>
-            </p:blipFill>
-            <p:spPr>
-              <a:xfrm>
-                <a:off x="-13252" y="5428930"/>
-                <a:ext cx="4776997" cy="1091885"/>
-              </a:xfrm>
-              <a:prstGeom prst="rect">
-                <a:avLst/>
-              </a:prstGeom>
-            </p:spPr>
-          </p:pic>
-          <p:pic>
-            <p:nvPicPr>
-              <p:cNvPr id="11" name="Imagen 10"/>
-              <p:cNvPicPr>
-                <a:picLocks noChangeAspect="1"/>
-              </p:cNvPicPr>
-              <p:nvPr/>
-            </p:nvPicPr>
-            <p:blipFill>
-              <a:blip r:embed="rId3"/>
-              <a:stretch>
-                <a:fillRect/>
-              </a:stretch>
-            </p:blipFill>
-            <p:spPr>
-              <a:xfrm>
-                <a:off x="4732478" y="5416754"/>
-                <a:ext cx="4776997" cy="1091885"/>
-              </a:xfrm>
-              <a:prstGeom prst="rect">
-                <a:avLst/>
-              </a:prstGeom>
-            </p:spPr>
-          </p:pic>
-          <p:pic>
-            <p:nvPicPr>
-              <p:cNvPr id="12" name="Imagen 11"/>
-              <p:cNvPicPr>
-                <a:picLocks noChangeAspect="1"/>
-              </p:cNvPicPr>
-              <p:nvPr/>
-            </p:nvPicPr>
-            <p:blipFill rotWithShape="1">
-              <a:blip r:embed="rId3"/>
-              <a:srcRect l="43845"/>
-              <a:stretch>
-                <a:fillRect/>
-              </a:stretch>
-            </p:blipFill>
-            <p:spPr>
-              <a:xfrm>
-                <a:off x="9509475" y="5416754"/>
-                <a:ext cx="2682525" cy="1091885"/>
-              </a:xfrm>
-              <a:prstGeom prst="rect">
-                <a:avLst/>
-              </a:prstGeom>
-            </p:spPr>
-          </p:pic>
-        </p:grpSp>
-        <p:pic>
-          <p:nvPicPr>
-            <p:cNvPr id="8" name="Imagen 7"/>
-            <p:cNvPicPr>
-              <a:picLocks noChangeAspect="1"/>
-            </p:cNvPicPr>
-            <p:nvPr/>
-          </p:nvPicPr>
-          <p:blipFill>
-            <a:blip r:embed="rId4"/>
-            <a:stretch>
-              <a:fillRect/>
-            </a:stretch>
-          </p:blipFill>
-          <p:spPr>
-            <a:xfrm>
-              <a:off x="4364554" y="5547721"/>
-              <a:ext cx="3255445" cy="854301"/>
-            </a:xfrm>
-            <a:prstGeom prst="rect">
-              <a:avLst/>
-            </a:prstGeom>
-          </p:spPr>
-        </p:pic>
-      </p:grpSp>
       <p:sp>
         <p:nvSpPr>
           <p:cNvPr id="13" name="Título 1"/>
@@ -24127,7 +17034,7 @@
           <p:nvPr/>
         </p:nvPicPr>
         <p:blipFill>
-          <a:blip r:embed="rId5"/>
+          <a:blip r:embed="rId3"/>
           <a:stretch>
             <a:fillRect/>
           </a:stretch>
@@ -24157,7 +17064,7 @@
           <p:nvPr/>
         </p:nvPicPr>
         <p:blipFill>
-          <a:blip r:embed="rId6"/>
+          <a:blip r:embed="rId4"/>
           <a:stretch>
             <a:fillRect/>
           </a:stretch>
@@ -24232,179 +17139,6 @@
           <a:chExt cx="0" cy="0"/>
         </a:xfrm>
       </p:grpSpPr>
-      <p:grpSp>
-        <p:nvGrpSpPr>
-          <p:cNvPr id="4" name="Grupo 3"/>
-          <p:cNvGrpSpPr/>
-          <p:nvPr/>
-        </p:nvGrpSpPr>
-        <p:grpSpPr>
-          <a:xfrm>
-            <a:off x="-13252" y="5734254"/>
-            <a:ext cx="12205252" cy="1104061"/>
-            <a:chOff x="-13252" y="5416754"/>
-            <a:chExt cx="12205252" cy="1104061"/>
-          </a:xfrm>
-        </p:grpSpPr>
-        <p:grpSp>
-          <p:nvGrpSpPr>
-            <p:cNvPr id="5" name="Grupo 4"/>
-            <p:cNvGrpSpPr/>
-            <p:nvPr/>
-          </p:nvGrpSpPr>
-          <p:grpSpPr>
-            <a:xfrm>
-              <a:off x="-13252" y="5416754"/>
-              <a:ext cx="12205252" cy="1104061"/>
-              <a:chOff x="-13252" y="5416754"/>
-              <a:chExt cx="12205252" cy="1104061"/>
-            </a:xfrm>
-          </p:grpSpPr>
-          <p:sp>
-            <p:nvSpPr>
-              <p:cNvPr id="7" name="Rectángulo 6"/>
-              <p:cNvSpPr/>
-              <p:nvPr/>
-            </p:nvSpPr>
-            <p:spPr>
-              <a:xfrm>
-                <a:off x="0" y="5566658"/>
-                <a:ext cx="12192000" cy="794385"/>
-              </a:xfrm>
-              <a:prstGeom prst="rect">
-                <a:avLst/>
-              </a:prstGeom>
-              <a:solidFill>
-                <a:schemeClr val="tx1"/>
-              </a:solidFill>
-              <a:ln>
-                <a:noFill/>
-              </a:ln>
-            </p:spPr>
-            <p:style>
-              <a:lnRef idx="2">
-                <a:schemeClr val="accent1">
-                  <a:shade val="50000"/>
-                </a:schemeClr>
-              </a:lnRef>
-              <a:fillRef idx="1">
-                <a:schemeClr val="accent1"/>
-              </a:fillRef>
-              <a:effectRef idx="0">
-                <a:schemeClr val="accent1"/>
-              </a:effectRef>
-              <a:fontRef idx="minor">
-                <a:schemeClr val="lt1"/>
-              </a:fontRef>
-            </p:style>
-            <p:txBody>
-              <a:bodyPr rtlCol="0" anchor="ctr"/>
-              <a:lstStyle/>
-              <a:p>
-                <a:pPr algn="ctr"/>
-                <a:endParaRPr lang="es-MX"/>
-              </a:p>
-            </p:txBody>
-          </p:sp>
-          <p:pic>
-            <p:nvPicPr>
-              <p:cNvPr id="8" name="Imagen 7"/>
-              <p:cNvPicPr>
-                <a:picLocks noChangeAspect="1"/>
-              </p:cNvPicPr>
-              <p:nvPr/>
-            </p:nvPicPr>
-            <p:blipFill>
-              <a:blip r:embed="rId2"/>
-              <a:stretch>
-                <a:fillRect/>
-              </a:stretch>
-            </p:blipFill>
-            <p:spPr>
-              <a:xfrm>
-                <a:off x="-13252" y="5428930"/>
-                <a:ext cx="4776997" cy="1091885"/>
-              </a:xfrm>
-              <a:prstGeom prst="rect">
-                <a:avLst/>
-              </a:prstGeom>
-            </p:spPr>
-          </p:pic>
-          <p:pic>
-            <p:nvPicPr>
-              <p:cNvPr id="9" name="Imagen 8"/>
-              <p:cNvPicPr>
-                <a:picLocks noChangeAspect="1"/>
-              </p:cNvPicPr>
-              <p:nvPr/>
-            </p:nvPicPr>
-            <p:blipFill>
-              <a:blip r:embed="rId2"/>
-              <a:stretch>
-                <a:fillRect/>
-              </a:stretch>
-            </p:blipFill>
-            <p:spPr>
-              <a:xfrm>
-                <a:off x="4732478" y="5416754"/>
-                <a:ext cx="4776997" cy="1091885"/>
-              </a:xfrm>
-              <a:prstGeom prst="rect">
-                <a:avLst/>
-              </a:prstGeom>
-            </p:spPr>
-          </p:pic>
-          <p:pic>
-            <p:nvPicPr>
-              <p:cNvPr id="10" name="Imagen 9"/>
-              <p:cNvPicPr>
-                <a:picLocks noChangeAspect="1"/>
-              </p:cNvPicPr>
-              <p:nvPr/>
-            </p:nvPicPr>
-            <p:blipFill rotWithShape="1">
-              <a:blip r:embed="rId2"/>
-              <a:srcRect l="43845"/>
-              <a:stretch>
-                <a:fillRect/>
-              </a:stretch>
-            </p:blipFill>
-            <p:spPr>
-              <a:xfrm>
-                <a:off x="9509475" y="5416754"/>
-                <a:ext cx="2682525" cy="1091885"/>
-              </a:xfrm>
-              <a:prstGeom prst="rect">
-                <a:avLst/>
-              </a:prstGeom>
-            </p:spPr>
-          </p:pic>
-        </p:grpSp>
-        <p:pic>
-          <p:nvPicPr>
-            <p:cNvPr id="6" name="Imagen 5"/>
-            <p:cNvPicPr>
-              <a:picLocks noChangeAspect="1"/>
-            </p:cNvPicPr>
-            <p:nvPr/>
-          </p:nvPicPr>
-          <p:blipFill>
-            <a:blip r:embed="rId3"/>
-            <a:stretch>
-              <a:fillRect/>
-            </a:stretch>
-          </p:blipFill>
-          <p:spPr>
-            <a:xfrm>
-              <a:off x="4364554" y="5547721"/>
-              <a:ext cx="3255445" cy="854301"/>
-            </a:xfrm>
-            <a:prstGeom prst="rect">
-              <a:avLst/>
-            </a:prstGeom>
-          </p:spPr>
-        </p:pic>
-      </p:grpSp>
       <p:sp>
         <p:nvSpPr>
           <p:cNvPr id="11" name="Título 1"/>
@@ -24514,7 +17248,7 @@
           <p:nvPr/>
         </p:nvPicPr>
         <p:blipFill>
-          <a:blip r:embed="rId4"/>
+          <a:blip r:embed="rId2"/>
           <a:stretch>
             <a:fillRect/>
           </a:stretch>
@@ -24589,179 +17323,6 @@
           <a:chExt cx="0" cy="0"/>
         </a:xfrm>
       </p:grpSpPr>
-      <p:grpSp>
-        <p:nvGrpSpPr>
-          <p:cNvPr id="4" name="Grupo 3"/>
-          <p:cNvGrpSpPr/>
-          <p:nvPr/>
-        </p:nvGrpSpPr>
-        <p:grpSpPr>
-          <a:xfrm>
-            <a:off x="-13252" y="5734254"/>
-            <a:ext cx="12205252" cy="1104061"/>
-            <a:chOff x="-13252" y="5416754"/>
-            <a:chExt cx="12205252" cy="1104061"/>
-          </a:xfrm>
-        </p:grpSpPr>
-        <p:grpSp>
-          <p:nvGrpSpPr>
-            <p:cNvPr id="5" name="Grupo 4"/>
-            <p:cNvGrpSpPr/>
-            <p:nvPr/>
-          </p:nvGrpSpPr>
-          <p:grpSpPr>
-            <a:xfrm>
-              <a:off x="-13252" y="5416754"/>
-              <a:ext cx="12205252" cy="1104061"/>
-              <a:chOff x="-13252" y="5416754"/>
-              <a:chExt cx="12205252" cy="1104061"/>
-            </a:xfrm>
-          </p:grpSpPr>
-          <p:sp>
-            <p:nvSpPr>
-              <p:cNvPr id="7" name="Rectángulo 6"/>
-              <p:cNvSpPr/>
-              <p:nvPr/>
-            </p:nvSpPr>
-            <p:spPr>
-              <a:xfrm>
-                <a:off x="0" y="5566658"/>
-                <a:ext cx="12192000" cy="794385"/>
-              </a:xfrm>
-              <a:prstGeom prst="rect">
-                <a:avLst/>
-              </a:prstGeom>
-              <a:solidFill>
-                <a:schemeClr val="tx1"/>
-              </a:solidFill>
-              <a:ln>
-                <a:noFill/>
-              </a:ln>
-            </p:spPr>
-            <p:style>
-              <a:lnRef idx="2">
-                <a:schemeClr val="accent1">
-                  <a:shade val="50000"/>
-                </a:schemeClr>
-              </a:lnRef>
-              <a:fillRef idx="1">
-                <a:schemeClr val="accent1"/>
-              </a:fillRef>
-              <a:effectRef idx="0">
-                <a:schemeClr val="accent1"/>
-              </a:effectRef>
-              <a:fontRef idx="minor">
-                <a:schemeClr val="lt1"/>
-              </a:fontRef>
-            </p:style>
-            <p:txBody>
-              <a:bodyPr rtlCol="0" anchor="ctr"/>
-              <a:lstStyle/>
-              <a:p>
-                <a:pPr algn="ctr"/>
-                <a:endParaRPr lang="es-MX"/>
-              </a:p>
-            </p:txBody>
-          </p:sp>
-          <p:pic>
-            <p:nvPicPr>
-              <p:cNvPr id="8" name="Imagen 7"/>
-              <p:cNvPicPr>
-                <a:picLocks noChangeAspect="1"/>
-              </p:cNvPicPr>
-              <p:nvPr/>
-            </p:nvPicPr>
-            <p:blipFill>
-              <a:blip r:embed="rId2"/>
-              <a:stretch>
-                <a:fillRect/>
-              </a:stretch>
-            </p:blipFill>
-            <p:spPr>
-              <a:xfrm>
-                <a:off x="-13252" y="5428930"/>
-                <a:ext cx="4776997" cy="1091885"/>
-              </a:xfrm>
-              <a:prstGeom prst="rect">
-                <a:avLst/>
-              </a:prstGeom>
-            </p:spPr>
-          </p:pic>
-          <p:pic>
-            <p:nvPicPr>
-              <p:cNvPr id="9" name="Imagen 8"/>
-              <p:cNvPicPr>
-                <a:picLocks noChangeAspect="1"/>
-              </p:cNvPicPr>
-              <p:nvPr/>
-            </p:nvPicPr>
-            <p:blipFill>
-              <a:blip r:embed="rId2"/>
-              <a:stretch>
-                <a:fillRect/>
-              </a:stretch>
-            </p:blipFill>
-            <p:spPr>
-              <a:xfrm>
-                <a:off x="4732478" y="5416754"/>
-                <a:ext cx="4776997" cy="1091885"/>
-              </a:xfrm>
-              <a:prstGeom prst="rect">
-                <a:avLst/>
-              </a:prstGeom>
-            </p:spPr>
-          </p:pic>
-          <p:pic>
-            <p:nvPicPr>
-              <p:cNvPr id="10" name="Imagen 9"/>
-              <p:cNvPicPr>
-                <a:picLocks noChangeAspect="1"/>
-              </p:cNvPicPr>
-              <p:nvPr/>
-            </p:nvPicPr>
-            <p:blipFill rotWithShape="1">
-              <a:blip r:embed="rId2"/>
-              <a:srcRect l="43845"/>
-              <a:stretch>
-                <a:fillRect/>
-              </a:stretch>
-            </p:blipFill>
-            <p:spPr>
-              <a:xfrm>
-                <a:off x="9509475" y="5416754"/>
-                <a:ext cx="2682525" cy="1091885"/>
-              </a:xfrm>
-              <a:prstGeom prst="rect">
-                <a:avLst/>
-              </a:prstGeom>
-            </p:spPr>
-          </p:pic>
-        </p:grpSp>
-        <p:pic>
-          <p:nvPicPr>
-            <p:cNvPr id="6" name="Imagen 5"/>
-            <p:cNvPicPr>
-              <a:picLocks noChangeAspect="1"/>
-            </p:cNvPicPr>
-            <p:nvPr/>
-          </p:nvPicPr>
-          <p:blipFill>
-            <a:blip r:embed="rId3"/>
-            <a:stretch>
-              <a:fillRect/>
-            </a:stretch>
-          </p:blipFill>
-          <p:spPr>
-            <a:xfrm>
-              <a:off x="4364554" y="5547721"/>
-              <a:ext cx="3255445" cy="854301"/>
-            </a:xfrm>
-            <a:prstGeom prst="rect">
-              <a:avLst/>
-            </a:prstGeom>
-          </p:spPr>
-        </p:pic>
-      </p:grpSp>
       <p:sp>
         <p:nvSpPr>
           <p:cNvPr id="11" name="Título 1"/>
@@ -24871,7 +17432,7 @@
           <p:nvPr/>
         </p:nvPicPr>
         <p:blipFill>
-          <a:blip r:embed="rId4"/>
+          <a:blip r:embed="rId2"/>
           <a:stretch>
             <a:fillRect/>
           </a:stretch>
@@ -24946,179 +17507,6 @@
           <a:chExt cx="0" cy="0"/>
         </a:xfrm>
       </p:grpSpPr>
-      <p:grpSp>
-        <p:nvGrpSpPr>
-          <p:cNvPr id="2" name="Grupo 1"/>
-          <p:cNvGrpSpPr/>
-          <p:nvPr/>
-        </p:nvGrpSpPr>
-        <p:grpSpPr>
-          <a:xfrm>
-            <a:off x="-13252" y="5734254"/>
-            <a:ext cx="12205252" cy="1104061"/>
-            <a:chOff x="-13252" y="5416754"/>
-            <a:chExt cx="12205252" cy="1104061"/>
-          </a:xfrm>
-        </p:grpSpPr>
-        <p:grpSp>
-          <p:nvGrpSpPr>
-            <p:cNvPr id="3" name="Grupo 2"/>
-            <p:cNvGrpSpPr/>
-            <p:nvPr/>
-          </p:nvGrpSpPr>
-          <p:grpSpPr>
-            <a:xfrm>
-              <a:off x="-13252" y="5416754"/>
-              <a:ext cx="12205252" cy="1104061"/>
-              <a:chOff x="-13252" y="5416754"/>
-              <a:chExt cx="12205252" cy="1104061"/>
-            </a:xfrm>
-          </p:grpSpPr>
-          <p:sp>
-            <p:nvSpPr>
-              <p:cNvPr id="5" name="Rectángulo 4"/>
-              <p:cNvSpPr/>
-              <p:nvPr/>
-            </p:nvSpPr>
-            <p:spPr>
-              <a:xfrm>
-                <a:off x="0" y="5566658"/>
-                <a:ext cx="12192000" cy="794385"/>
-              </a:xfrm>
-              <a:prstGeom prst="rect">
-                <a:avLst/>
-              </a:prstGeom>
-              <a:solidFill>
-                <a:schemeClr val="tx1"/>
-              </a:solidFill>
-              <a:ln>
-                <a:noFill/>
-              </a:ln>
-            </p:spPr>
-            <p:style>
-              <a:lnRef idx="2">
-                <a:schemeClr val="accent1">
-                  <a:shade val="50000"/>
-                </a:schemeClr>
-              </a:lnRef>
-              <a:fillRef idx="1">
-                <a:schemeClr val="accent1"/>
-              </a:fillRef>
-              <a:effectRef idx="0">
-                <a:schemeClr val="accent1"/>
-              </a:effectRef>
-              <a:fontRef idx="minor">
-                <a:schemeClr val="lt1"/>
-              </a:fontRef>
-            </p:style>
-            <p:txBody>
-              <a:bodyPr rtlCol="0" anchor="ctr"/>
-              <a:lstStyle/>
-              <a:p>
-                <a:pPr algn="ctr"/>
-                <a:endParaRPr lang="es-MX"/>
-              </a:p>
-            </p:txBody>
-          </p:sp>
-          <p:pic>
-            <p:nvPicPr>
-              <p:cNvPr id="6" name="Imagen 5"/>
-              <p:cNvPicPr>
-                <a:picLocks noChangeAspect="1"/>
-              </p:cNvPicPr>
-              <p:nvPr/>
-            </p:nvPicPr>
-            <p:blipFill>
-              <a:blip r:embed="rId2"/>
-              <a:stretch>
-                <a:fillRect/>
-              </a:stretch>
-            </p:blipFill>
-            <p:spPr>
-              <a:xfrm>
-                <a:off x="-13252" y="5428930"/>
-                <a:ext cx="4776997" cy="1091885"/>
-              </a:xfrm>
-              <a:prstGeom prst="rect">
-                <a:avLst/>
-              </a:prstGeom>
-            </p:spPr>
-          </p:pic>
-          <p:pic>
-            <p:nvPicPr>
-              <p:cNvPr id="7" name="Imagen 6"/>
-              <p:cNvPicPr>
-                <a:picLocks noChangeAspect="1"/>
-              </p:cNvPicPr>
-              <p:nvPr/>
-            </p:nvPicPr>
-            <p:blipFill>
-              <a:blip r:embed="rId2"/>
-              <a:stretch>
-                <a:fillRect/>
-              </a:stretch>
-            </p:blipFill>
-            <p:spPr>
-              <a:xfrm>
-                <a:off x="4732478" y="5416754"/>
-                <a:ext cx="4776997" cy="1091885"/>
-              </a:xfrm>
-              <a:prstGeom prst="rect">
-                <a:avLst/>
-              </a:prstGeom>
-            </p:spPr>
-          </p:pic>
-          <p:pic>
-            <p:nvPicPr>
-              <p:cNvPr id="8" name="Imagen 7"/>
-              <p:cNvPicPr>
-                <a:picLocks noChangeAspect="1"/>
-              </p:cNvPicPr>
-              <p:nvPr/>
-            </p:nvPicPr>
-            <p:blipFill rotWithShape="1">
-              <a:blip r:embed="rId2"/>
-              <a:srcRect l="43845"/>
-              <a:stretch>
-                <a:fillRect/>
-              </a:stretch>
-            </p:blipFill>
-            <p:spPr>
-              <a:xfrm>
-                <a:off x="9509475" y="5416754"/>
-                <a:ext cx="2682525" cy="1091885"/>
-              </a:xfrm>
-              <a:prstGeom prst="rect">
-                <a:avLst/>
-              </a:prstGeom>
-            </p:spPr>
-          </p:pic>
-        </p:grpSp>
-        <p:pic>
-          <p:nvPicPr>
-            <p:cNvPr id="4" name="Imagen 3"/>
-            <p:cNvPicPr>
-              <a:picLocks noChangeAspect="1"/>
-            </p:cNvPicPr>
-            <p:nvPr/>
-          </p:nvPicPr>
-          <p:blipFill>
-            <a:blip r:embed="rId3"/>
-            <a:stretch>
-              <a:fillRect/>
-            </a:stretch>
-          </p:blipFill>
-          <p:spPr>
-            <a:xfrm>
-              <a:off x="4364554" y="5547721"/>
-              <a:ext cx="3255445" cy="854301"/>
-            </a:xfrm>
-            <a:prstGeom prst="rect">
-              <a:avLst/>
-            </a:prstGeom>
-          </p:spPr>
-        </p:pic>
-      </p:grpSp>
       <p:sp>
         <p:nvSpPr>
           <p:cNvPr id="9" name="Título 1"/>
@@ -25328,7 +17716,7 @@
           <p:nvPr/>
         </p:nvPicPr>
         <p:blipFill>
-          <a:blip r:embed="rId4"/>
+          <a:blip r:embed="rId2"/>
           <a:stretch>
             <a:fillRect/>
           </a:stretch>
